--- a/study/ppt/[스터디]2.10푸아송_KDH.pptx
+++ b/study/ppt/[스터디]2.10푸아송_KDH.pptx
@@ -308,7 +308,7 @@
       </p15:sldGuideLst>
     </p:ext>
     <p:ext uri="http://customooxmlschemas.google.com/">
-      <go:slidesCustomData xmlns="" xmlns:mc="http://schemas.openxmlformats.org/markup-compatibility/2006" xmlns:mv="urn:schemas-microsoft-com:mac:vml" xmlns:c="http://schemas.openxmlformats.org/drawingml/2006/chart" xmlns:dgm="http://schemas.openxmlformats.org/drawingml/2006/diagram" xmlns:o="urn:schemas-microsoft-com:office:office" xmlns:v="urn:schemas-microsoft-com:vml" xmlns:pvml="urn:schemas-microsoft-com:office:powerpoint" xmlns:com="http://schemas.openxmlformats.org/drawingml/2006/compatibility" xmlns:p14="http://schemas.microsoft.com/office/powerpoint/2010/main" xmlns:p15="http://schemas.microsoft.com/office/powerpoint/2012/main" xmlns:go="http://customooxmlschemas.google.com/" r:id="rId10" roundtripDataSignature="AMtx7mhva3UHPhQA4WbyUQCroSE+7w+SGg=="/>
+      <go:slidesCustomData xmlns:go="http://customooxmlschemas.google.com/" xmlns:p15="http://schemas.microsoft.com/office/powerpoint/2012/main" xmlns:p14="http://schemas.microsoft.com/office/powerpoint/2010/main" xmlns:com="http://schemas.openxmlformats.org/drawingml/2006/compatibility" xmlns:pvml="urn:schemas-microsoft-com:office:powerpoint" xmlns:v="urn:schemas-microsoft-com:vml" xmlns:o="urn:schemas-microsoft-com:office:office" xmlns:dgm="http://schemas.openxmlformats.org/drawingml/2006/diagram" xmlns:c="http://schemas.openxmlformats.org/drawingml/2006/chart" xmlns:mv="urn:schemas-microsoft-com:mac:vml" xmlns:mc="http://schemas.openxmlformats.org/markup-compatibility/2006" xmlns="" r:id="rId10" roundtripDataSignature="AMtx7mhva3UHPhQA4WbyUQCroSE+7w+SGg=="/>
     </p:ext>
   </p:extLst>
 </p:presentation>
@@ -5005,6 +5005,39 @@
                 <a:endParaRPr lang="en-US" altLang="ko-KR" sz="1600" dirty="0"/>
               </a:p>
               <a:p>
+                <a:pPr marL="114300" lvl="0" algn="just">
+                  <a:lnSpc>
+                    <a:spcPct val="150000"/>
+                  </a:lnSpc>
+                  <a:buClrTx/>
+                  <a:buSzPts val="1800"/>
+                </a:pPr>
+                <a:r>
+                  <a:rPr lang="en-US" altLang="ko-KR" sz="1600" dirty="0" err="1"/>
+                  <a:t>np.random.poisson</a:t>
+                </a:r>
+                <a:r>
+                  <a:rPr lang="en-US" altLang="ko-KR" sz="1600" dirty="0"/>
+                  <a:t>(5, 10000)</a:t>
+                </a:r>
+              </a:p>
+              <a:p>
+                <a:pPr marL="114300" marR="0" lvl="0" algn="just" rtl="0">
+                  <a:lnSpc>
+                    <a:spcPct val="150000"/>
+                  </a:lnSpc>
+                  <a:spcBef>
+                    <a:spcPts val="0"/>
+                  </a:spcBef>
+                  <a:spcAft>
+                    <a:spcPts val="0"/>
+                  </a:spcAft>
+                  <a:buClrTx/>
+                  <a:buSzPts val="1800"/>
+                </a:pPr>
+                <a:endParaRPr lang="en-US" altLang="ko-KR" sz="1600" dirty="0"/>
+              </a:p>
+              <a:p>
                 <a:pPr marL="114300" marR="0" lvl="0" algn="just" rtl="0">
                   <a:lnSpc>
                     <a:spcPct val="150000"/>
@@ -5066,7 +5099,7 @@
               <a:blipFill>
                 <a:blip r:embed="rId3"/>
                 <a:stretch>
-                  <a:fillRect r="-306" b="-1260000"/>
+                  <a:fillRect r="-306" b="-1460000"/>
                 </a:stretch>
               </a:blipFill>
               <a:ln>
@@ -5351,7 +5384,7 @@
         <p:spPr>
           <a:xfrm>
             <a:off x="0" y="1114072"/>
-            <a:ext cx="9906000" cy="1154290"/>
+            <a:ext cx="9906000" cy="3001334"/>
           </a:xfrm>
           <a:prstGeom prst="rect">
             <a:avLst/>
@@ -5413,6 +5446,53 @@
             <a:r>
               <a:rPr lang="en-US" altLang="ko-KR" sz="1600" dirty="0"/>
               <a:t>.)</a:t>
+            </a:r>
+          </a:p>
+          <a:p>
+            <a:pPr lvl="5">
+              <a:lnSpc>
+                <a:spcPct val="150000"/>
+              </a:lnSpc>
+            </a:pPr>
+            <a:endParaRPr lang="en-US" altLang="ko-KR" sz="1600" dirty="0"/>
+          </a:p>
+          <a:p>
+            <a:pPr lvl="5">
+              <a:lnSpc>
+                <a:spcPct val="150000"/>
+              </a:lnSpc>
+            </a:pPr>
+            <a:endParaRPr lang="en-US" altLang="ko-KR" sz="1600" dirty="0"/>
+          </a:p>
+          <a:p>
+            <a:pPr lvl="5">
+              <a:lnSpc>
+                <a:spcPct val="150000"/>
+              </a:lnSpc>
+            </a:pPr>
+            <a:endParaRPr lang="en-US" altLang="ko-KR" sz="1600" dirty="0"/>
+          </a:p>
+          <a:p>
+            <a:pPr lvl="5">
+              <a:lnSpc>
+                <a:spcPct val="150000"/>
+              </a:lnSpc>
+            </a:pPr>
+            <a:endParaRPr lang="en-US" altLang="ko-KR" sz="1600" dirty="0"/>
+          </a:p>
+          <a:p>
+            <a:pPr lvl="5">
+              <a:lnSpc>
+                <a:spcPct val="150000"/>
+              </a:lnSpc>
+            </a:pPr>
+            <a:r>
+              <a:rPr lang="en-US" altLang="ko-KR" sz="1600" dirty="0" err="1"/>
+              <a:t>np.random.exponential</a:t>
+            </a:r>
+            <a:r>
+              <a:rPr lang="en-US" altLang="ko-KR" sz="1600" dirty="0"/>
+              <a:t>(0.5, 10000)</a:t>
             </a:r>
           </a:p>
         </p:txBody>

--- a/study/ppt/[스터디]2.10푸아송_KDH.pptx
+++ b/study/ppt/[스터디]2.10푸아송_KDH.pptx
@@ -5,11 +5,12 @@
     <p:sldMasterId id="2147483648" r:id="rId1"/>
   </p:sldMasterIdLst>
   <p:notesMasterIdLst>
-    <p:notesMasterId r:id="rId4"/>
+    <p:notesMasterId r:id="rId5"/>
   </p:notesMasterIdLst>
   <p:sldIdLst>
     <p:sldId id="257" r:id="rId2"/>
     <p:sldId id="256" r:id="rId3"/>
+    <p:sldId id="258" r:id="rId4"/>
   </p:sldIdLst>
   <p:sldSz cx="9906000" cy="6858000" type="A4"/>
   <p:notesSz cx="6858000" cy="9144000"/>
@@ -308,7 +309,7 @@
       </p15:sldGuideLst>
     </p:ext>
     <p:ext uri="http://customooxmlschemas.google.com/">
-      <go:slidesCustomData xmlns:go="http://customooxmlschemas.google.com/" xmlns:p15="http://schemas.microsoft.com/office/powerpoint/2012/main" xmlns:p14="http://schemas.microsoft.com/office/powerpoint/2010/main" xmlns:com="http://schemas.openxmlformats.org/drawingml/2006/compatibility" xmlns:pvml="urn:schemas-microsoft-com:office:powerpoint" xmlns:v="urn:schemas-microsoft-com:vml" xmlns:o="urn:schemas-microsoft-com:office:office" xmlns:dgm="http://schemas.openxmlformats.org/drawingml/2006/diagram" xmlns:c="http://schemas.openxmlformats.org/drawingml/2006/chart" xmlns:mv="urn:schemas-microsoft-com:mac:vml" xmlns:mc="http://schemas.openxmlformats.org/markup-compatibility/2006" xmlns="" r:id="rId10" roundtripDataSignature="AMtx7mhva3UHPhQA4WbyUQCroSE+7w+SGg=="/>
+      <go:slidesCustomData xmlns="" xmlns:mc="http://schemas.openxmlformats.org/markup-compatibility/2006" xmlns:mv="urn:schemas-microsoft-com:mac:vml" xmlns:c="http://schemas.openxmlformats.org/drawingml/2006/chart" xmlns:dgm="http://schemas.openxmlformats.org/drawingml/2006/diagram" xmlns:o="urn:schemas-microsoft-com:office:office" xmlns:v="urn:schemas-microsoft-com:vml" xmlns:pvml="urn:schemas-microsoft-com:office:powerpoint" xmlns:com="http://schemas.openxmlformats.org/drawingml/2006/compatibility" xmlns:p14="http://schemas.microsoft.com/office/powerpoint/2010/main" xmlns:p15="http://schemas.microsoft.com/office/powerpoint/2012/main" xmlns:go="http://customooxmlschemas.google.com/" r:id="rId10" roundtripDataSignature="AMtx7mhva3UHPhQA4WbyUQCroSE+7w+SGg=="/>
     </p:ext>
   </p:extLst>
 </p:presentation>
@@ -1621,401 +1622,11 @@
               <a:buFont typeface="Noto Sans Symbols"/>
               <a:buNone/>
             </a:pPr>
-            <a:r>
-              <a:rPr lang="ko-KR" altLang="en-US" dirty="0" err="1">
-                <a:highlight>
-                  <a:srgbClr val="FFFF00"/>
-                </a:highlight>
-              </a:rPr>
-              <a:t>신뢰구간이란</a:t>
-            </a:r>
-            <a:r>
-              <a:rPr lang="ko-KR" altLang="en-US" dirty="0">
-                <a:highlight>
-                  <a:srgbClr val="FFFF00"/>
-                </a:highlight>
-              </a:rPr>
-              <a:t> </a:t>
-            </a:r>
-            <a:r>
-              <a:rPr lang="ko-KR" altLang="en-US" dirty="0" err="1">
-                <a:highlight>
-                  <a:srgbClr val="FFFF00"/>
-                </a:highlight>
-              </a:rPr>
-              <a:t>모수가</a:t>
-            </a:r>
-            <a:r>
-              <a:rPr lang="ko-KR" altLang="en-US" dirty="0">
-                <a:highlight>
-                  <a:srgbClr val="FFFF00"/>
-                </a:highlight>
-              </a:rPr>
-              <a:t> 실제로 포함될 것으로 예측되는 범위라고 하는데 간단하게 어디부터 어디까지 신뢰구간이라고 할 수 있고</a:t>
-            </a:r>
             <a:endParaRPr lang="en-US" altLang="ko-KR" dirty="0">
               <a:highlight>
                 <a:srgbClr val="FFFF00"/>
               </a:highlight>
             </a:endParaRPr>
-          </a:p>
-          <a:p>
-            <a:pPr marL="0" lvl="0" indent="0" algn="l" rtl="0">
-              <a:lnSpc>
-                <a:spcPct val="100000"/>
-              </a:lnSpc>
-              <a:spcBef>
-                <a:spcPts val="0"/>
-              </a:spcBef>
-              <a:spcAft>
-                <a:spcPts val="0"/>
-              </a:spcAft>
-              <a:buClr>
-                <a:schemeClr val="dk1"/>
-              </a:buClr>
-              <a:buSzPts val="1200"/>
-              <a:buFont typeface="Noto Sans Symbols"/>
-              <a:buNone/>
-            </a:pPr>
-            <a:r>
-              <a:rPr lang="ko-KR" altLang="en-US" dirty="0">
-                <a:highlight>
-                  <a:srgbClr val="FFFF00"/>
-                </a:highlight>
-              </a:rPr>
-              <a:t>신뢰수준은 </a:t>
-            </a:r>
-            <a:r>
-              <a:rPr lang="ko-KR" altLang="en-US" dirty="0" err="1">
-                <a:highlight>
-                  <a:srgbClr val="FFFF00"/>
-                </a:highlight>
-              </a:rPr>
-              <a:t>모수가</a:t>
-            </a:r>
-            <a:r>
-              <a:rPr lang="ko-KR" altLang="en-US" dirty="0">
-                <a:highlight>
-                  <a:srgbClr val="FFFF00"/>
-                </a:highlight>
-              </a:rPr>
-              <a:t> 신뢰구간에 포함될 </a:t>
-            </a:r>
-            <a:r>
-              <a:rPr lang="ko-KR" altLang="en-US" dirty="0" err="1">
-                <a:highlight>
-                  <a:srgbClr val="FFFF00"/>
-                </a:highlight>
-              </a:rPr>
-              <a:t>활률이</a:t>
-            </a:r>
-            <a:r>
-              <a:rPr lang="ko-KR" altLang="en-US" dirty="0">
-                <a:highlight>
-                  <a:srgbClr val="FFFF00"/>
-                </a:highlight>
-              </a:rPr>
-              <a:t> 신뢰 수준이라고 한다</a:t>
-            </a:r>
-            <a:r>
-              <a:rPr lang="en-US" altLang="ko-KR" dirty="0">
-                <a:highlight>
-                  <a:srgbClr val="FFFF00"/>
-                </a:highlight>
-              </a:rPr>
-              <a:t>.</a:t>
-            </a:r>
-          </a:p>
-          <a:p>
-            <a:pPr marL="0" lvl="0" indent="0" algn="l" rtl="0">
-              <a:lnSpc>
-                <a:spcPct val="100000"/>
-              </a:lnSpc>
-              <a:spcBef>
-                <a:spcPts val="0"/>
-              </a:spcBef>
-              <a:spcAft>
-                <a:spcPts val="0"/>
-              </a:spcAft>
-              <a:buClr>
-                <a:schemeClr val="dk1"/>
-              </a:buClr>
-              <a:buSzPts val="1200"/>
-              <a:buFont typeface="Noto Sans Symbols"/>
-              <a:buNone/>
-            </a:pPr>
-            <a:endParaRPr lang="en-US" altLang="ko-KR" dirty="0">
-              <a:highlight>
-                <a:srgbClr val="FFFF00"/>
-              </a:highlight>
-            </a:endParaRPr>
-          </a:p>
-          <a:p>
-            <a:pPr marL="0" marR="0" lvl="0" indent="0" algn="l" defTabSz="914400" rtl="0" eaLnBrk="1" fontAlgn="auto" latinLnBrk="0" hangingPunct="1">
-              <a:lnSpc>
-                <a:spcPct val="100000"/>
-              </a:lnSpc>
-              <a:spcBef>
-                <a:spcPts val="0"/>
-              </a:spcBef>
-              <a:spcAft>
-                <a:spcPts val="0"/>
-              </a:spcAft>
-              <a:buClr>
-                <a:schemeClr val="dk1"/>
-              </a:buClr>
-              <a:buSzPts val="1200"/>
-              <a:buFont typeface="Noto Sans Symbols"/>
-              <a:buNone/>
-              <a:tabLst/>
-              <a:defRPr/>
-            </a:pPr>
-            <a:r>
-              <a:rPr lang="ko-KR" altLang="en-US" dirty="0">
-                <a:highlight>
-                  <a:srgbClr val="FFFF00"/>
-                </a:highlight>
-              </a:rPr>
-              <a:t>신뢰구간을 구하는 이유 </a:t>
-            </a:r>
-            <a:r>
-              <a:rPr lang="en-US" altLang="ko-KR" dirty="0">
-                <a:highlight>
-                  <a:srgbClr val="FFFF00"/>
-                </a:highlight>
-              </a:rPr>
-              <a:t>: </a:t>
-            </a:r>
-            <a:r>
-              <a:rPr lang="ko-KR" altLang="en-US" dirty="0">
-                <a:highlight>
-                  <a:srgbClr val="FFFF00"/>
-                </a:highlight>
-              </a:rPr>
-              <a:t>모집단의 평균을 추정하는데 표본평균이 어느 정도로 신뢰할 수 있는지 알아보기 위해</a:t>
-            </a:r>
-            <a:endParaRPr lang="en-US" altLang="ko-KR" dirty="0">
-              <a:highlight>
-                <a:srgbClr val="FFFF00"/>
-              </a:highlight>
-            </a:endParaRPr>
-          </a:p>
-          <a:p>
-            <a:pPr marL="0" lvl="0" indent="0" algn="l" rtl="0">
-              <a:lnSpc>
-                <a:spcPct val="100000"/>
-              </a:lnSpc>
-              <a:spcBef>
-                <a:spcPts val="0"/>
-              </a:spcBef>
-              <a:spcAft>
-                <a:spcPts val="0"/>
-              </a:spcAft>
-              <a:buClr>
-                <a:schemeClr val="dk1"/>
-              </a:buClr>
-              <a:buSzPts val="1200"/>
-              <a:buFont typeface="Noto Sans Symbols"/>
-              <a:buNone/>
-            </a:pPr>
-            <a:endParaRPr lang="en-US" altLang="ko-KR" dirty="0">
-              <a:highlight>
-                <a:srgbClr val="FFFF00"/>
-              </a:highlight>
-            </a:endParaRPr>
-          </a:p>
-          <a:p>
-            <a:pPr marL="0" lvl="0" indent="0" algn="l" rtl="0">
-              <a:lnSpc>
-                <a:spcPct val="100000"/>
-              </a:lnSpc>
-              <a:spcBef>
-                <a:spcPts val="0"/>
-              </a:spcBef>
-              <a:spcAft>
-                <a:spcPts val="0"/>
-              </a:spcAft>
-              <a:buClr>
-                <a:schemeClr val="dk1"/>
-              </a:buClr>
-              <a:buSzPts val="1200"/>
-              <a:buFont typeface="Noto Sans Symbols"/>
-              <a:buNone/>
-            </a:pPr>
-            <a:r>
-              <a:rPr lang="ko-KR" altLang="en-US" dirty="0">
-                <a:highlight>
-                  <a:srgbClr val="FFFF00"/>
-                </a:highlight>
-              </a:rPr>
-              <a:t>신뢰구간을 구하는 공식은 표본평균 플러스 마이너스 </a:t>
-            </a:r>
-            <a:r>
-              <a:rPr lang="en-US" altLang="ko-KR" dirty="0">
-                <a:highlight>
-                  <a:srgbClr val="FFFF00"/>
-                </a:highlight>
-              </a:rPr>
-              <a:t>z</a:t>
-            </a:r>
-            <a:r>
-              <a:rPr lang="ko-KR" altLang="en-US" dirty="0">
-                <a:highlight>
-                  <a:srgbClr val="FFFF00"/>
-                </a:highlight>
-              </a:rPr>
-              <a:t>점수</a:t>
-            </a:r>
-            <a:r>
-              <a:rPr lang="en-US" altLang="ko-KR" dirty="0">
-                <a:highlight>
-                  <a:srgbClr val="FFFF00"/>
-                </a:highlight>
-              </a:rPr>
-              <a:t> </a:t>
-            </a:r>
-            <a:r>
-              <a:rPr lang="ko-KR" altLang="en-US" dirty="0">
-                <a:highlight>
-                  <a:srgbClr val="FFFF00"/>
-                </a:highlight>
-              </a:rPr>
-              <a:t>곱하기 </a:t>
-            </a:r>
-            <a:r>
-              <a:rPr lang="ko-KR" altLang="en-US" dirty="0" err="1">
-                <a:highlight>
-                  <a:srgbClr val="FFFF00"/>
-                </a:highlight>
-              </a:rPr>
-              <a:t>표본오차입니다</a:t>
-            </a:r>
-            <a:r>
-              <a:rPr lang="en-US" altLang="ko-KR" dirty="0">
-                <a:highlight>
-                  <a:srgbClr val="FFFF00"/>
-                </a:highlight>
-              </a:rPr>
-              <a:t>.</a:t>
-            </a:r>
-          </a:p>
-          <a:p>
-            <a:pPr marL="0" lvl="0" indent="0" algn="l" rtl="0">
-              <a:lnSpc>
-                <a:spcPct val="100000"/>
-              </a:lnSpc>
-              <a:spcBef>
-                <a:spcPts val="0"/>
-              </a:spcBef>
-              <a:spcAft>
-                <a:spcPts val="0"/>
-              </a:spcAft>
-              <a:buClr>
-                <a:schemeClr val="dk1"/>
-              </a:buClr>
-              <a:buSzPts val="1200"/>
-              <a:buFont typeface="Noto Sans Symbols"/>
-              <a:buNone/>
-            </a:pPr>
-            <a:endParaRPr lang="en-US" altLang="ko-KR" dirty="0">
-              <a:highlight>
-                <a:srgbClr val="FFFF00"/>
-              </a:highlight>
-            </a:endParaRPr>
-          </a:p>
-          <a:p>
-            <a:pPr marL="0" lvl="0" indent="0" algn="l" rtl="0">
-              <a:lnSpc>
-                <a:spcPct val="100000"/>
-              </a:lnSpc>
-              <a:spcBef>
-                <a:spcPts val="0"/>
-              </a:spcBef>
-              <a:spcAft>
-                <a:spcPts val="0"/>
-              </a:spcAft>
-              <a:buClr>
-                <a:schemeClr val="dk1"/>
-              </a:buClr>
-              <a:buSzPts val="1200"/>
-              <a:buFont typeface="Noto Sans Symbols"/>
-              <a:buNone/>
-            </a:pPr>
-            <a:r>
-              <a:rPr lang="en-US" altLang="ko-KR" dirty="0">
-                <a:highlight>
-                  <a:srgbClr val="FFFF00"/>
-                </a:highlight>
-              </a:rPr>
-              <a:t>Z</a:t>
-            </a:r>
-            <a:r>
-              <a:rPr lang="ko-KR" altLang="en-US" dirty="0">
-                <a:highlight>
-                  <a:srgbClr val="FFFF00"/>
-                </a:highlight>
-              </a:rPr>
-              <a:t>점수 </a:t>
-            </a:r>
-            <a:r>
-              <a:rPr lang="en-US" altLang="ko-KR" dirty="0">
-                <a:highlight>
-                  <a:srgbClr val="FFFF00"/>
-                </a:highlight>
-              </a:rPr>
-              <a:t>…….</a:t>
-            </a:r>
-          </a:p>
-          <a:p>
-            <a:pPr marL="0" lvl="0" indent="0" algn="l" rtl="0">
-              <a:lnSpc>
-                <a:spcPct val="100000"/>
-              </a:lnSpc>
-              <a:spcBef>
-                <a:spcPts val="0"/>
-              </a:spcBef>
-              <a:spcAft>
-                <a:spcPts val="0"/>
-              </a:spcAft>
-              <a:buClr>
-                <a:schemeClr val="dk1"/>
-              </a:buClr>
-              <a:buSzPts val="1200"/>
-              <a:buFont typeface="Noto Sans Symbols"/>
-              <a:buNone/>
-            </a:pPr>
-            <a:r>
-              <a:rPr lang="ko-KR" altLang="en-US" dirty="0">
-                <a:highlight>
-                  <a:srgbClr val="FFFF00"/>
-                </a:highlight>
-              </a:rPr>
-              <a:t>표준오차를</a:t>
-            </a:r>
-            <a:r>
-              <a:rPr lang="en-US" altLang="ko-KR" dirty="0">
-                <a:highlight>
-                  <a:srgbClr val="FFFF00"/>
-                </a:highlight>
-              </a:rPr>
-              <a:t> </a:t>
-            </a:r>
-            <a:r>
-              <a:rPr lang="ko-KR" altLang="en-US" dirty="0">
-                <a:highlight>
-                  <a:srgbClr val="FFFF00"/>
-                </a:highlight>
-              </a:rPr>
-              <a:t>사용하는 이유 </a:t>
-            </a:r>
-            <a:r>
-              <a:rPr lang="en-US" altLang="ko-KR" dirty="0">
-                <a:highlight>
-                  <a:srgbClr val="FFFF00"/>
-                </a:highlight>
-              </a:rPr>
-              <a:t>…….</a:t>
-            </a:r>
           </a:p>
         </p:txBody>
       </p:sp>
@@ -2192,7 +1803,7 @@
               <a:buFont typeface="Noto Sans Symbols"/>
               <a:buNone/>
             </a:pPr>
-            <a:endParaRPr>
+            <a:endParaRPr dirty="0">
               <a:highlight>
                 <a:srgbClr val="FFFF00"/>
               </a:highlight>
@@ -2247,6 +1858,187 @@
         </p:txBody>
       </p:sp>
     </p:spTree>
+  </p:cSld>
+  <p:clrMapOvr>
+    <a:masterClrMapping/>
+  </p:clrMapOvr>
+</p:notes>
+</file>
+
+<file path=ppt/notesSlides/notesSlide3.xml><?xml version="1.0" encoding="utf-8"?>
+<p:notes xmlns:a="http://schemas.openxmlformats.org/drawingml/2006/main" xmlns:r="http://schemas.openxmlformats.org/officeDocument/2006/relationships" xmlns:p="http://schemas.openxmlformats.org/presentationml/2006/main" showMasterSp="0" showMasterPhAnim="0">
+  <p:cSld>
+    <p:spTree>
+      <p:nvGrpSpPr>
+        <p:cNvPr id="1" name="Shape 24"/>
+        <p:cNvGrpSpPr/>
+        <p:nvPr/>
+      </p:nvGrpSpPr>
+      <p:grpSpPr>
+        <a:xfrm>
+          <a:off x="0" y="0"/>
+          <a:ext cx="0" cy="0"/>
+          <a:chOff x="0" y="0"/>
+          <a:chExt cx="0" cy="0"/>
+        </a:xfrm>
+      </p:grpSpPr>
+      <p:sp>
+        <p:nvSpPr>
+          <p:cNvPr id="25" name="Google Shape;25;p2:notes"/>
+          <p:cNvSpPr>
+            <a:spLocks noGrp="1" noRot="1" noChangeAspect="1"/>
+          </p:cNvSpPr>
+          <p:nvPr>
+            <p:ph type="sldImg" idx="2"/>
+          </p:nvPr>
+        </p:nvSpPr>
+        <p:spPr>
+          <a:xfrm>
+            <a:off x="1200150" y="1143000"/>
+            <a:ext cx="4457700" cy="3086100"/>
+          </a:xfrm>
+          <a:custGeom>
+            <a:avLst/>
+            <a:gdLst/>
+            <a:ahLst/>
+            <a:cxnLst/>
+            <a:rect l="l" t="t" r="r" b="b"/>
+            <a:pathLst>
+              <a:path w="120000" h="120000" extrusionOk="0">
+                <a:moveTo>
+                  <a:pt x="0" y="0"/>
+                </a:moveTo>
+                <a:lnTo>
+                  <a:pt x="120000" y="0"/>
+                </a:lnTo>
+                <a:lnTo>
+                  <a:pt x="120000" y="120000"/>
+                </a:lnTo>
+                <a:lnTo>
+                  <a:pt x="0" y="120000"/>
+                </a:lnTo>
+                <a:close/>
+              </a:path>
+            </a:pathLst>
+          </a:custGeom>
+          <a:noFill/>
+          <a:ln w="12700" cap="flat" cmpd="sng">
+            <a:solidFill>
+              <a:srgbClr val="000000"/>
+            </a:solidFill>
+            <a:prstDash val="solid"/>
+            <a:round/>
+            <a:headEnd type="none" w="sm" len="sm"/>
+            <a:tailEnd type="none" w="sm" len="sm"/>
+          </a:ln>
+        </p:spPr>
+      </p:sp>
+      <p:sp>
+        <p:nvSpPr>
+          <p:cNvPr id="26" name="Google Shape;26;p2:notes"/>
+          <p:cNvSpPr txBox="1">
+            <a:spLocks noGrp="1"/>
+          </p:cNvSpPr>
+          <p:nvPr>
+            <p:ph type="body" idx="1"/>
+          </p:nvPr>
+        </p:nvSpPr>
+        <p:spPr>
+          <a:xfrm>
+            <a:off x="685800" y="4400550"/>
+            <a:ext cx="5486400" cy="3600450"/>
+          </a:xfrm>
+          <a:prstGeom prst="rect">
+            <a:avLst/>
+          </a:prstGeom>
+          <a:noFill/>
+          <a:ln>
+            <a:noFill/>
+          </a:ln>
+        </p:spPr>
+        <p:txBody>
+          <a:bodyPr spcFirstLastPara="1" wrap="square" lIns="91425" tIns="45700" rIns="91425" bIns="45700" anchor="t" anchorCtr="0">
+            <a:noAutofit/>
+          </a:bodyPr>
+          <a:lstStyle/>
+          <a:p>
+            <a:pPr marL="0" lvl="0" indent="0" algn="l" rtl="0">
+              <a:lnSpc>
+                <a:spcPct val="100000"/>
+              </a:lnSpc>
+              <a:spcBef>
+                <a:spcPts val="0"/>
+              </a:spcBef>
+              <a:spcAft>
+                <a:spcPts val="0"/>
+              </a:spcAft>
+              <a:buClr>
+                <a:schemeClr val="dk1"/>
+              </a:buClr>
+              <a:buSzPts val="1200"/>
+              <a:buFont typeface="Noto Sans Symbols"/>
+              <a:buNone/>
+            </a:pPr>
+            <a:endParaRPr dirty="0">
+              <a:highlight>
+                <a:srgbClr val="FFFF00"/>
+              </a:highlight>
+            </a:endParaRPr>
+          </a:p>
+        </p:txBody>
+      </p:sp>
+      <p:sp>
+        <p:nvSpPr>
+          <p:cNvPr id="27" name="Google Shape;27;p2:notes"/>
+          <p:cNvSpPr txBox="1">
+            <a:spLocks noGrp="1"/>
+          </p:cNvSpPr>
+          <p:nvPr>
+            <p:ph type="sldNum" idx="12"/>
+          </p:nvPr>
+        </p:nvSpPr>
+        <p:spPr>
+          <a:xfrm>
+            <a:off x="3884613" y="8685213"/>
+            <a:ext cx="2971800" cy="458787"/>
+          </a:xfrm>
+          <a:prstGeom prst="rect">
+            <a:avLst/>
+          </a:prstGeom>
+          <a:noFill/>
+          <a:ln>
+            <a:noFill/>
+          </a:ln>
+        </p:spPr>
+        <p:txBody>
+          <a:bodyPr spcFirstLastPara="1" wrap="square" lIns="91425" tIns="45700" rIns="91425" bIns="45700" anchor="b" anchorCtr="0">
+            <a:noAutofit/>
+          </a:bodyPr>
+          <a:lstStyle/>
+          <a:p>
+            <a:pPr marL="0" lvl="0" indent="0" algn="r" rtl="0">
+              <a:spcBef>
+                <a:spcPts val="0"/>
+              </a:spcBef>
+              <a:spcAft>
+                <a:spcPts val="0"/>
+              </a:spcAft>
+              <a:buNone/>
+            </a:pPr>
+            <a:fld id="{00000000-1234-1234-1234-123412341234}" type="slidenum">
+              <a:rPr lang="en-US" altLang="ko-KR"/>
+              <a:t>3</a:t>
+            </a:fld>
+            <a:endParaRPr/>
+          </a:p>
+        </p:txBody>
+      </p:sp>
+    </p:spTree>
+    <p:extLst>
+      <p:ext uri="{BB962C8B-B14F-4D97-AF65-F5344CB8AC3E}">
+        <p14:creationId xmlns:p14="http://schemas.microsoft.com/office/powerpoint/2010/main" val="192298356"/>
+      </p:ext>
+    </p:extLst>
   </p:cSld>
   <p:clrMapOvr>
     <a:masterClrMapping/>
@@ -4539,7 +4331,29 @@
                       </a:schemeClr>
                     </a:solidFill>
                   </a:rPr>
-                  <a:t> 분포와 그 외 관련 분포들</a:t>
+                  <a:t> 분포</a:t>
+                </a:r>
+                <a:r>
+                  <a:rPr lang="en-US" altLang="ko-KR" sz="2000" b="1" dirty="0">
+                    <a:solidFill>
+                      <a:schemeClr val="tx1">
+                        <a:lumMod val="95000"/>
+                        <a:lumOff val="5000"/>
+                      </a:schemeClr>
+                    </a:solidFill>
+                  </a:rPr>
+                  <a:t>, </a:t>
+                </a:r>
+                <a:r>
+                  <a:rPr lang="ko-KR" altLang="en-US" sz="2000" b="1" dirty="0">
+                    <a:solidFill>
+                      <a:schemeClr val="tx1">
+                        <a:lumMod val="95000"/>
+                        <a:lumOff val="5000"/>
+                      </a:schemeClr>
+                    </a:solidFill>
+                  </a:rPr>
+                  <a:t>지수분포</a:t>
                 </a:r>
                 <a:endParaRPr lang="en-US" altLang="ko-KR" sz="1600" dirty="0"/>
               </a:p>
@@ -4571,7 +4385,119 @@
                 </a:r>
                 <a:r>
                   <a:rPr lang="ko-KR" altLang="en-US" dirty="0"/>
-                  <a:t>한정된 특정 시간 또는 작은 공간 내에 발생하는 사건 수에 대한 분포</a:t>
+                  <a:t>단위시간</a:t>
+                </a:r>
+                <a:r>
+                  <a:rPr lang="en-US" altLang="ko-KR" dirty="0"/>
+                  <a:t>, </a:t>
+                </a:r>
+                <a:r>
+                  <a:rPr lang="ko-KR" altLang="en-US" dirty="0"/>
+                  <a:t>단위 공간에 어떤 사건이 몇 번 발생할 것인가를 표현하는 이산확률분포</a:t>
+                </a:r>
+                <a:endParaRPr lang="en-US" altLang="ko-KR" dirty="0"/>
+              </a:p>
+              <a:p>
+                <a:pPr marL="400050" lvl="0" indent="-285750" algn="just">
+                  <a:lnSpc>
+                    <a:spcPct val="150000"/>
+                  </a:lnSpc>
+                  <a:buClrTx/>
+                  <a:buSzPts val="1800"/>
+                  <a:buFont typeface="Arial" panose="020B0604020202020204" pitchFamily="34" charset="0"/>
+                  <a:buChar char="•"/>
+                </a:pPr>
+                <a:r>
+                  <a:rPr lang="ko-KR" altLang="en-US" sz="1600" dirty="0"/>
+                  <a:t>이산확률분포에서 가장 많이 사용되는 분포</a:t>
+                </a:r>
+                <a:endParaRPr lang="en-US" altLang="ko-KR" sz="1600" dirty="0"/>
+              </a:p>
+              <a:p>
+                <a:pPr marL="114300" marR="0" lvl="0" algn="just" rtl="0">
+                  <a:lnSpc>
+                    <a:spcPct val="150000"/>
+                  </a:lnSpc>
+                  <a:spcBef>
+                    <a:spcPts val="0"/>
+                  </a:spcBef>
+                  <a:spcAft>
+                    <a:spcPts val="0"/>
+                  </a:spcAft>
+                  <a:buClrTx/>
+                  <a:buSzPts val="1800"/>
+                </a:pPr>
+                <a:r>
+                  <a:rPr lang="ko-KR" altLang="en-US" sz="1600" dirty="0" err="1"/>
+                  <a:t>푸아송분포에서의</a:t>
+                </a:r>
+                <a:r>
+                  <a:rPr lang="ko-KR" altLang="en-US" sz="1600" dirty="0"/>
+                  <a:t> </a:t>
+                </a:r>
+                <a:r>
+                  <a:rPr lang="ko-KR" altLang="en-US" sz="1600" dirty="0" err="1"/>
+                  <a:t>모수는</a:t>
+                </a:r>
+                <a:r>
+                  <a:rPr lang="ko-KR" altLang="en-US" sz="1600" dirty="0"/>
+                  <a:t> </a:t>
+                </a:r>
+                <a:r>
+                  <a:rPr lang="en-US" altLang="ko-KR" sz="1600" dirty="0"/>
+                  <a:t>‘</a:t>
+                </a:r>
+                <a:r>
+                  <a:rPr lang="ko-KR" altLang="en-US" sz="1600" dirty="0"/>
+                  <a:t>단위시간 또는 단위 공간에서 평균 발생 횟수‘</a:t>
+                </a:r>
+                <a:endParaRPr lang="en-US" altLang="ko-KR" sz="1600" dirty="0"/>
+              </a:p>
+              <a:p>
+                <a:pPr marL="114300" marR="0" lvl="0" algn="just" rtl="0">
+                  <a:lnSpc>
+                    <a:spcPct val="150000"/>
+                  </a:lnSpc>
+                  <a:spcBef>
+                    <a:spcPts val="0"/>
+                  </a:spcBef>
+                  <a:spcAft>
+                    <a:spcPts val="0"/>
+                  </a:spcAft>
+                  <a:buClrTx/>
+                  <a:buSzPts val="1800"/>
+                </a:pPr>
+                <a:r>
+                  <a:rPr lang="ko-KR" altLang="en-US" sz="1600" dirty="0" err="1"/>
+                  <a:t>모수</a:t>
+                </a:r>
+                <a:r>
+                  <a:rPr lang="ko-KR" altLang="en-US" sz="1600" dirty="0"/>
+                  <a:t> </a:t>
+                </a:r>
+                <a:r>
+                  <a:rPr lang="en-US" altLang="ko-KR" sz="1600" dirty="0"/>
+                  <a:t>= </a:t>
+                </a:r>
+                <a:r>
+                  <a:rPr lang="ko-KR" altLang="en-US" sz="1600" dirty="0"/>
+                  <a:t>람다</a:t>
+                </a:r>
+                <a:r>
+                  <a:rPr lang="en-US" altLang="ko-KR" sz="1600" dirty="0"/>
+                  <a:t>, p = </a:t>
+                </a:r>
+                <a:r>
+                  <a:rPr lang="ko-KR" altLang="en-US" sz="1600" dirty="0"/>
+                  <a:t>확률</a:t>
+                </a:r>
+                <a:r>
+                  <a:rPr lang="en-US" altLang="ko-KR" sz="1600" dirty="0"/>
+                  <a:t>, n = </a:t>
+                </a:r>
+                <a:r>
+                  <a:rPr lang="ko-KR" altLang="en-US" sz="1600" dirty="0"/>
+                  <a:t>사건발생 횟수</a:t>
                 </a:r>
                 <a:endParaRPr lang="en-US" altLang="ko-KR" sz="1600" dirty="0"/>
               </a:p>
@@ -4591,249 +4517,12 @@
                 </a:pPr>
                 <a:r>
                   <a:rPr lang="ko-KR" altLang="en-US" sz="1600" dirty="0"/>
-                  <a:t>전제조건</a:t>
-                </a:r>
-                <a:endParaRPr lang="en-US" altLang="ko-KR" sz="1600" dirty="0"/>
-              </a:p>
-              <a:p>
-                <a:pPr marL="114300" marR="0" lvl="0" algn="just" rtl="0">
-                  <a:lnSpc>
-                    <a:spcPct val="150000"/>
-                  </a:lnSpc>
-                  <a:spcBef>
-                    <a:spcPts val="0"/>
-                  </a:spcBef>
-                  <a:spcAft>
-                    <a:spcPts val="0"/>
-                  </a:spcAft>
-                  <a:buClrTx/>
-                  <a:buSzPts val="1800"/>
-                </a:pPr>
-                <a:r>
-                  <a:rPr lang="ko-KR" altLang="en-US" sz="1600" dirty="0"/>
-                  <a:t>독립성 </a:t>
+                  <a:t>람다 </a:t>
                 </a:r>
                 <a:r>
                   <a:rPr lang="en-US" altLang="ko-KR" sz="1600" dirty="0"/>
-                  <a:t>: </a:t>
+                  <a:t>= np</a:t>
                 </a:r>
-                <a:r>
-                  <a:rPr lang="ko-KR" altLang="en-US" sz="1600" dirty="0"/>
-                  <a:t>다른 구간</a:t>
-                </a:r>
-                <a:r>
-                  <a:rPr lang="en-US" altLang="ko-KR" sz="1600" dirty="0"/>
-                  <a:t>(</a:t>
-                </a:r>
-                <a:r>
-                  <a:rPr lang="ko-KR" altLang="en-US" sz="1600" dirty="0"/>
-                  <a:t>시간</a:t>
-                </a:r>
-                <a:r>
-                  <a:rPr lang="en-US" altLang="ko-KR" sz="1600" dirty="0"/>
-                  <a:t>, </a:t>
-                </a:r>
-                <a:r>
-                  <a:rPr lang="ko-KR" altLang="en-US" sz="1600" dirty="0"/>
-                  <a:t>공간</a:t>
-                </a:r>
-                <a:r>
-                  <a:rPr lang="en-US" altLang="ko-KR" sz="1600" dirty="0"/>
-                  <a:t>)</a:t>
-                </a:r>
-                <a:r>
-                  <a:rPr lang="ko-KR" altLang="en-US" sz="1600" dirty="0"/>
-                  <a:t>에서 발생하는 사상은 서로 통계적 독립</a:t>
-                </a:r>
-                <a:endParaRPr lang="en-US" altLang="ko-KR" sz="1600" dirty="0"/>
-              </a:p>
-              <a:p>
-                <a:pPr marL="114300" marR="0" lvl="0" algn="just" rtl="0">
-                  <a:lnSpc>
-                    <a:spcPct val="150000"/>
-                  </a:lnSpc>
-                  <a:spcBef>
-                    <a:spcPts val="0"/>
-                  </a:spcBef>
-                  <a:spcAft>
-                    <a:spcPts val="0"/>
-                  </a:spcAft>
-                  <a:buClrTx/>
-                  <a:buSzPts val="1800"/>
-                </a:pPr>
-                <a:r>
-                  <a:rPr lang="ko-KR" altLang="en-US" sz="1600" dirty="0" err="1"/>
-                  <a:t>일정성</a:t>
-                </a:r>
-                <a:r>
-                  <a:rPr lang="ko-KR" altLang="en-US" sz="1600" dirty="0"/>
-                  <a:t> </a:t>
-                </a:r>
-                <a:r>
-                  <a:rPr lang="en-US" altLang="ko-KR" sz="1600" dirty="0"/>
-                  <a:t>: </a:t>
-                </a:r>
-                <a:r>
-                  <a:rPr lang="ko-KR" altLang="en-US" sz="1600" dirty="0"/>
-                  <a:t>단위 구간</a:t>
-                </a:r>
-                <a:r>
-                  <a:rPr lang="en-US" altLang="ko-KR" sz="1600" dirty="0"/>
-                  <a:t>(</a:t>
-                </a:r>
-                <a:r>
-                  <a:rPr lang="ko-KR" altLang="en-US" sz="1600" dirty="0"/>
-                  <a:t>시간</a:t>
-                </a:r>
-                <a:r>
-                  <a:rPr lang="en-US" altLang="ko-KR" sz="1600" dirty="0"/>
-                  <a:t>, </a:t>
-                </a:r>
-                <a:r>
-                  <a:rPr lang="ko-KR" altLang="en-US" sz="1600" dirty="0"/>
-                  <a:t>공간</a:t>
-                </a:r>
-                <a:r>
-                  <a:rPr lang="en-US" altLang="ko-KR" sz="1600" dirty="0"/>
-                  <a:t>) </a:t>
-                </a:r>
-                <a:r>
-                  <a:rPr lang="ko-KR" altLang="en-US" sz="1600" dirty="0"/>
-                  <a:t>내 발생 확률은 동일 </a:t>
-                </a:r>
-                <a:r>
-                  <a:rPr lang="en-US" altLang="ko-KR" sz="1600" dirty="0"/>
-                  <a:t>ex) 1</a:t>
-                </a:r>
-                <a:r>
-                  <a:rPr lang="ko-KR" altLang="en-US" sz="1600" dirty="0"/>
-                  <a:t>시간 </a:t>
-                </a:r>
-                <a:r>
-                  <a:rPr lang="en-US" altLang="ko-KR" sz="1600" dirty="0"/>
-                  <a:t>6</a:t>
-                </a:r>
-                <a:r>
-                  <a:rPr lang="ko-KR" altLang="en-US" sz="1600" dirty="0"/>
-                  <a:t>명</a:t>
-                </a:r>
-                <a:r>
-                  <a:rPr lang="en-US" altLang="ko-KR" sz="1600" dirty="0"/>
-                  <a:t>, 2</a:t>
-                </a:r>
-                <a:r>
-                  <a:rPr lang="ko-KR" altLang="en-US" sz="1600" dirty="0"/>
-                  <a:t>시간 </a:t>
-                </a:r>
-                <a:r>
-                  <a:rPr lang="en-US" altLang="ko-KR" sz="1600" dirty="0"/>
-                  <a:t>12</a:t>
-                </a:r>
-                <a:r>
-                  <a:rPr lang="ko-KR" altLang="en-US" sz="1600" dirty="0"/>
-                  <a:t>명</a:t>
-                </a:r>
-                <a:endParaRPr lang="en-US" altLang="ko-KR" sz="1600" dirty="0"/>
-              </a:p>
-              <a:p>
-                <a:pPr marL="114300" marR="0" lvl="0" algn="just" rtl="0">
-                  <a:lnSpc>
-                    <a:spcPct val="150000"/>
-                  </a:lnSpc>
-                  <a:spcBef>
-                    <a:spcPts val="0"/>
-                  </a:spcBef>
-                  <a:spcAft>
-                    <a:spcPts val="0"/>
-                  </a:spcAft>
-                  <a:buClrTx/>
-                  <a:buSzPts val="1800"/>
-                </a:pPr>
-                <a:r>
-                  <a:rPr lang="ko-KR" altLang="en-US" sz="1600" dirty="0" err="1"/>
-                  <a:t>비집락성</a:t>
-                </a:r>
-                <a:r>
-                  <a:rPr lang="ko-KR" altLang="en-US" sz="1600" dirty="0"/>
-                  <a:t> </a:t>
-                </a:r>
-                <a:r>
-                  <a:rPr lang="en-US" altLang="ko-KR" sz="1600" dirty="0"/>
-                  <a:t>: </a:t>
-                </a:r>
-                <a:r>
-                  <a:rPr lang="ko-KR" altLang="en-US" sz="1600" dirty="0"/>
-                  <a:t>작은 구간</a:t>
-                </a:r>
-                <a:r>
-                  <a:rPr lang="en-US" altLang="ko-KR" sz="1600" dirty="0"/>
-                  <a:t>(</a:t>
-                </a:r>
-                <a:r>
-                  <a:rPr lang="ko-KR" altLang="en-US" sz="1600" dirty="0"/>
-                  <a:t>시간</a:t>
-                </a:r>
-                <a:r>
-                  <a:rPr lang="en-US" altLang="ko-KR" sz="1600" dirty="0"/>
-                  <a:t>, </a:t>
-                </a:r>
-                <a:r>
-                  <a:rPr lang="ko-KR" altLang="en-US" sz="1600" dirty="0"/>
-                  <a:t>공간</a:t>
-                </a:r>
-                <a:r>
-                  <a:rPr lang="en-US" altLang="ko-KR" sz="1600" dirty="0"/>
-                  <a:t>)</a:t>
-                </a:r>
-                <a:r>
-                  <a:rPr lang="ko-KR" altLang="en-US" sz="1600" dirty="0"/>
-                  <a:t>에서 동시 발생할 확률은 무시할 정도로 작음 </a:t>
-                </a:r>
-                <a:r>
-                  <a:rPr lang="en-US" altLang="ko-KR" sz="1600" dirty="0"/>
-                  <a:t>ex) </a:t>
-                </a:r>
-                <a:r>
-                  <a:rPr lang="ko-KR" altLang="en-US" sz="1600" dirty="0" err="1"/>
-                  <a:t>같은시간</a:t>
-                </a:r>
-                <a:r>
-                  <a:rPr lang="ko-KR" altLang="en-US" sz="1600" dirty="0"/>
-                  <a:t> </a:t>
-                </a:r>
-                <a:r>
-                  <a:rPr lang="ko-KR" altLang="en-US" sz="1600" dirty="0" err="1"/>
-                  <a:t>같은장소에서</a:t>
-                </a:r>
-                <a:r>
-                  <a:rPr lang="ko-KR" altLang="en-US" sz="1600" dirty="0"/>
-                  <a:t> 같은 교통사고가 </a:t>
-                </a:r>
-                <a:r>
-                  <a:rPr lang="ko-KR" altLang="en-US" sz="1600" dirty="0" err="1"/>
-                  <a:t>두번</a:t>
-                </a:r>
-                <a:r>
-                  <a:rPr lang="ko-KR" altLang="en-US" sz="1600" dirty="0"/>
-                  <a:t> 이상 발생할 확률</a:t>
-                </a:r>
-                <a:endParaRPr lang="en-US" altLang="ko-KR" sz="1600" dirty="0"/>
-              </a:p>
-              <a:p>
-                <a:pPr marL="114300" marR="0" lvl="0" algn="just" rtl="0">
-                  <a:lnSpc>
-                    <a:spcPct val="150000"/>
-                  </a:lnSpc>
-                  <a:spcBef>
-                    <a:spcPts val="0"/>
-                  </a:spcBef>
-                  <a:spcAft>
-                    <a:spcPts val="0"/>
-                  </a:spcAft>
-                  <a:buClrTx/>
-                  <a:buSzPts val="1800"/>
-                </a:pPr>
-                <a:endParaRPr lang="en-US" altLang="ko-KR" sz="1600" dirty="0"/>
               </a:p>
               <a:p>
                 <a:pPr marL="114300" marR="0" lvl="0" algn="just" rtl="0">
@@ -5099,7 +4788,7 @@
               <a:blipFill>
                 <a:blip r:embed="rId3"/>
                 <a:stretch>
-                  <a:fillRect r="-306" b="-1460000"/>
+                  <a:fillRect b="-1260000"/>
                 </a:stretch>
               </a:blipFill>
               <a:ln>
@@ -5123,10 +4812,10 @@
       </mc:AlternateContent>
       <p:pic>
         <p:nvPicPr>
-          <p:cNvPr id="9" name="그림 8">
+          <p:cNvPr id="3" name="그림 2">
             <a:extLst>
               <a:ext uri="{FF2B5EF4-FFF2-40B4-BE49-F238E27FC236}">
-                <a16:creationId xmlns:a16="http://schemas.microsoft.com/office/drawing/2014/main" id="{9E38D8AF-8EB9-4C55-872E-CC79D048DC95}"/>
+                <a16:creationId xmlns:a16="http://schemas.microsoft.com/office/drawing/2014/main" id="{56762D11-5482-445B-98E7-AA22BC5F4A77}"/>
               </a:ext>
             </a:extLst>
           </p:cNvPr>
@@ -5143,38 +4832,8 @@
         </p:blipFill>
         <p:spPr>
           <a:xfrm>
-            <a:off x="4162314" y="3114631"/>
-            <a:ext cx="1581371" cy="628738"/>
-          </a:xfrm>
-          <a:prstGeom prst="rect">
-            <a:avLst/>
-          </a:prstGeom>
-        </p:spPr>
-      </p:pic>
-      <p:pic>
-        <p:nvPicPr>
-          <p:cNvPr id="10" name="그림 9">
-            <a:extLst>
-              <a:ext uri="{FF2B5EF4-FFF2-40B4-BE49-F238E27FC236}">
-                <a16:creationId xmlns:a16="http://schemas.microsoft.com/office/drawing/2014/main" id="{2BAD7B8E-391A-473C-9F11-EB6E851964A9}"/>
-              </a:ext>
-            </a:extLst>
-          </p:cNvPr>
-          <p:cNvPicPr>
-            <a:picLocks noChangeAspect="1"/>
-          </p:cNvPicPr>
-          <p:nvPr/>
-        </p:nvPicPr>
-        <p:blipFill>
-          <a:blip r:embed="rId5"/>
-          <a:stretch>
-            <a:fillRect/>
-          </a:stretch>
-        </p:blipFill>
-        <p:spPr>
-          <a:xfrm>
-            <a:off x="4825412" y="3684788"/>
-            <a:ext cx="4896533" cy="2972215"/>
+            <a:off x="3742465" y="3254158"/>
+            <a:ext cx="5438605" cy="3311917"/>
           </a:xfrm>
           <a:prstGeom prst="rect">
             <a:avLst/>
@@ -5615,7 +5274,381 @@
           </a:p>
         </p:txBody>
       </p:sp>
+      <p:pic>
+        <p:nvPicPr>
+          <p:cNvPr id="9" name="그림 8">
+            <a:extLst>
+              <a:ext uri="{FF2B5EF4-FFF2-40B4-BE49-F238E27FC236}">
+                <a16:creationId xmlns:a16="http://schemas.microsoft.com/office/drawing/2014/main" id="{AED0ECED-F1FD-4652-9763-2AF2335EF360}"/>
+              </a:ext>
+            </a:extLst>
+          </p:cNvPr>
+          <p:cNvPicPr>
+            <a:picLocks noChangeAspect="1"/>
+          </p:cNvPicPr>
+          <p:nvPr/>
+        </p:nvPicPr>
+        <p:blipFill>
+          <a:blip r:embed="rId6"/>
+          <a:stretch>
+            <a:fillRect/>
+          </a:stretch>
+        </p:blipFill>
+        <p:spPr>
+          <a:xfrm>
+            <a:off x="-2576285" y="1744778"/>
+            <a:ext cx="4896533" cy="2972215"/>
+          </a:xfrm>
+          <a:prstGeom prst="rect">
+            <a:avLst/>
+          </a:prstGeom>
+        </p:spPr>
+      </p:pic>
+      <p:pic>
+        <p:nvPicPr>
+          <p:cNvPr id="10" name="그림 9">
+            <a:extLst>
+              <a:ext uri="{FF2B5EF4-FFF2-40B4-BE49-F238E27FC236}">
+                <a16:creationId xmlns:a16="http://schemas.microsoft.com/office/drawing/2014/main" id="{F07F54D8-E184-449C-8E2B-88AD12994A8F}"/>
+              </a:ext>
+            </a:extLst>
+          </p:cNvPr>
+          <p:cNvPicPr>
+            <a:picLocks noChangeAspect="1"/>
+          </p:cNvPicPr>
+          <p:nvPr/>
+        </p:nvPicPr>
+        <p:blipFill>
+          <a:blip r:embed="rId7"/>
+          <a:stretch>
+            <a:fillRect/>
+          </a:stretch>
+        </p:blipFill>
+        <p:spPr>
+          <a:xfrm>
+            <a:off x="4162314" y="3114631"/>
+            <a:ext cx="1581371" cy="628738"/>
+          </a:xfrm>
+          <a:prstGeom prst="rect">
+            <a:avLst/>
+          </a:prstGeom>
+        </p:spPr>
+      </p:pic>
     </p:spTree>
+  </p:cSld>
+  <p:clrMapOvr>
+    <a:masterClrMapping/>
+  </p:clrMapOvr>
+</p:sld>
+</file>
+
+<file path=ppt/slides/slide3.xml><?xml version="1.0" encoding="utf-8"?>
+<p:sld xmlns:a="http://schemas.openxmlformats.org/drawingml/2006/main" xmlns:r="http://schemas.openxmlformats.org/officeDocument/2006/relationships" xmlns:p="http://schemas.openxmlformats.org/presentationml/2006/main">
+  <p:cSld>
+    <p:spTree>
+      <p:nvGrpSpPr>
+        <p:cNvPr id="1" name="Shape 28"/>
+        <p:cNvGrpSpPr/>
+        <p:nvPr/>
+      </p:nvGrpSpPr>
+      <p:grpSpPr>
+        <a:xfrm>
+          <a:off x="0" y="0"/>
+          <a:ext cx="0" cy="0"/>
+          <a:chOff x="0" y="0"/>
+          <a:chExt cx="0" cy="0"/>
+        </a:xfrm>
+      </p:grpSpPr>
+      <p:sp>
+        <p:nvSpPr>
+          <p:cNvPr id="29" name="Google Shape;29;p2"/>
+          <p:cNvSpPr txBox="1"/>
+          <p:nvPr/>
+        </p:nvSpPr>
+        <p:spPr>
+          <a:xfrm>
+            <a:off x="9253406" y="200997"/>
+            <a:ext cx="530727" cy="296664"/>
+          </a:xfrm>
+          <a:prstGeom prst="rect">
+            <a:avLst/>
+          </a:prstGeom>
+          <a:noFill/>
+          <a:ln>
+            <a:noFill/>
+          </a:ln>
+        </p:spPr>
+        <p:txBody>
+          <a:bodyPr spcFirstLastPara="1" wrap="square" lIns="74275" tIns="37125" rIns="74275" bIns="37125" anchor="ctr" anchorCtr="0">
+            <a:noAutofit/>
+          </a:bodyPr>
+          <a:lstStyle/>
+          <a:p>
+            <a:pPr marL="0" marR="0" lvl="0" indent="0" algn="r" rtl="0">
+              <a:spcBef>
+                <a:spcPts val="0"/>
+              </a:spcBef>
+              <a:spcAft>
+                <a:spcPts val="0"/>
+              </a:spcAft>
+              <a:buNone/>
+            </a:pPr>
+            <a:fld id="{00000000-1234-1234-1234-123412341234}" type="slidenum">
+              <a:rPr lang="en-US" altLang="ko-KR" sz="1300" b="1" u="none">
+                <a:solidFill>
+                  <a:srgbClr val="7F7F7F"/>
+                </a:solidFill>
+                <a:latin typeface="Arial"/>
+                <a:ea typeface="Arial"/>
+                <a:cs typeface="Arial"/>
+                <a:sym typeface="Arial"/>
+              </a:rPr>
+              <a:t>3</a:t>
+            </a:fld>
+            <a:endParaRPr sz="1300" b="1" u="none">
+              <a:solidFill>
+                <a:srgbClr val="7F7F7F"/>
+              </a:solidFill>
+              <a:latin typeface="Arial"/>
+              <a:ea typeface="Arial"/>
+              <a:cs typeface="Arial"/>
+              <a:sym typeface="Arial"/>
+            </a:endParaRPr>
+          </a:p>
+        </p:txBody>
+      </p:sp>
+      <p:sp>
+        <p:nvSpPr>
+          <p:cNvPr id="30" name="Google Shape;30;p2"/>
+          <p:cNvSpPr txBox="1"/>
+          <p:nvPr/>
+        </p:nvSpPr>
+        <p:spPr>
+          <a:xfrm>
+            <a:off x="278116" y="156948"/>
+            <a:ext cx="8910300" cy="831000"/>
+          </a:xfrm>
+          <a:prstGeom prst="rect">
+            <a:avLst/>
+          </a:prstGeom>
+          <a:noFill/>
+          <a:ln>
+            <a:noFill/>
+          </a:ln>
+        </p:spPr>
+        <p:txBody>
+          <a:bodyPr spcFirstLastPara="1" wrap="square" lIns="91425" tIns="45700" rIns="91425" bIns="45700" anchor="t" anchorCtr="0">
+            <a:noAutofit/>
+          </a:bodyPr>
+          <a:lstStyle/>
+          <a:p>
+            <a:pPr marL="0" marR="0" lvl="0" indent="0" algn="ctr" rtl="0">
+              <a:spcBef>
+                <a:spcPts val="0"/>
+              </a:spcBef>
+              <a:spcAft>
+                <a:spcPts val="0"/>
+              </a:spcAft>
+              <a:buNone/>
+            </a:pPr>
+            <a:r>
+              <a:rPr lang="ko-KR" sz="1800" dirty="0">
+                <a:solidFill>
+                  <a:schemeClr val="dk1"/>
+                </a:solidFill>
+              </a:rPr>
+              <a:t>데이터 과학을 위한 통계  - 발표자: </a:t>
+            </a:r>
+            <a:r>
+              <a:rPr lang="ko-KR" altLang="en-US" sz="1800" dirty="0">
+                <a:solidFill>
+                  <a:schemeClr val="dk1"/>
+                </a:solidFill>
+              </a:rPr>
+              <a:t>김동현</a:t>
+            </a:r>
+            <a:endParaRPr sz="1800" dirty="0"/>
+          </a:p>
+        </p:txBody>
+      </p:sp>
+      <p:sp>
+        <p:nvSpPr>
+          <p:cNvPr id="31" name="Google Shape;31;p2"/>
+          <p:cNvSpPr txBox="1"/>
+          <p:nvPr/>
+        </p:nvSpPr>
+        <p:spPr>
+          <a:xfrm>
+            <a:off x="221845" y="640425"/>
+            <a:ext cx="9500100" cy="369300"/>
+          </a:xfrm>
+          <a:prstGeom prst="rect">
+            <a:avLst/>
+          </a:prstGeom>
+          <a:noFill/>
+          <a:ln>
+            <a:noFill/>
+          </a:ln>
+        </p:spPr>
+        <p:txBody>
+          <a:bodyPr spcFirstLastPara="1" wrap="square" lIns="91425" tIns="45700" rIns="91425" bIns="45700" anchor="t" anchorCtr="0">
+            <a:noAutofit/>
+          </a:bodyPr>
+          <a:lstStyle/>
+          <a:p>
+            <a:pPr marL="0" marR="0" lvl="0" indent="0" algn="ctr" rtl="0">
+              <a:spcBef>
+                <a:spcPts val="0"/>
+              </a:spcBef>
+              <a:spcAft>
+                <a:spcPts val="0"/>
+              </a:spcAft>
+              <a:buNone/>
+            </a:pPr>
+            <a:r>
+              <a:rPr lang="ko-KR" sz="1800" b="1">
+                <a:solidFill>
+                  <a:schemeClr val="dk1"/>
+                </a:solidFill>
+              </a:rPr>
+              <a:t>Chapter 1. 탐색적 데이터 분석</a:t>
+            </a:r>
+            <a:endParaRPr/>
+          </a:p>
+        </p:txBody>
+      </p:sp>
+      <p:sp>
+        <p:nvSpPr>
+          <p:cNvPr id="8" name="TextBox 7">
+            <a:extLst>
+              <a:ext uri="{FF2B5EF4-FFF2-40B4-BE49-F238E27FC236}">
+                <a16:creationId xmlns:a16="http://schemas.microsoft.com/office/drawing/2014/main" id="{DE9A71DD-D990-4E56-9E57-50C7C4AE0CDB}"/>
+              </a:ext>
+            </a:extLst>
+          </p:cNvPr>
+          <p:cNvSpPr txBox="1"/>
+          <p:nvPr/>
+        </p:nvSpPr>
+        <p:spPr>
+          <a:xfrm>
+            <a:off x="0" y="1114072"/>
+            <a:ext cx="9906000" cy="1524007"/>
+          </a:xfrm>
+          <a:prstGeom prst="rect">
+            <a:avLst/>
+          </a:prstGeom>
+          <a:noFill/>
+        </p:spPr>
+        <p:txBody>
+          <a:bodyPr wrap="square" rtlCol="0">
+            <a:spAutoFit/>
+          </a:bodyPr>
+          <a:lstStyle/>
+          <a:p>
+            <a:pPr marL="285750" indent="-285750">
+              <a:lnSpc>
+                <a:spcPct val="150000"/>
+              </a:lnSpc>
+              <a:buFont typeface="Arial" panose="020B0604020202020204" pitchFamily="34" charset="0"/>
+              <a:buChar char="•"/>
+            </a:pPr>
+            <a:r>
+              <a:rPr lang="ko-KR" altLang="en-US" sz="1600" b="1" dirty="0"/>
+              <a:t>지수분포</a:t>
+            </a:r>
+            <a:r>
+              <a:rPr lang="ko-KR" altLang="en-US" sz="1600" dirty="0"/>
+              <a:t> </a:t>
+            </a:r>
+            <a:r>
+              <a:rPr lang="en-US" altLang="ko-KR" sz="1600" dirty="0"/>
+              <a:t>: </a:t>
+            </a:r>
+            <a:r>
+              <a:rPr lang="ko-KR" altLang="en-US" sz="1600" dirty="0"/>
+              <a:t>사건과 사건사이의 경과된 시간에 대한 분포</a:t>
+            </a:r>
+            <a:r>
+              <a:rPr lang="en-US" altLang="ko-KR" sz="1600" dirty="0"/>
+              <a:t>, </a:t>
+            </a:r>
+            <a:r>
+              <a:rPr lang="ko-KR" altLang="en-US" sz="1600" dirty="0"/>
+              <a:t>다음 사건이 일어날 때 까지 대기시간</a:t>
+            </a:r>
+            <a:endParaRPr lang="en-US" altLang="ko-KR" sz="1600" dirty="0"/>
+          </a:p>
+          <a:p>
+            <a:pPr marL="285750" indent="-285750">
+              <a:lnSpc>
+                <a:spcPct val="150000"/>
+              </a:lnSpc>
+              <a:buFont typeface="Arial" panose="020B0604020202020204" pitchFamily="34" charset="0"/>
+              <a:buChar char="•"/>
+            </a:pPr>
+            <a:endParaRPr lang="en-US" altLang="ko-KR" sz="1600" dirty="0"/>
+          </a:p>
+          <a:p>
+            <a:pPr>
+              <a:lnSpc>
+                <a:spcPct val="150000"/>
+              </a:lnSpc>
+            </a:pPr>
+            <a:r>
+              <a:rPr lang="ko-KR" altLang="en-US" sz="1600" dirty="0"/>
+              <a:t>평균시간 </a:t>
+            </a:r>
+            <a:r>
+              <a:rPr lang="en-US" altLang="ko-KR" sz="1600" dirty="0"/>
+              <a:t>= 1/</a:t>
+            </a:r>
+            <a:r>
+              <a:rPr lang="ko-KR" altLang="en-US" sz="1600" dirty="0"/>
+              <a:t>람다</a:t>
+            </a:r>
+            <a:r>
+              <a:rPr lang="en-US" altLang="ko-KR" sz="1600" dirty="0"/>
+              <a:t>, </a:t>
+            </a:r>
+            <a:r>
+              <a:rPr lang="ko-KR" altLang="en-US" sz="1600" dirty="0"/>
+              <a:t>분산 </a:t>
+            </a:r>
+            <a:r>
+              <a:rPr lang="en-US" altLang="ko-KR" sz="1600" dirty="0"/>
+              <a:t>= 1/(</a:t>
+            </a:r>
+            <a:r>
+              <a:rPr lang="ko-KR" altLang="en-US" sz="1600" dirty="0"/>
+              <a:t>람다</a:t>
+            </a:r>
+            <a:r>
+              <a:rPr lang="en-US" altLang="ko-KR" sz="1600"/>
+              <a:t>)^</a:t>
+            </a:r>
+            <a:r>
+              <a:rPr lang="en-US" altLang="ko-KR" sz="1600" dirty="0"/>
+              <a:t>2</a:t>
+            </a:r>
+          </a:p>
+          <a:p>
+            <a:pPr marL="285750" indent="-285750">
+              <a:lnSpc>
+                <a:spcPct val="150000"/>
+              </a:lnSpc>
+              <a:buFont typeface="Arial" panose="020B0604020202020204" pitchFamily="34" charset="0"/>
+              <a:buChar char="•"/>
+            </a:pPr>
+            <a:endParaRPr lang="en-US" altLang="ko-KR" sz="1600" dirty="0"/>
+          </a:p>
+        </p:txBody>
+      </p:sp>
+    </p:spTree>
+    <p:extLst>
+      <p:ext uri="{BB962C8B-B14F-4D97-AF65-F5344CB8AC3E}">
+        <p14:creationId xmlns:p14="http://schemas.microsoft.com/office/powerpoint/2010/main" val="4161486526"/>
+      </p:ext>
+    </p:extLst>
   </p:cSld>
   <p:clrMapOvr>
     <a:masterClrMapping/>

--- a/study/ppt/[스터디]2.10푸아송_KDH.pptx
+++ b/study/ppt/[스터디]2.10푸아송_KDH.pptx
@@ -5,12 +5,11 @@
     <p:sldMasterId id="2147483648" r:id="rId1"/>
   </p:sldMasterIdLst>
   <p:notesMasterIdLst>
-    <p:notesMasterId r:id="rId5"/>
+    <p:notesMasterId r:id="rId4"/>
   </p:notesMasterIdLst>
   <p:sldIdLst>
     <p:sldId id="257" r:id="rId2"/>
-    <p:sldId id="256" r:id="rId3"/>
-    <p:sldId id="258" r:id="rId4"/>
+    <p:sldId id="258" r:id="rId3"/>
   </p:sldIdLst>
   <p:sldSz cx="9906000" cy="6858000" type="A4"/>
   <p:notesSz cx="6858000" cy="9144000"/>
@@ -309,7 +308,7 @@
       </p15:sldGuideLst>
     </p:ext>
     <p:ext uri="http://customooxmlschemas.google.com/">
-      <go:slidesCustomData xmlns="" xmlns:mc="http://schemas.openxmlformats.org/markup-compatibility/2006" xmlns:mv="urn:schemas-microsoft-com:mac:vml" xmlns:c="http://schemas.openxmlformats.org/drawingml/2006/chart" xmlns:dgm="http://schemas.openxmlformats.org/drawingml/2006/diagram" xmlns:o="urn:schemas-microsoft-com:office:office" xmlns:v="urn:schemas-microsoft-com:vml" xmlns:pvml="urn:schemas-microsoft-com:office:powerpoint" xmlns:com="http://schemas.openxmlformats.org/drawingml/2006/compatibility" xmlns:p14="http://schemas.microsoft.com/office/powerpoint/2010/main" xmlns:p15="http://schemas.microsoft.com/office/powerpoint/2012/main" xmlns:go="http://customooxmlschemas.google.com/" r:id="rId10" roundtripDataSignature="AMtx7mhva3UHPhQA4WbyUQCroSE+7w+SGg=="/>
+      <go:slidesCustomData xmlns:go="http://customooxmlschemas.google.com/" xmlns:p15="http://schemas.microsoft.com/office/powerpoint/2012/main" xmlns:p14="http://schemas.microsoft.com/office/powerpoint/2010/main" xmlns:com="http://schemas.openxmlformats.org/drawingml/2006/compatibility" xmlns:pvml="urn:schemas-microsoft-com:office:powerpoint" xmlns:v="urn:schemas-microsoft-com:vml" xmlns:o="urn:schemas-microsoft-com:office:office" xmlns:dgm="http://schemas.openxmlformats.org/drawingml/2006/diagram" xmlns:c="http://schemas.openxmlformats.org/drawingml/2006/chart" xmlns:mv="urn:schemas-microsoft-com:mac:vml" xmlns:mc="http://schemas.openxmlformats.org/markup-compatibility/2006" xmlns="" r:id="rId10" roundtripDataSignature="AMtx7mhva3UHPhQA4WbyUQCroSE+7w+SGg=="/>
     </p:ext>
   </p:extLst>
 </p:presentation>
@@ -1852,182 +1851,6 @@
             <a:fld id="{00000000-1234-1234-1234-123412341234}" type="slidenum">
               <a:rPr lang="en-US" altLang="ko-KR"/>
               <a:t>2</a:t>
-            </a:fld>
-            <a:endParaRPr/>
-          </a:p>
-        </p:txBody>
-      </p:sp>
-    </p:spTree>
-  </p:cSld>
-  <p:clrMapOvr>
-    <a:masterClrMapping/>
-  </p:clrMapOvr>
-</p:notes>
-</file>
-
-<file path=ppt/notesSlides/notesSlide3.xml><?xml version="1.0" encoding="utf-8"?>
-<p:notes xmlns:a="http://schemas.openxmlformats.org/drawingml/2006/main" xmlns:r="http://schemas.openxmlformats.org/officeDocument/2006/relationships" xmlns:p="http://schemas.openxmlformats.org/presentationml/2006/main" showMasterSp="0" showMasterPhAnim="0">
-  <p:cSld>
-    <p:spTree>
-      <p:nvGrpSpPr>
-        <p:cNvPr id="1" name="Shape 24"/>
-        <p:cNvGrpSpPr/>
-        <p:nvPr/>
-      </p:nvGrpSpPr>
-      <p:grpSpPr>
-        <a:xfrm>
-          <a:off x="0" y="0"/>
-          <a:ext cx="0" cy="0"/>
-          <a:chOff x="0" y="0"/>
-          <a:chExt cx="0" cy="0"/>
-        </a:xfrm>
-      </p:grpSpPr>
-      <p:sp>
-        <p:nvSpPr>
-          <p:cNvPr id="25" name="Google Shape;25;p2:notes"/>
-          <p:cNvSpPr>
-            <a:spLocks noGrp="1" noRot="1" noChangeAspect="1"/>
-          </p:cNvSpPr>
-          <p:nvPr>
-            <p:ph type="sldImg" idx="2"/>
-          </p:nvPr>
-        </p:nvSpPr>
-        <p:spPr>
-          <a:xfrm>
-            <a:off x="1200150" y="1143000"/>
-            <a:ext cx="4457700" cy="3086100"/>
-          </a:xfrm>
-          <a:custGeom>
-            <a:avLst/>
-            <a:gdLst/>
-            <a:ahLst/>
-            <a:cxnLst/>
-            <a:rect l="l" t="t" r="r" b="b"/>
-            <a:pathLst>
-              <a:path w="120000" h="120000" extrusionOk="0">
-                <a:moveTo>
-                  <a:pt x="0" y="0"/>
-                </a:moveTo>
-                <a:lnTo>
-                  <a:pt x="120000" y="0"/>
-                </a:lnTo>
-                <a:lnTo>
-                  <a:pt x="120000" y="120000"/>
-                </a:lnTo>
-                <a:lnTo>
-                  <a:pt x="0" y="120000"/>
-                </a:lnTo>
-                <a:close/>
-              </a:path>
-            </a:pathLst>
-          </a:custGeom>
-          <a:noFill/>
-          <a:ln w="12700" cap="flat" cmpd="sng">
-            <a:solidFill>
-              <a:srgbClr val="000000"/>
-            </a:solidFill>
-            <a:prstDash val="solid"/>
-            <a:round/>
-            <a:headEnd type="none" w="sm" len="sm"/>
-            <a:tailEnd type="none" w="sm" len="sm"/>
-          </a:ln>
-        </p:spPr>
-      </p:sp>
-      <p:sp>
-        <p:nvSpPr>
-          <p:cNvPr id="26" name="Google Shape;26;p2:notes"/>
-          <p:cNvSpPr txBox="1">
-            <a:spLocks noGrp="1"/>
-          </p:cNvSpPr>
-          <p:nvPr>
-            <p:ph type="body" idx="1"/>
-          </p:nvPr>
-        </p:nvSpPr>
-        <p:spPr>
-          <a:xfrm>
-            <a:off x="685800" y="4400550"/>
-            <a:ext cx="5486400" cy="3600450"/>
-          </a:xfrm>
-          <a:prstGeom prst="rect">
-            <a:avLst/>
-          </a:prstGeom>
-          <a:noFill/>
-          <a:ln>
-            <a:noFill/>
-          </a:ln>
-        </p:spPr>
-        <p:txBody>
-          <a:bodyPr spcFirstLastPara="1" wrap="square" lIns="91425" tIns="45700" rIns="91425" bIns="45700" anchor="t" anchorCtr="0">
-            <a:noAutofit/>
-          </a:bodyPr>
-          <a:lstStyle/>
-          <a:p>
-            <a:pPr marL="0" lvl="0" indent="0" algn="l" rtl="0">
-              <a:lnSpc>
-                <a:spcPct val="100000"/>
-              </a:lnSpc>
-              <a:spcBef>
-                <a:spcPts val="0"/>
-              </a:spcBef>
-              <a:spcAft>
-                <a:spcPts val="0"/>
-              </a:spcAft>
-              <a:buClr>
-                <a:schemeClr val="dk1"/>
-              </a:buClr>
-              <a:buSzPts val="1200"/>
-              <a:buFont typeface="Noto Sans Symbols"/>
-              <a:buNone/>
-            </a:pPr>
-            <a:endParaRPr dirty="0">
-              <a:highlight>
-                <a:srgbClr val="FFFF00"/>
-              </a:highlight>
-            </a:endParaRPr>
-          </a:p>
-        </p:txBody>
-      </p:sp>
-      <p:sp>
-        <p:nvSpPr>
-          <p:cNvPr id="27" name="Google Shape;27;p2:notes"/>
-          <p:cNvSpPr txBox="1">
-            <a:spLocks noGrp="1"/>
-          </p:cNvSpPr>
-          <p:nvPr>
-            <p:ph type="sldNum" idx="12"/>
-          </p:nvPr>
-        </p:nvSpPr>
-        <p:spPr>
-          <a:xfrm>
-            <a:off x="3884613" y="8685213"/>
-            <a:ext cx="2971800" cy="458787"/>
-          </a:xfrm>
-          <a:prstGeom prst="rect">
-            <a:avLst/>
-          </a:prstGeom>
-          <a:noFill/>
-          <a:ln>
-            <a:noFill/>
-          </a:ln>
-        </p:spPr>
-        <p:txBody>
-          <a:bodyPr spcFirstLastPara="1" wrap="square" lIns="91425" tIns="45700" rIns="91425" bIns="45700" anchor="b" anchorCtr="0">
-            <a:noAutofit/>
-          </a:bodyPr>
-          <a:lstStyle/>
-          <a:p>
-            <a:pPr marL="0" lvl="0" indent="0" algn="r" rtl="0">
-              <a:spcBef>
-                <a:spcPts val="0"/>
-              </a:spcBef>
-              <a:spcAft>
-                <a:spcPts val="0"/>
-              </a:spcAft>
-              <a:buNone/>
-            </a:pPr>
-            <a:fld id="{00000000-1234-1234-1234-123412341234}" type="slidenum">
-              <a:rPr lang="en-US" altLang="ko-KR"/>
-              <a:t>3</a:t>
             </a:fld>
             <a:endParaRPr/>
           </a:p>
@@ -4258,512 +4081,948 @@
           </a:p>
         </p:txBody>
       </p:sp>
+      <p:sp>
+        <p:nvSpPr>
+          <p:cNvPr id="32" name="Google Shape;32;p2"/>
+          <p:cNvSpPr/>
+          <p:nvPr/>
+        </p:nvSpPr>
+        <p:spPr>
+          <a:xfrm>
+            <a:off x="-62262" y="930518"/>
+            <a:ext cx="9968261" cy="369300"/>
+          </a:xfrm>
+          <a:prstGeom prst="rect">
+            <a:avLst/>
+          </a:prstGeom>
+          <a:noFill/>
+          <a:ln>
+            <a:noFill/>
+          </a:ln>
+        </p:spPr>
+        <p:txBody>
+          <a:bodyPr spcFirstLastPara="1" wrap="square" lIns="91425" tIns="45700" rIns="91425" bIns="45700" anchor="t" anchorCtr="0">
+            <a:noAutofit/>
+          </a:bodyPr>
+          <a:lstStyle/>
+          <a:p>
+            <a:pPr marL="114300" marR="0" lvl="0" algn="just" rtl="0">
+              <a:lnSpc>
+                <a:spcPct val="150000"/>
+              </a:lnSpc>
+              <a:spcBef>
+                <a:spcPts val="0"/>
+              </a:spcBef>
+              <a:spcAft>
+                <a:spcPts val="0"/>
+              </a:spcAft>
+              <a:buClr>
+                <a:srgbClr val="0070C0"/>
+              </a:buClr>
+              <a:buSzPts val="1800"/>
+            </a:pPr>
+            <a:r>
+              <a:rPr lang="en-US" altLang="ko-KR" sz="2000" b="1" dirty="0">
+                <a:solidFill>
+                  <a:schemeClr val="tx1">
+                    <a:lumMod val="95000"/>
+                    <a:lumOff val="5000"/>
+                  </a:schemeClr>
+                </a:solidFill>
+              </a:rPr>
+              <a:t>2.10 </a:t>
+            </a:r>
+            <a:r>
+              <a:rPr lang="ko-KR" altLang="en-US" sz="2000" b="1" dirty="0" err="1">
+                <a:solidFill>
+                  <a:schemeClr val="tx1">
+                    <a:lumMod val="95000"/>
+                    <a:lumOff val="5000"/>
+                  </a:schemeClr>
+                </a:solidFill>
+              </a:rPr>
+              <a:t>푸아송</a:t>
+            </a:r>
+            <a:r>
+              <a:rPr lang="ko-KR" altLang="en-US" sz="2000" b="1" dirty="0">
+                <a:solidFill>
+                  <a:schemeClr val="tx1">
+                    <a:lumMod val="95000"/>
+                    <a:lumOff val="5000"/>
+                  </a:schemeClr>
+                </a:solidFill>
+              </a:rPr>
+              <a:t> 분포</a:t>
+            </a:r>
+            <a:r>
+              <a:rPr lang="en-US" altLang="ko-KR" sz="2000" b="1" dirty="0">
+                <a:solidFill>
+                  <a:schemeClr val="tx1">
+                    <a:lumMod val="95000"/>
+                    <a:lumOff val="5000"/>
+                  </a:schemeClr>
+                </a:solidFill>
+              </a:rPr>
+              <a:t>, </a:t>
+            </a:r>
+            <a:r>
+              <a:rPr lang="ko-KR" altLang="en-US" sz="2000" b="1" dirty="0">
+                <a:solidFill>
+                  <a:schemeClr val="tx1">
+                    <a:lumMod val="95000"/>
+                    <a:lumOff val="5000"/>
+                  </a:schemeClr>
+                </a:solidFill>
+              </a:rPr>
+              <a:t>지수분포</a:t>
+            </a:r>
+            <a:endParaRPr lang="en-US" altLang="ko-KR" sz="1600" dirty="0"/>
+          </a:p>
+          <a:p>
+            <a:pPr marL="400050" lvl="0" indent="-285750" algn="just">
+              <a:lnSpc>
+                <a:spcPct val="150000"/>
+              </a:lnSpc>
+              <a:buClrTx/>
+              <a:buSzPts val="1800"/>
+              <a:buFont typeface="Arial" panose="020B0604020202020204" pitchFamily="34" charset="0"/>
+              <a:buChar char="•"/>
+            </a:pPr>
+            <a:r>
+              <a:rPr lang="ko-KR" altLang="en-US" sz="1600" b="1" dirty="0" err="1"/>
+              <a:t>푸아송</a:t>
+            </a:r>
+            <a:r>
+              <a:rPr lang="ko-KR" altLang="en-US" sz="1600" b="1" dirty="0"/>
+              <a:t> 분포</a:t>
+            </a:r>
+            <a:r>
+              <a:rPr lang="ko-KR" altLang="en-US" sz="1600" dirty="0"/>
+              <a:t> </a:t>
+            </a:r>
+            <a:r>
+              <a:rPr lang="en-US" altLang="ko-KR" sz="1600" dirty="0"/>
+              <a:t>: </a:t>
+            </a:r>
+            <a:r>
+              <a:rPr lang="ko-KR" altLang="en-US" dirty="0"/>
+              <a:t>단위시간</a:t>
+            </a:r>
+            <a:r>
+              <a:rPr lang="en-US" altLang="ko-KR" dirty="0"/>
+              <a:t>, </a:t>
+            </a:r>
+            <a:r>
+              <a:rPr lang="ko-KR" altLang="en-US" dirty="0"/>
+              <a:t>단위 공간에 어떤 사건이 몇 번 발생할 것인가를 표현하는 이산확률분포</a:t>
+            </a:r>
+            <a:endParaRPr lang="en-US" altLang="ko-KR" dirty="0"/>
+          </a:p>
+          <a:p>
+            <a:pPr marL="114300" marR="0" lvl="0" algn="just" rtl="0">
+              <a:lnSpc>
+                <a:spcPct val="150000"/>
+              </a:lnSpc>
+              <a:spcBef>
+                <a:spcPts val="0"/>
+              </a:spcBef>
+              <a:spcAft>
+                <a:spcPts val="0"/>
+              </a:spcAft>
+              <a:buClrTx/>
+              <a:buSzPts val="1800"/>
+            </a:pPr>
+            <a:r>
+              <a:rPr lang="en-US" altLang="ko-KR" sz="1600" dirty="0"/>
+              <a:t>…</a:t>
+            </a:r>
+          </a:p>
+          <a:p>
+            <a:pPr marL="114300" marR="0" lvl="0" algn="just" rtl="0">
+              <a:lnSpc>
+                <a:spcPct val="150000"/>
+              </a:lnSpc>
+              <a:spcBef>
+                <a:spcPts val="0"/>
+              </a:spcBef>
+              <a:spcAft>
+                <a:spcPts val="0"/>
+              </a:spcAft>
+              <a:buClrTx/>
+              <a:buSzPts val="1800"/>
+            </a:pPr>
+            <a:endParaRPr lang="en-US" altLang="ko-KR" sz="1600" dirty="0"/>
+          </a:p>
+          <a:p>
+            <a:pPr marL="114300" marR="0" lvl="0" algn="just" rtl="0">
+              <a:lnSpc>
+                <a:spcPct val="150000"/>
+              </a:lnSpc>
+              <a:spcBef>
+                <a:spcPts val="0"/>
+              </a:spcBef>
+              <a:spcAft>
+                <a:spcPts val="0"/>
+              </a:spcAft>
+              <a:buClrTx/>
+              <a:buSzPts val="1800"/>
+            </a:pPr>
+            <a:endParaRPr lang="en-US" altLang="ko-KR" sz="1600" dirty="0"/>
+          </a:p>
+          <a:p>
+            <a:pPr marL="400050" marR="0" lvl="0" indent="-285750" algn="just" rtl="0">
+              <a:lnSpc>
+                <a:spcPct val="150000"/>
+              </a:lnSpc>
+              <a:spcBef>
+                <a:spcPts val="0"/>
+              </a:spcBef>
+              <a:spcAft>
+                <a:spcPts val="0"/>
+              </a:spcAft>
+              <a:buClrTx/>
+              <a:buSzPts val="1800"/>
+              <a:buFont typeface="Arial" panose="020B0604020202020204" pitchFamily="34" charset="0"/>
+              <a:buChar char="•"/>
+            </a:pPr>
+            <a:r>
+              <a:rPr lang="en-US" altLang="ko-KR" sz="1600" dirty="0"/>
+              <a:t>Ex)</a:t>
+            </a:r>
+            <a:r>
+              <a:rPr lang="ko-KR" altLang="en-US" sz="1600" dirty="0"/>
+              <a:t> 한 주에 고장 나는 횟수의 평균값이 </a:t>
+            </a:r>
+            <a:r>
+              <a:rPr lang="en-US" altLang="ko-KR" sz="1600" dirty="0"/>
+              <a:t>3.4</a:t>
+            </a:r>
+            <a:r>
+              <a:rPr lang="ko-KR" altLang="en-US" sz="1600" dirty="0"/>
+              <a:t>인 팝콘 기계가 있다</a:t>
+            </a:r>
+            <a:r>
+              <a:rPr lang="en-US" altLang="ko-KR" sz="1600" dirty="0"/>
+              <a:t>. </a:t>
+            </a:r>
+            <a:r>
+              <a:rPr lang="ko-KR" altLang="en-US" sz="1600" dirty="0"/>
+              <a:t>기계가 </a:t>
+            </a:r>
+            <a:r>
+              <a:rPr lang="en-US" altLang="ko-KR" sz="1600" dirty="0"/>
+              <a:t>3</a:t>
+            </a:r>
+            <a:r>
+              <a:rPr lang="ko-KR" altLang="en-US" sz="1600" dirty="0"/>
+              <a:t>번 고장 날 확률</a:t>
+            </a:r>
+            <a:r>
+              <a:rPr lang="en-US" altLang="ko-KR" sz="1600" dirty="0"/>
+              <a:t>?</a:t>
+            </a:r>
+          </a:p>
+          <a:p>
+            <a:pPr marL="114300" marR="0" lvl="0" algn="just" rtl="0">
+              <a:lnSpc>
+                <a:spcPct val="150000"/>
+              </a:lnSpc>
+              <a:spcBef>
+                <a:spcPts val="0"/>
+              </a:spcBef>
+              <a:spcAft>
+                <a:spcPts val="0"/>
+              </a:spcAft>
+              <a:buClrTx/>
+              <a:buSzPts val="1800"/>
+            </a:pPr>
+            <a:endParaRPr lang="en-US" altLang="ko-KR" sz="1600" dirty="0"/>
+          </a:p>
+          <a:p>
+            <a:pPr marL="114300" marR="0" lvl="0" algn="just" rtl="0">
+              <a:lnSpc>
+                <a:spcPct val="150000"/>
+              </a:lnSpc>
+              <a:spcBef>
+                <a:spcPts val="0"/>
+              </a:spcBef>
+              <a:spcAft>
+                <a:spcPts val="0"/>
+              </a:spcAft>
+              <a:buClrTx/>
+              <a:buSzPts val="1800"/>
+            </a:pPr>
+            <a:endParaRPr lang="en-US" altLang="ko-KR" sz="1600" dirty="0"/>
+          </a:p>
+          <a:p>
+            <a:pPr marL="114300" marR="0" lvl="0" algn="just" rtl="0">
+              <a:lnSpc>
+                <a:spcPct val="150000"/>
+              </a:lnSpc>
+              <a:spcBef>
+                <a:spcPts val="0"/>
+              </a:spcBef>
+              <a:spcAft>
+                <a:spcPts val="0"/>
+              </a:spcAft>
+              <a:buClrTx/>
+              <a:buSzPts val="1800"/>
+            </a:pPr>
+            <a:endParaRPr lang="en-US" altLang="ko-KR" sz="1600" dirty="0"/>
+          </a:p>
+          <a:p>
+            <a:pPr marL="114300" marR="0" lvl="0" algn="just" rtl="0">
+              <a:lnSpc>
+                <a:spcPct val="150000"/>
+              </a:lnSpc>
+              <a:spcBef>
+                <a:spcPts val="0"/>
+              </a:spcBef>
+              <a:spcAft>
+                <a:spcPts val="0"/>
+              </a:spcAft>
+              <a:buClrTx/>
+              <a:buSzPts val="1800"/>
+            </a:pPr>
+            <a:endParaRPr lang="en-US" altLang="ko-KR" sz="1600" dirty="0"/>
+          </a:p>
+          <a:p>
+            <a:pPr marL="114300" marR="0" lvl="0" algn="just" rtl="0">
+              <a:lnSpc>
+                <a:spcPct val="150000"/>
+              </a:lnSpc>
+              <a:spcBef>
+                <a:spcPts val="0"/>
+              </a:spcBef>
+              <a:spcAft>
+                <a:spcPts val="0"/>
+              </a:spcAft>
+              <a:buClrTx/>
+              <a:buSzPts val="1800"/>
+            </a:pPr>
+            <a:endParaRPr lang="en-US" altLang="ko-KR" sz="1600" dirty="0"/>
+          </a:p>
+          <a:p>
+            <a:pPr marL="114300" lvl="0" algn="just">
+              <a:lnSpc>
+                <a:spcPct val="150000"/>
+              </a:lnSpc>
+              <a:buClrTx/>
+              <a:buSzPts val="1800"/>
+            </a:pPr>
+            <a:r>
+              <a:rPr lang="en-US" altLang="ko-KR" sz="2000" b="1" dirty="0"/>
+              <a:t>Python code</a:t>
+            </a:r>
+          </a:p>
+          <a:p>
+            <a:pPr marL="114300" lvl="1" algn="just">
+              <a:lnSpc>
+                <a:spcPct val="150000"/>
+              </a:lnSpc>
+              <a:buClrTx/>
+              <a:buSzPts val="1800"/>
+            </a:pPr>
+            <a:r>
+              <a:rPr lang="en-US" altLang="ko-KR" sz="1600" dirty="0" err="1"/>
+              <a:t>np.random.poisson</a:t>
+            </a:r>
+            <a:r>
+              <a:rPr lang="en-US" altLang="ko-KR" sz="1600" dirty="0"/>
+              <a:t>(lam=5, size=10000)</a:t>
+            </a:r>
+          </a:p>
+          <a:p>
+            <a:pPr marL="114300" marR="0" lvl="0" algn="just" rtl="0">
+              <a:lnSpc>
+                <a:spcPct val="150000"/>
+              </a:lnSpc>
+              <a:spcBef>
+                <a:spcPts val="0"/>
+              </a:spcBef>
+              <a:spcAft>
+                <a:spcPts val="0"/>
+              </a:spcAft>
+              <a:buClrTx/>
+              <a:buSzPts val="1800"/>
+            </a:pPr>
+            <a:endParaRPr lang="en-US" altLang="ko-KR" sz="1600" dirty="0"/>
+          </a:p>
+          <a:p>
+            <a:pPr marL="114300" marR="0" lvl="0" algn="just" rtl="0">
+              <a:lnSpc>
+                <a:spcPct val="150000"/>
+              </a:lnSpc>
+              <a:spcBef>
+                <a:spcPts val="0"/>
+              </a:spcBef>
+              <a:spcAft>
+                <a:spcPts val="0"/>
+              </a:spcAft>
+              <a:buClrTx/>
+              <a:buSzPts val="1800"/>
+            </a:pPr>
+            <a:endParaRPr lang="en-US" altLang="ko-KR" sz="1600" dirty="0"/>
+          </a:p>
+          <a:p>
+            <a:pPr marL="114300" marR="0" lvl="0" algn="just" rtl="0">
+              <a:lnSpc>
+                <a:spcPct val="150000"/>
+              </a:lnSpc>
+              <a:spcBef>
+                <a:spcPts val="0"/>
+              </a:spcBef>
+              <a:spcAft>
+                <a:spcPts val="0"/>
+              </a:spcAft>
+              <a:buClrTx/>
+              <a:buSzPts val="1800"/>
+            </a:pPr>
+            <a:endParaRPr lang="en-US" altLang="ko-KR" sz="1600" dirty="0">
+              <a:solidFill>
+                <a:schemeClr val="tx1">
+                  <a:lumMod val="95000"/>
+                  <a:lumOff val="5000"/>
+                </a:schemeClr>
+              </a:solidFill>
+            </a:endParaRPr>
+          </a:p>
+        </p:txBody>
+      </p:sp>
+      <p:grpSp>
+        <p:nvGrpSpPr>
+          <p:cNvPr id="6" name="그룹 5">
+            <a:extLst>
+              <a:ext uri="{FF2B5EF4-FFF2-40B4-BE49-F238E27FC236}">
+                <a16:creationId xmlns:a16="http://schemas.microsoft.com/office/drawing/2014/main" id="{572254EF-0C6E-46BF-A02A-EA8C4702C18E}"/>
+              </a:ext>
+            </a:extLst>
+          </p:cNvPr>
+          <p:cNvGrpSpPr/>
+          <p:nvPr/>
+        </p:nvGrpSpPr>
+        <p:grpSpPr>
+          <a:xfrm>
+            <a:off x="763832" y="2048006"/>
+            <a:ext cx="4320046" cy="569580"/>
+            <a:chOff x="4465529" y="2974931"/>
+            <a:chExt cx="4320046" cy="569580"/>
+          </a:xfrm>
+        </p:grpSpPr>
+        <mc:AlternateContent xmlns:mc="http://schemas.openxmlformats.org/markup-compatibility/2006">
+          <mc:Choice xmlns:a14="http://schemas.microsoft.com/office/drawing/2010/main" Requires="a14">
+            <p:sp>
+              <p:nvSpPr>
+                <p:cNvPr id="2" name="TextBox 1">
+                  <a:extLst>
+                    <a:ext uri="{FF2B5EF4-FFF2-40B4-BE49-F238E27FC236}">
+                      <a16:creationId xmlns:a16="http://schemas.microsoft.com/office/drawing/2014/main" id="{C51D49C8-A0D1-4FB6-9359-3ECA12886D67}"/>
+                    </a:ext>
+                  </a:extLst>
+                </p:cNvPr>
+                <p:cNvSpPr txBox="1"/>
+                <p:nvPr/>
+              </p:nvSpPr>
+              <p:spPr>
+                <a:xfrm>
+                  <a:off x="4465529" y="2974931"/>
+                  <a:ext cx="1415709" cy="569580"/>
+                </a:xfrm>
+                <a:prstGeom prst="rect">
+                  <a:avLst/>
+                </a:prstGeom>
+                <a:noFill/>
+              </p:spPr>
+              <p:txBody>
+                <a:bodyPr wrap="none" lIns="0" tIns="0" rIns="0" bIns="0" rtlCol="0">
+                  <a:spAutoFit/>
+                </a:bodyPr>
+                <a:lstStyle/>
+                <a:p>
+                  <a14:m>
+                    <m:oMathPara xmlns:m="http://schemas.openxmlformats.org/officeDocument/2006/math">
+                      <m:oMathParaPr>
+                        <m:jc m:val="centerGroup"/>
+                      </m:oMathParaPr>
+                      <m:oMath xmlns:m="http://schemas.openxmlformats.org/officeDocument/2006/math">
+                        <m:r>
+                          <a:rPr lang="ko-KR" altLang="en-US" sz="1800" i="1" smtClean="0">
+                            <a:latin typeface="Cambria Math" panose="02040503050406030204" pitchFamily="18" charset="0"/>
+                          </a:rPr>
+                          <m:t>𝑃</m:t>
+                        </m:r>
+                        <m:d>
+                          <m:dPr>
+                            <m:ctrlPr>
+                              <a:rPr lang="ko-KR" altLang="en-US" sz="1800" i="1">
+                                <a:latin typeface="Cambria Math" panose="02040503050406030204" pitchFamily="18" charset="0"/>
+                              </a:rPr>
+                            </m:ctrlPr>
+                          </m:dPr>
+                          <m:e>
+                            <m:r>
+                              <a:rPr lang="ko-KR" altLang="en-US" sz="1800" i="1">
+                                <a:latin typeface="Cambria Math" panose="02040503050406030204" pitchFamily="18" charset="0"/>
+                              </a:rPr>
+                              <m:t>𝑥</m:t>
+                            </m:r>
+                          </m:e>
+                        </m:d>
+                        <m:r>
+                          <a:rPr lang="ko-KR" altLang="en-US" sz="1800" i="0">
+                            <a:latin typeface="Cambria Math" panose="02040503050406030204" pitchFamily="18" charset="0"/>
+                          </a:rPr>
+                          <m:t>=</m:t>
+                        </m:r>
+                        <m:f>
+                          <m:fPr>
+                            <m:ctrlPr>
+                              <a:rPr lang="ko-KR" altLang="en-US" sz="1800" i="1">
+                                <a:latin typeface="Cambria Math" panose="02040503050406030204" pitchFamily="18" charset="0"/>
+                              </a:rPr>
+                            </m:ctrlPr>
+                          </m:fPr>
+                          <m:num>
+                            <m:sSup>
+                              <m:sSupPr>
+                                <m:ctrlPr>
+                                  <a:rPr lang="ko-KR" altLang="en-US" sz="1800" i="1">
+                                    <a:latin typeface="Cambria Math" panose="02040503050406030204" pitchFamily="18" charset="0"/>
+                                  </a:rPr>
+                                </m:ctrlPr>
+                              </m:sSupPr>
+                              <m:e>
+                                <m:r>
+                                  <a:rPr lang="ko-KR" altLang="en-US" sz="1800" i="1">
+                                    <a:latin typeface="Cambria Math" panose="02040503050406030204" pitchFamily="18" charset="0"/>
+                                  </a:rPr>
+                                  <m:t>𝜆</m:t>
+                                </m:r>
+                              </m:e>
+                              <m:sup>
+                                <m:r>
+                                  <a:rPr lang="ko-KR" altLang="en-US" sz="1800" i="1">
+                                    <a:latin typeface="Cambria Math" panose="02040503050406030204" pitchFamily="18" charset="0"/>
+                                  </a:rPr>
+                                  <m:t>𝑥</m:t>
+                                </m:r>
+                              </m:sup>
+                            </m:sSup>
+                            <m:sSup>
+                              <m:sSupPr>
+                                <m:ctrlPr>
+                                  <a:rPr lang="ko-KR" altLang="en-US" sz="1800" i="1">
+                                    <a:latin typeface="Cambria Math" panose="02040503050406030204" pitchFamily="18" charset="0"/>
+                                  </a:rPr>
+                                </m:ctrlPr>
+                              </m:sSupPr>
+                              <m:e>
+                                <m:r>
+                                  <a:rPr lang="ko-KR" altLang="en-US" sz="1800" i="0">
+                                    <a:latin typeface="Cambria Math" panose="02040503050406030204" pitchFamily="18" charset="0"/>
+                                  </a:rPr>
+                                  <m:t>ⅇ</m:t>
+                                </m:r>
+                              </m:e>
+                              <m:sup>
+                                <m:r>
+                                  <a:rPr lang="ko-KR" altLang="en-US" sz="1800" i="0">
+                                    <a:latin typeface="Cambria Math" panose="02040503050406030204" pitchFamily="18" charset="0"/>
+                                  </a:rPr>
+                                  <m:t>−</m:t>
+                                </m:r>
+                                <m:r>
+                                  <a:rPr lang="ko-KR" altLang="en-US" sz="1800" i="1">
+                                    <a:latin typeface="Cambria Math" panose="02040503050406030204" pitchFamily="18" charset="0"/>
+                                  </a:rPr>
+                                  <m:t>𝜆</m:t>
+                                </m:r>
+                              </m:sup>
+                            </m:sSup>
+                          </m:num>
+                          <m:den>
+                            <m:r>
+                              <a:rPr lang="ko-KR" altLang="en-US" sz="1800" i="1">
+                                <a:latin typeface="Cambria Math" panose="02040503050406030204" pitchFamily="18" charset="0"/>
+                              </a:rPr>
+                              <m:t>𝑥</m:t>
+                            </m:r>
+                            <m:r>
+                              <a:rPr lang="ko-KR" altLang="en-US" sz="1800" i="0">
+                                <a:latin typeface="Cambria Math" panose="02040503050406030204" pitchFamily="18" charset="0"/>
+                              </a:rPr>
+                              <m:t>!</m:t>
+                            </m:r>
+                          </m:den>
+                        </m:f>
+                      </m:oMath>
+                    </m:oMathPara>
+                  </a14:m>
+                  <a:endParaRPr lang="ko-KR" altLang="en-US" sz="1800" dirty="0"/>
+                </a:p>
+              </p:txBody>
+            </p:sp>
+          </mc:Choice>
+          <mc:Fallback>
+            <p:sp>
+              <p:nvSpPr>
+                <p:cNvPr id="2" name="TextBox 1">
+                  <a:extLst>
+                    <a:ext uri="{FF2B5EF4-FFF2-40B4-BE49-F238E27FC236}">
+                      <a16:creationId xmlns:a16="http://schemas.microsoft.com/office/drawing/2014/main" id="{C51D49C8-A0D1-4FB6-9359-3ECA12886D67}"/>
+                    </a:ext>
+                  </a:extLst>
+                </p:cNvPr>
+                <p:cNvSpPr txBox="1">
+                  <a:spLocks noRot="1" noChangeAspect="1" noMove="1" noResize="1" noEditPoints="1" noAdjustHandles="1" noChangeArrowheads="1" noChangeShapeType="1" noTextEdit="1"/>
+                </p:cNvSpPr>
+                <p:nvPr/>
+              </p:nvSpPr>
+              <p:spPr>
+                <a:xfrm>
+                  <a:off x="4465529" y="2974931"/>
+                  <a:ext cx="1415709" cy="569580"/>
+                </a:xfrm>
+                <a:prstGeom prst="rect">
+                  <a:avLst/>
+                </a:prstGeom>
+                <a:blipFill>
+                  <a:blip r:embed="rId3"/>
+                  <a:stretch>
+                    <a:fillRect/>
+                  </a:stretch>
+                </a:blipFill>
+              </p:spPr>
+              <p:txBody>
+                <a:bodyPr/>
+                <a:lstStyle/>
+                <a:p>
+                  <a:r>
+                    <a:rPr lang="ko-KR" altLang="en-US">
+                      <a:noFill/>
+                    </a:rPr>
+                    <a:t> </a:t>
+                  </a:r>
+                </a:p>
+              </p:txBody>
+            </p:sp>
+          </mc:Fallback>
+        </mc:AlternateContent>
+        <mc:AlternateContent xmlns:mc="http://schemas.openxmlformats.org/markup-compatibility/2006">
+          <mc:Choice xmlns:a14="http://schemas.microsoft.com/office/drawing/2010/main" Requires="a14">
+            <p:sp>
+              <p:nvSpPr>
+                <p:cNvPr id="4" name="TextBox 3">
+                  <a:extLst>
+                    <a:ext uri="{FF2B5EF4-FFF2-40B4-BE49-F238E27FC236}">
+                      <a16:creationId xmlns:a16="http://schemas.microsoft.com/office/drawing/2014/main" id="{E7D1CCFD-A7F3-4B63-8D9A-C0D6C24A533B}"/>
+                    </a:ext>
+                  </a:extLst>
+                </p:cNvPr>
+                <p:cNvSpPr txBox="1"/>
+                <p:nvPr/>
+              </p:nvSpPr>
+              <p:spPr>
+                <a:xfrm>
+                  <a:off x="6258978" y="3161395"/>
+                  <a:ext cx="1037335" cy="276999"/>
+                </a:xfrm>
+                <a:prstGeom prst="rect">
+                  <a:avLst/>
+                </a:prstGeom>
+                <a:noFill/>
+              </p:spPr>
+              <p:txBody>
+                <a:bodyPr wrap="none" lIns="0" tIns="0" rIns="0" bIns="0" rtlCol="0">
+                  <a:spAutoFit/>
+                </a:bodyPr>
+                <a:lstStyle/>
+                <a:p>
+                  <a14:m>
+                    <m:oMathPara xmlns:m="http://schemas.openxmlformats.org/officeDocument/2006/math">
+                      <m:oMathParaPr>
+                        <m:jc m:val="centerGroup"/>
+                      </m:oMathParaPr>
+                      <m:oMath xmlns:m="http://schemas.openxmlformats.org/officeDocument/2006/math">
+                        <m:r>
+                          <a:rPr lang="ko-KR" altLang="en-US" sz="1800" i="1" smtClean="0">
+                            <a:latin typeface="Cambria Math" panose="02040503050406030204" pitchFamily="18" charset="0"/>
+                          </a:rPr>
+                          <m:t>𝐸</m:t>
+                        </m:r>
+                        <m:r>
+                          <a:rPr lang="en-US" altLang="ko-KR" sz="1800" b="0" i="0" smtClean="0">
+                            <a:latin typeface="Cambria Math" panose="02040503050406030204" pitchFamily="18" charset="0"/>
+                          </a:rPr>
+                          <m:t>[ </m:t>
+                        </m:r>
+                        <m:r>
+                          <m:rPr>
+                            <m:sty m:val="p"/>
+                          </m:rPr>
+                          <a:rPr lang="en-US" altLang="ko-KR" sz="1800" b="0" i="0" smtClean="0">
+                            <a:latin typeface="Cambria Math" panose="02040503050406030204" pitchFamily="18" charset="0"/>
+                          </a:rPr>
+                          <m:t>X</m:t>
+                        </m:r>
+                        <m:r>
+                          <a:rPr lang="en-US" altLang="ko-KR" sz="1800" b="0" i="0" smtClean="0">
+                            <a:latin typeface="Cambria Math" panose="02040503050406030204" pitchFamily="18" charset="0"/>
+                          </a:rPr>
+                          <m:t> ]=</m:t>
+                        </m:r>
+                        <m:r>
+                          <a:rPr lang="ko-KR" altLang="en-US" sz="1800" i="1">
+                            <a:latin typeface="Cambria Math" panose="02040503050406030204" pitchFamily="18" charset="0"/>
+                          </a:rPr>
+                          <m:t>𝜆</m:t>
+                        </m:r>
+                      </m:oMath>
+                    </m:oMathPara>
+                  </a14:m>
+                  <a:endParaRPr lang="ko-KR" altLang="en-US" sz="1800" dirty="0"/>
+                </a:p>
+              </p:txBody>
+            </p:sp>
+          </mc:Choice>
+          <mc:Fallback>
+            <p:sp>
+              <p:nvSpPr>
+                <p:cNvPr id="4" name="TextBox 3">
+                  <a:extLst>
+                    <a:ext uri="{FF2B5EF4-FFF2-40B4-BE49-F238E27FC236}">
+                      <a16:creationId xmlns:a16="http://schemas.microsoft.com/office/drawing/2014/main" id="{E7D1CCFD-A7F3-4B63-8D9A-C0D6C24A533B}"/>
+                    </a:ext>
+                  </a:extLst>
+                </p:cNvPr>
+                <p:cNvSpPr txBox="1">
+                  <a:spLocks noRot="1" noChangeAspect="1" noMove="1" noResize="1" noEditPoints="1" noAdjustHandles="1" noChangeArrowheads="1" noChangeShapeType="1" noTextEdit="1"/>
+                </p:cNvSpPr>
+                <p:nvPr/>
+              </p:nvSpPr>
+              <p:spPr>
+                <a:xfrm>
+                  <a:off x="6258978" y="3161395"/>
+                  <a:ext cx="1037335" cy="276999"/>
+                </a:xfrm>
+                <a:prstGeom prst="rect">
+                  <a:avLst/>
+                </a:prstGeom>
+                <a:blipFill>
+                  <a:blip r:embed="rId4"/>
+                  <a:stretch>
+                    <a:fillRect l="-4706" t="-2222" r="-4706" b="-40000"/>
+                  </a:stretch>
+                </a:blipFill>
+              </p:spPr>
+              <p:txBody>
+                <a:bodyPr/>
+                <a:lstStyle/>
+                <a:p>
+                  <a:r>
+                    <a:rPr lang="ko-KR" altLang="en-US">
+                      <a:noFill/>
+                    </a:rPr>
+                    <a:t> </a:t>
+                  </a:r>
+                </a:p>
+              </p:txBody>
+            </p:sp>
+          </mc:Fallback>
+        </mc:AlternateContent>
+        <mc:AlternateContent xmlns:mc="http://schemas.openxmlformats.org/markup-compatibility/2006">
+          <mc:Choice xmlns:a14="http://schemas.microsoft.com/office/drawing/2010/main" Requires="a14">
+            <p:sp>
+              <p:nvSpPr>
+                <p:cNvPr id="5" name="TextBox 4">
+                  <a:extLst>
+                    <a:ext uri="{FF2B5EF4-FFF2-40B4-BE49-F238E27FC236}">
+                      <a16:creationId xmlns:a16="http://schemas.microsoft.com/office/drawing/2014/main" id="{2132967B-A658-4689-8548-3146729CAC11}"/>
+                    </a:ext>
+                  </a:extLst>
+                </p:cNvPr>
+                <p:cNvSpPr txBox="1"/>
+                <p:nvPr/>
+              </p:nvSpPr>
+              <p:spPr>
+                <a:xfrm>
+                  <a:off x="7601726" y="3161396"/>
+                  <a:ext cx="1183849" cy="276999"/>
+                </a:xfrm>
+                <a:prstGeom prst="rect">
+                  <a:avLst/>
+                </a:prstGeom>
+                <a:noFill/>
+              </p:spPr>
+              <p:txBody>
+                <a:bodyPr wrap="none" lIns="0" tIns="0" rIns="0" bIns="0" rtlCol="0">
+                  <a:spAutoFit/>
+                </a:bodyPr>
+                <a:lstStyle/>
+                <a:p>
+                  <a14:m>
+                    <m:oMathPara xmlns:m="http://schemas.openxmlformats.org/officeDocument/2006/math">
+                      <m:oMathParaPr>
+                        <m:jc m:val="centerGroup"/>
+                      </m:oMathParaPr>
+                      <m:oMath xmlns:m="http://schemas.openxmlformats.org/officeDocument/2006/math">
+                        <m:func>
+                          <m:funcPr>
+                            <m:ctrlPr>
+                              <a:rPr lang="ko-KR" altLang="en-US" sz="1800" smtClean="0">
+                                <a:latin typeface="Cambria Math" panose="02040503050406030204" pitchFamily="18" charset="0"/>
+                              </a:rPr>
+                            </m:ctrlPr>
+                          </m:funcPr>
+                          <m:fName>
+                            <m:r>
+                              <m:rPr>
+                                <m:sty m:val="p"/>
+                              </m:rPr>
+                              <a:rPr lang="ko-KR" altLang="en-US" sz="1800">
+                                <a:latin typeface="Cambria Math" panose="02040503050406030204" pitchFamily="18" charset="0"/>
+                              </a:rPr>
+                              <m:t>Var</m:t>
+                            </m:r>
+                          </m:fName>
+                          <m:e>
+                            <m:d>
+                              <m:dPr>
+                                <m:ctrlPr>
+                                  <a:rPr lang="ko-KR" altLang="en-US" sz="1800" i="1">
+                                    <a:latin typeface="Cambria Math" panose="02040503050406030204" pitchFamily="18" charset="0"/>
+                                  </a:rPr>
+                                </m:ctrlPr>
+                              </m:dPr>
+                              <m:e>
+                                <m:r>
+                                  <a:rPr lang="en-US" altLang="ko-KR" sz="1800" b="0" i="1" smtClean="0">
+                                    <a:latin typeface="Cambria Math" panose="02040503050406030204" pitchFamily="18" charset="0"/>
+                                  </a:rPr>
+                                  <m:t>𝑋</m:t>
+                                </m:r>
+                              </m:e>
+                            </m:d>
+                          </m:e>
+                        </m:func>
+                        <m:r>
+                          <a:rPr lang="ko-KR" altLang="en-US" sz="1800" i="0">
+                            <a:latin typeface="Cambria Math" panose="02040503050406030204" pitchFamily="18" charset="0"/>
+                          </a:rPr>
+                          <m:t>=</m:t>
+                        </m:r>
+                        <m:r>
+                          <a:rPr lang="ko-KR" altLang="en-US" sz="1800" i="1">
+                            <a:latin typeface="Cambria Math" panose="02040503050406030204" pitchFamily="18" charset="0"/>
+                          </a:rPr>
+                          <m:t>𝜆</m:t>
+                        </m:r>
+                      </m:oMath>
+                    </m:oMathPara>
+                  </a14:m>
+                  <a:endParaRPr lang="ko-KR" altLang="en-US" sz="1800" dirty="0"/>
+                </a:p>
+              </p:txBody>
+            </p:sp>
+          </mc:Choice>
+          <mc:Fallback>
+            <p:sp>
+              <p:nvSpPr>
+                <p:cNvPr id="5" name="TextBox 4">
+                  <a:extLst>
+                    <a:ext uri="{FF2B5EF4-FFF2-40B4-BE49-F238E27FC236}">
+                      <a16:creationId xmlns:a16="http://schemas.microsoft.com/office/drawing/2014/main" id="{2132967B-A658-4689-8548-3146729CAC11}"/>
+                    </a:ext>
+                  </a:extLst>
+                </p:cNvPr>
+                <p:cNvSpPr txBox="1">
+                  <a:spLocks noRot="1" noChangeAspect="1" noMove="1" noResize="1" noEditPoints="1" noAdjustHandles="1" noChangeArrowheads="1" noChangeShapeType="1" noTextEdit="1"/>
+                </p:cNvSpPr>
+                <p:nvPr/>
+              </p:nvSpPr>
+              <p:spPr>
+                <a:xfrm>
+                  <a:off x="7601726" y="3161396"/>
+                  <a:ext cx="1183849" cy="276999"/>
+                </a:xfrm>
+                <a:prstGeom prst="rect">
+                  <a:avLst/>
+                </a:prstGeom>
+                <a:blipFill>
+                  <a:blip r:embed="rId5"/>
+                  <a:stretch>
+                    <a:fillRect l="-3608" r="-3608" b="-11111"/>
+                  </a:stretch>
+                </a:blipFill>
+              </p:spPr>
+              <p:txBody>
+                <a:bodyPr/>
+                <a:lstStyle/>
+                <a:p>
+                  <a:r>
+                    <a:rPr lang="ko-KR" altLang="en-US">
+                      <a:noFill/>
+                    </a:rPr>
+                    <a:t> </a:t>
+                  </a:r>
+                </a:p>
+              </p:txBody>
+            </p:sp>
+          </mc:Fallback>
+        </mc:AlternateContent>
+      </p:grpSp>
       <mc:AlternateContent xmlns:mc="http://schemas.openxmlformats.org/markup-compatibility/2006">
         <mc:Choice xmlns:a14="http://schemas.microsoft.com/office/drawing/2010/main" Requires="a14">
           <p:sp>
             <p:nvSpPr>
-              <p:cNvPr id="32" name="Google Shape;32;p2"/>
-              <p:cNvSpPr/>
+              <p:cNvPr id="7" name="TextBox 6">
+                <a:extLst>
+                  <a:ext uri="{FF2B5EF4-FFF2-40B4-BE49-F238E27FC236}">
+                    <a16:creationId xmlns:a16="http://schemas.microsoft.com/office/drawing/2014/main" id="{BAD339FE-B21B-4720-B2AD-6DC3EF907574}"/>
+                  </a:ext>
+                </a:extLst>
+              </p:cNvPr>
+              <p:cNvSpPr txBox="1"/>
               <p:nvPr/>
             </p:nvSpPr>
             <p:spPr>
               <a:xfrm>
-                <a:off x="-62262" y="930518"/>
-                <a:ext cx="9968261" cy="369300"/>
+                <a:off x="651096" y="3877514"/>
+                <a:ext cx="1415710" cy="307777"/>
               </a:xfrm>
               <a:prstGeom prst="rect">
                 <a:avLst/>
               </a:prstGeom>
               <a:noFill/>
-              <a:ln>
-                <a:noFill/>
-              </a:ln>
             </p:spPr>
             <p:txBody>
-              <a:bodyPr spcFirstLastPara="1" wrap="square" lIns="91425" tIns="45700" rIns="91425" bIns="45700" anchor="t" anchorCtr="0">
-                <a:noAutofit/>
+              <a:bodyPr wrap="square" lIns="0" tIns="0" rIns="0" bIns="0" rtlCol="0">
+                <a:spAutoFit/>
               </a:bodyPr>
               <a:lstStyle/>
               <a:p>
-                <a:pPr marL="114300" marR="0" lvl="0" algn="just" rtl="0">
-                  <a:lnSpc>
-                    <a:spcPct val="150000"/>
-                  </a:lnSpc>
-                  <a:spcBef>
-                    <a:spcPts val="0"/>
-                  </a:spcBef>
-                  <a:spcAft>
-                    <a:spcPts val="0"/>
-                  </a:spcAft>
-                  <a:buClr>
-                    <a:srgbClr val="0070C0"/>
-                  </a:buClr>
-                  <a:buSzPts val="1800"/>
-                </a:pPr>
-                <a:r>
-                  <a:rPr lang="en-US" altLang="ko-KR" sz="2000" b="1" dirty="0">
-                    <a:solidFill>
-                      <a:schemeClr val="tx1">
-                        <a:lumMod val="95000"/>
-                        <a:lumOff val="5000"/>
-                      </a:schemeClr>
-                    </a:solidFill>
-                  </a:rPr>
-                  <a:t>2.10 </a:t>
-                </a:r>
-                <a:r>
-                  <a:rPr lang="ko-KR" altLang="en-US" sz="2000" b="1" dirty="0" err="1">
-                    <a:solidFill>
-                      <a:schemeClr val="tx1">
-                        <a:lumMod val="95000"/>
-                        <a:lumOff val="5000"/>
-                      </a:schemeClr>
-                    </a:solidFill>
-                  </a:rPr>
-                  <a:t>푸아송</a:t>
-                </a:r>
-                <a:r>
-                  <a:rPr lang="ko-KR" altLang="en-US" sz="2000" b="1" dirty="0">
-                    <a:solidFill>
-                      <a:schemeClr val="tx1">
-                        <a:lumMod val="95000"/>
-                        <a:lumOff val="5000"/>
-                      </a:schemeClr>
-                    </a:solidFill>
-                  </a:rPr>
-                  <a:t> 분포</a:t>
-                </a:r>
-                <a:r>
-                  <a:rPr lang="en-US" altLang="ko-KR" sz="2000" b="1" dirty="0">
-                    <a:solidFill>
-                      <a:schemeClr val="tx1">
-                        <a:lumMod val="95000"/>
-                        <a:lumOff val="5000"/>
-                      </a:schemeClr>
-                    </a:solidFill>
-                  </a:rPr>
-                  <a:t>, </a:t>
-                </a:r>
-                <a:r>
-                  <a:rPr lang="ko-KR" altLang="en-US" sz="2000" b="1" dirty="0">
-                    <a:solidFill>
-                      <a:schemeClr val="tx1">
-                        <a:lumMod val="95000"/>
-                        <a:lumOff val="5000"/>
-                      </a:schemeClr>
-                    </a:solidFill>
-                  </a:rPr>
-                  <a:t>지수분포</a:t>
-                </a:r>
-                <a:endParaRPr lang="en-US" altLang="ko-KR" sz="1600" dirty="0"/>
-              </a:p>
-              <a:p>
-                <a:pPr marL="400050" lvl="0" indent="-285750" algn="just">
-                  <a:lnSpc>
-                    <a:spcPct val="150000"/>
-                  </a:lnSpc>
-                  <a:buClrTx/>
-                  <a:buSzPts val="1800"/>
-                  <a:buFont typeface="Arial" panose="020B0604020202020204" pitchFamily="34" charset="0"/>
-                  <a:buChar char="•"/>
-                </a:pPr>
-                <a:r>
-                  <a:rPr lang="ko-KR" altLang="en-US" sz="1600" b="1" dirty="0" err="1"/>
-                  <a:t>푸아송</a:t>
-                </a:r>
-                <a:r>
-                  <a:rPr lang="ko-KR" altLang="en-US" sz="1600" b="1" dirty="0"/>
-                  <a:t> 분포</a:t>
-                </a:r>
-                <a:r>
-                  <a:rPr lang="ko-KR" altLang="en-US" sz="1600" dirty="0"/>
-                  <a:t> </a:t>
-                </a:r>
-                <a:r>
-                  <a:rPr lang="en-US" altLang="ko-KR" sz="1600" dirty="0"/>
-                  <a:t>: </a:t>
-                </a:r>
-                <a:r>
-                  <a:rPr lang="ko-KR" altLang="en-US" dirty="0"/>
-                  <a:t>단위시간</a:t>
-                </a:r>
-                <a:r>
-                  <a:rPr lang="en-US" altLang="ko-KR" dirty="0"/>
-                  <a:t>, </a:t>
-                </a:r>
-                <a:r>
-                  <a:rPr lang="ko-KR" altLang="en-US" dirty="0"/>
-                  <a:t>단위 공간에 어떤 사건이 몇 번 발생할 것인가를 표현하는 이산확률분포</a:t>
-                </a:r>
-                <a:endParaRPr lang="en-US" altLang="ko-KR" dirty="0"/>
-              </a:p>
-              <a:p>
-                <a:pPr marL="400050" lvl="0" indent="-285750" algn="just">
-                  <a:lnSpc>
-                    <a:spcPct val="150000"/>
-                  </a:lnSpc>
-                  <a:buClrTx/>
-                  <a:buSzPts val="1800"/>
-                  <a:buFont typeface="Arial" panose="020B0604020202020204" pitchFamily="34" charset="0"/>
-                  <a:buChar char="•"/>
-                </a:pPr>
-                <a:r>
-                  <a:rPr lang="ko-KR" altLang="en-US" sz="1600" dirty="0"/>
-                  <a:t>이산확률분포에서 가장 많이 사용되는 분포</a:t>
-                </a:r>
-                <a:endParaRPr lang="en-US" altLang="ko-KR" sz="1600" dirty="0"/>
-              </a:p>
-              <a:p>
-                <a:pPr marL="114300" marR="0" lvl="0" algn="just" rtl="0">
-                  <a:lnSpc>
-                    <a:spcPct val="150000"/>
-                  </a:lnSpc>
-                  <a:spcBef>
-                    <a:spcPts val="0"/>
-                  </a:spcBef>
-                  <a:spcAft>
-                    <a:spcPts val="0"/>
-                  </a:spcAft>
-                  <a:buClrTx/>
-                  <a:buSzPts val="1800"/>
-                </a:pPr>
-                <a:r>
-                  <a:rPr lang="ko-KR" altLang="en-US" sz="1600" dirty="0" err="1"/>
-                  <a:t>푸아송분포에서의</a:t>
-                </a:r>
-                <a:r>
-                  <a:rPr lang="ko-KR" altLang="en-US" sz="1600" dirty="0"/>
-                  <a:t> </a:t>
-                </a:r>
-                <a:r>
-                  <a:rPr lang="ko-KR" altLang="en-US" sz="1600" dirty="0" err="1"/>
-                  <a:t>모수는</a:t>
-                </a:r>
-                <a:r>
-                  <a:rPr lang="ko-KR" altLang="en-US" sz="1600" dirty="0"/>
-                  <a:t> </a:t>
-                </a:r>
-                <a:r>
-                  <a:rPr lang="en-US" altLang="ko-KR" sz="1600" dirty="0"/>
-                  <a:t>‘</a:t>
-                </a:r>
-                <a:r>
-                  <a:rPr lang="ko-KR" altLang="en-US" sz="1600" dirty="0"/>
-                  <a:t>단위시간 또는 단위 공간에서 평균 발생 횟수‘</a:t>
-                </a:r>
-                <a:endParaRPr lang="en-US" altLang="ko-KR" sz="1600" dirty="0"/>
-              </a:p>
-              <a:p>
-                <a:pPr marL="114300" marR="0" lvl="0" algn="just" rtl="0">
-                  <a:lnSpc>
-                    <a:spcPct val="150000"/>
-                  </a:lnSpc>
-                  <a:spcBef>
-                    <a:spcPts val="0"/>
-                  </a:spcBef>
-                  <a:spcAft>
-                    <a:spcPts val="0"/>
-                  </a:spcAft>
-                  <a:buClrTx/>
-                  <a:buSzPts val="1800"/>
-                </a:pPr>
-                <a:r>
-                  <a:rPr lang="ko-KR" altLang="en-US" sz="1600" dirty="0" err="1"/>
-                  <a:t>모수</a:t>
-                </a:r>
-                <a:r>
-                  <a:rPr lang="ko-KR" altLang="en-US" sz="1600" dirty="0"/>
-                  <a:t> </a:t>
-                </a:r>
-                <a:r>
-                  <a:rPr lang="en-US" altLang="ko-KR" sz="1600" dirty="0"/>
-                  <a:t>= </a:t>
-                </a:r>
-                <a:r>
-                  <a:rPr lang="ko-KR" altLang="en-US" sz="1600" dirty="0"/>
-                  <a:t>람다</a:t>
-                </a:r>
-                <a:r>
-                  <a:rPr lang="en-US" altLang="ko-KR" sz="1600" dirty="0"/>
-                  <a:t>, p = </a:t>
-                </a:r>
-                <a:r>
-                  <a:rPr lang="ko-KR" altLang="en-US" sz="1600" dirty="0"/>
-                  <a:t>확률</a:t>
-                </a:r>
-                <a:r>
-                  <a:rPr lang="en-US" altLang="ko-KR" sz="1600" dirty="0"/>
-                  <a:t>, n = </a:t>
-                </a:r>
-                <a:r>
-                  <a:rPr lang="ko-KR" altLang="en-US" sz="1600" dirty="0"/>
-                  <a:t>사건발생 횟수</a:t>
-                </a:r>
-                <a:endParaRPr lang="en-US" altLang="ko-KR" sz="1600" dirty="0"/>
-              </a:p>
-              <a:p>
-                <a:pPr marL="114300" marR="0" lvl="0" algn="just" rtl="0">
-                  <a:lnSpc>
-                    <a:spcPct val="150000"/>
-                  </a:lnSpc>
-                  <a:spcBef>
-                    <a:spcPts val="0"/>
-                  </a:spcBef>
-                  <a:spcAft>
-                    <a:spcPts val="0"/>
-                  </a:spcAft>
-                  <a:buClrTx/>
-                  <a:buSzPts val="1800"/>
-                </a:pPr>
-                <a:r>
-                  <a:rPr lang="ko-KR" altLang="en-US" sz="1600" dirty="0"/>
-                  <a:t>람다 </a:t>
-                </a:r>
-                <a:r>
-                  <a:rPr lang="en-US" altLang="ko-KR" sz="1600" dirty="0"/>
-                  <a:t>= np</a:t>
-                </a:r>
-              </a:p>
-              <a:p>
-                <a:pPr marL="114300" marR="0" lvl="0" algn="just" rtl="0">
-                  <a:lnSpc>
-                    <a:spcPct val="150000"/>
-                  </a:lnSpc>
-                  <a:spcBef>
-                    <a:spcPts val="0"/>
-                  </a:spcBef>
-                  <a:spcAft>
-                    <a:spcPts val="0"/>
-                  </a:spcAft>
-                  <a:buClrTx/>
-                  <a:buSzPts val="1800"/>
-                </a:pPr>
-                <a:r>
-                  <a:rPr lang="ko-KR" altLang="en-US" sz="1600" dirty="0" err="1"/>
-                  <a:t>푸아송</a:t>
-                </a:r>
-                <a:r>
-                  <a:rPr lang="en-US" altLang="ko-KR" sz="1600" dirty="0"/>
-                  <a:t> </a:t>
-                </a:r>
-                <a:r>
-                  <a:rPr lang="ko-KR" altLang="en-US" sz="1600" dirty="0"/>
-                  <a:t>분포의 특징</a:t>
-                </a:r>
-                <a:endParaRPr lang="en-US" altLang="ko-KR" sz="1600" dirty="0"/>
-              </a:p>
-              <a:p>
-                <a:pPr marL="114300" marR="0" lvl="0" algn="just" rtl="0">
-                  <a:lnSpc>
-                    <a:spcPct val="150000"/>
-                  </a:lnSpc>
-                  <a:spcBef>
-                    <a:spcPts val="0"/>
-                  </a:spcBef>
-                  <a:spcAft>
-                    <a:spcPts val="0"/>
-                  </a:spcAft>
-                  <a:buClrTx/>
-                  <a:buSzPts val="1800"/>
-                </a:pPr>
-                <a:r>
-                  <a:rPr lang="ko-KR" altLang="en-US" sz="1600" dirty="0"/>
-                  <a:t>평균</a:t>
-                </a:r>
-                <a:r>
-                  <a:rPr lang="en-US" altLang="ko-KR" sz="1600" dirty="0"/>
-                  <a:t>(</a:t>
-                </a:r>
-                <a:r>
-                  <a:rPr lang="ko-KR" altLang="en-US" sz="1600" dirty="0" err="1"/>
-                  <a:t>기댓값</a:t>
-                </a:r>
-                <a:r>
-                  <a:rPr lang="en-US" altLang="ko-KR" sz="1600" dirty="0"/>
-                  <a:t>) = </a:t>
-                </a:r>
-                <a:r>
-                  <a:rPr lang="ko-KR" altLang="en-US" sz="1600" dirty="0"/>
-                  <a:t>분산 </a:t>
-                </a:r>
-                <a:r>
-                  <a:rPr lang="en-US" altLang="ko-KR" sz="1600" dirty="0"/>
-                  <a:t>= </a:t>
-                </a:r>
-                <a:r>
-                  <a:rPr lang="ko-KR" altLang="en-US" sz="1600" dirty="0" err="1"/>
-                  <a:t>모수</a:t>
-                </a:r>
-                <a:r>
-                  <a:rPr lang="ko-KR" altLang="en-US" sz="1600" dirty="0"/>
-                  <a:t> </a:t>
-                </a:r>
                 <a14:m>
-                  <m:oMath xmlns:m="http://schemas.openxmlformats.org/officeDocument/2006/math">
-                    <m:r>
-                      <a:rPr lang="en-US" altLang="ko-KR" sz="1600" i="1" smtClean="0">
-                        <a:latin typeface="Cambria Math" panose="02040503050406030204" pitchFamily="18" charset="0"/>
-                      </a:rPr>
-                      <m:t>𝜆</m:t>
-                    </m:r>
-                  </m:oMath>
+                  <m:oMathPara xmlns:m="http://schemas.openxmlformats.org/officeDocument/2006/math">
+                    <m:oMathParaPr>
+                      <m:jc m:val="centerGroup"/>
+                    </m:oMathParaPr>
+                    <m:oMath xmlns:m="http://schemas.openxmlformats.org/officeDocument/2006/math">
+                      <m:r>
+                        <a:rPr lang="ko-KR" altLang="en-US" sz="2000" i="1" smtClean="0">
+                          <a:latin typeface="Cambria Math" panose="02040503050406030204" pitchFamily="18" charset="0"/>
+                        </a:rPr>
+                        <m:t>𝜆</m:t>
+                      </m:r>
+                      <m:r>
+                        <a:rPr lang="ko-KR" altLang="en-US" sz="2000" i="0">
+                          <a:latin typeface="Cambria Math" panose="02040503050406030204" pitchFamily="18" charset="0"/>
+                        </a:rPr>
+                        <m:t>=3.4</m:t>
+                      </m:r>
+                    </m:oMath>
+                  </m:oMathPara>
                 </a14:m>
-                <a:endParaRPr lang="en-US" altLang="ko-KR" sz="1600" dirty="0"/>
-              </a:p>
-              <a:p>
-                <a:pPr marL="114300" marR="0" lvl="0" algn="just" rtl="0">
-                  <a:lnSpc>
-                    <a:spcPct val="150000"/>
-                  </a:lnSpc>
-                  <a:spcBef>
-                    <a:spcPts val="0"/>
-                  </a:spcBef>
-                  <a:spcAft>
-                    <a:spcPts val="0"/>
-                  </a:spcAft>
-                  <a:buClrTx/>
-                  <a:buSzPts val="1800"/>
-                </a:pPr>
-                <a:endParaRPr lang="en-US" altLang="ko-KR" sz="1600" dirty="0"/>
-              </a:p>
-              <a:p>
-                <a:pPr marL="114300" marR="0" lvl="0" algn="just" rtl="0">
-                  <a:lnSpc>
-                    <a:spcPct val="150000"/>
-                  </a:lnSpc>
-                  <a:spcBef>
-                    <a:spcPts val="0"/>
-                  </a:spcBef>
-                  <a:spcAft>
-                    <a:spcPts val="0"/>
-                  </a:spcAft>
-                  <a:buClrTx/>
-                  <a:buSzPts val="1800"/>
-                </a:pPr>
-                <a:r>
-                  <a:rPr lang="ko-KR" altLang="en-US" sz="1600" dirty="0" err="1"/>
-                  <a:t>푸아송</a:t>
-                </a:r>
-                <a:r>
-                  <a:rPr lang="ko-KR" altLang="en-US" sz="1600" dirty="0"/>
-                  <a:t> 확률함수</a:t>
-                </a:r>
-                <a:endParaRPr lang="en-US" altLang="ko-KR" sz="1600" dirty="0"/>
-              </a:p>
-              <a:p>
-                <a:pPr marL="114300" marR="0" lvl="0" algn="just" rtl="0">
-                  <a:lnSpc>
-                    <a:spcPct val="150000"/>
-                  </a:lnSpc>
-                  <a:spcBef>
-                    <a:spcPts val="0"/>
-                  </a:spcBef>
-                  <a:spcAft>
-                    <a:spcPts val="0"/>
-                  </a:spcAft>
-                  <a:buClrTx/>
-                  <a:buSzPts val="1800"/>
-                </a:pPr>
-                <a:r>
-                  <a:rPr lang="en-US" altLang="ko-KR" sz="1600" dirty="0"/>
-                  <a:t>X(</a:t>
-                </a:r>
-                <a:r>
-                  <a:rPr lang="ko-KR" altLang="en-US" sz="1600" dirty="0"/>
-                  <a:t>확률변수</a:t>
-                </a:r>
-                <a:r>
-                  <a:rPr lang="en-US" altLang="ko-KR" sz="1600" dirty="0"/>
-                  <a:t>)=0,1,2,…., e=2.71828…</a:t>
-                </a:r>
-              </a:p>
-              <a:p>
-                <a:pPr marL="114300" marR="0" lvl="0" algn="just" rtl="0">
-                  <a:lnSpc>
-                    <a:spcPct val="150000"/>
-                  </a:lnSpc>
-                  <a:spcBef>
-                    <a:spcPts val="0"/>
-                  </a:spcBef>
-                  <a:spcAft>
-                    <a:spcPts val="0"/>
-                  </a:spcAft>
-                  <a:buClrTx/>
-                  <a:buSzPts val="1800"/>
-                </a:pPr>
-                <a:endParaRPr lang="en-US" altLang="ko-KR" sz="1600" dirty="0"/>
-              </a:p>
-              <a:p>
-                <a:pPr marL="114300" lvl="0" algn="just">
-                  <a:lnSpc>
-                    <a:spcPct val="150000"/>
-                  </a:lnSpc>
-                  <a:buClrTx/>
-                  <a:buSzPts val="1800"/>
-                </a:pPr>
-                <a:r>
-                  <a:rPr lang="en-US" altLang="ko-KR" sz="1600" dirty="0" err="1"/>
-                  <a:t>np.random.poisson</a:t>
-                </a:r>
-                <a:r>
-                  <a:rPr lang="en-US" altLang="ko-KR" sz="1600" dirty="0"/>
-                  <a:t>(5, 10000)</a:t>
-                </a:r>
-              </a:p>
-              <a:p>
-                <a:pPr marL="114300" marR="0" lvl="0" algn="just" rtl="0">
-                  <a:lnSpc>
-                    <a:spcPct val="150000"/>
-                  </a:lnSpc>
-                  <a:spcBef>
-                    <a:spcPts val="0"/>
-                  </a:spcBef>
-                  <a:spcAft>
-                    <a:spcPts val="0"/>
-                  </a:spcAft>
-                  <a:buClrTx/>
-                  <a:buSzPts val="1800"/>
-                </a:pPr>
-                <a:endParaRPr lang="en-US" altLang="ko-KR" sz="1600" dirty="0"/>
-              </a:p>
-              <a:p>
-                <a:pPr marL="114300" marR="0" lvl="0" algn="just" rtl="0">
-                  <a:lnSpc>
-                    <a:spcPct val="150000"/>
-                  </a:lnSpc>
-                  <a:spcBef>
-                    <a:spcPts val="0"/>
-                  </a:spcBef>
-                  <a:spcAft>
-                    <a:spcPts val="0"/>
-                  </a:spcAft>
-                  <a:buClrTx/>
-                  <a:buSzPts val="1800"/>
-                </a:pPr>
-                <a:endParaRPr lang="en-US" altLang="ko-KR" sz="1600" dirty="0"/>
-              </a:p>
-              <a:p>
-                <a:pPr marL="114300" marR="0" lvl="0" algn="just" rtl="0">
-                  <a:lnSpc>
-                    <a:spcPct val="150000"/>
-                  </a:lnSpc>
-                  <a:spcBef>
-                    <a:spcPts val="0"/>
-                  </a:spcBef>
-                  <a:spcAft>
-                    <a:spcPts val="0"/>
-                  </a:spcAft>
-                  <a:buClrTx/>
-                  <a:buSzPts val="1800"/>
-                </a:pPr>
-                <a:endParaRPr lang="en-US" altLang="ko-KR" sz="1600" dirty="0">
-                  <a:solidFill>
-                    <a:schemeClr val="tx1">
-                      <a:lumMod val="95000"/>
-                      <a:lumOff val="5000"/>
-                    </a:schemeClr>
-                  </a:solidFill>
-                </a:endParaRPr>
+                <a:endParaRPr lang="ko-KR" altLang="en-US" sz="2000" dirty="0"/>
               </a:p>
             </p:txBody>
           </p:sp>
@@ -4771,29 +5030,32 @@
         <mc:Fallback>
           <p:sp>
             <p:nvSpPr>
-              <p:cNvPr id="32" name="Google Shape;32;p2"/>
-              <p:cNvSpPr>
+              <p:cNvPr id="7" name="TextBox 6">
+                <a:extLst>
+                  <a:ext uri="{FF2B5EF4-FFF2-40B4-BE49-F238E27FC236}">
+                    <a16:creationId xmlns:a16="http://schemas.microsoft.com/office/drawing/2014/main" id="{BAD339FE-B21B-4720-B2AD-6DC3EF907574}"/>
+                  </a:ext>
+                </a:extLst>
+              </p:cNvPr>
+              <p:cNvSpPr txBox="1">
                 <a:spLocks noRot="1" noChangeAspect="1" noMove="1" noResize="1" noEditPoints="1" noAdjustHandles="1" noChangeArrowheads="1" noChangeShapeType="1" noTextEdit="1"/>
               </p:cNvSpPr>
               <p:nvPr/>
             </p:nvSpPr>
             <p:spPr>
               <a:xfrm>
-                <a:off x="-62262" y="930518"/>
-                <a:ext cx="9968261" cy="369300"/>
+                <a:off x="651096" y="3877514"/>
+                <a:ext cx="1415710" cy="307777"/>
               </a:xfrm>
               <a:prstGeom prst="rect">
                 <a:avLst/>
               </a:prstGeom>
               <a:blipFill>
-                <a:blip r:embed="rId3"/>
+                <a:blip r:embed="rId6"/>
                 <a:stretch>
-                  <a:fillRect b="-1260000"/>
+                  <a:fillRect b="-9804"/>
                 </a:stretch>
               </a:blipFill>
-              <a:ln>
-                <a:noFill/>
-              </a:ln>
             </p:spPr>
             <p:txBody>
               <a:bodyPr/>
@@ -4810,36 +5072,376 @@
           </p:sp>
         </mc:Fallback>
       </mc:AlternateContent>
-      <p:pic>
-        <p:nvPicPr>
-          <p:cNvPr id="3" name="그림 2">
-            <a:extLst>
-              <a:ext uri="{FF2B5EF4-FFF2-40B4-BE49-F238E27FC236}">
-                <a16:creationId xmlns:a16="http://schemas.microsoft.com/office/drawing/2014/main" id="{56762D11-5482-445B-98E7-AA22BC5F4A77}"/>
-              </a:ext>
-            </a:extLst>
-          </p:cNvPr>
-          <p:cNvPicPr>
-            <a:picLocks noChangeAspect="1"/>
-          </p:cNvPicPr>
-          <p:nvPr/>
-        </p:nvPicPr>
-        <p:blipFill>
-          <a:blip r:embed="rId4"/>
-          <a:stretch>
-            <a:fillRect/>
-          </a:stretch>
-        </p:blipFill>
-        <p:spPr>
-          <a:xfrm>
-            <a:off x="3742465" y="3254158"/>
-            <a:ext cx="5438605" cy="3311917"/>
-          </a:xfrm>
-          <a:prstGeom prst="rect">
-            <a:avLst/>
-          </a:prstGeom>
-        </p:spPr>
-      </p:pic>
+      <mc:AlternateContent xmlns:mc="http://schemas.openxmlformats.org/markup-compatibility/2006">
+        <mc:Choice xmlns:a14="http://schemas.microsoft.com/office/drawing/2010/main" Requires="a14">
+          <p:sp>
+            <p:nvSpPr>
+              <p:cNvPr id="8" name="TextBox 7">
+                <a:extLst>
+                  <a:ext uri="{FF2B5EF4-FFF2-40B4-BE49-F238E27FC236}">
+                    <a16:creationId xmlns:a16="http://schemas.microsoft.com/office/drawing/2014/main" id="{F9E4EF8F-4618-43F0-8418-086BC36E22FB}"/>
+                  </a:ext>
+                </a:extLst>
+              </p:cNvPr>
+              <p:cNvSpPr txBox="1"/>
+              <p:nvPr/>
+            </p:nvSpPr>
+            <p:spPr>
+              <a:xfrm>
+                <a:off x="2574274" y="3721386"/>
+                <a:ext cx="2937178" cy="617605"/>
+              </a:xfrm>
+              <a:prstGeom prst="rect">
+                <a:avLst/>
+              </a:prstGeom>
+              <a:noFill/>
+            </p:spPr>
+            <p:txBody>
+              <a:bodyPr wrap="square" lIns="0" tIns="0" rIns="0" bIns="0" rtlCol="0">
+                <a:spAutoFit/>
+              </a:bodyPr>
+              <a:lstStyle/>
+              <a:p>
+                <a14:m>
+                  <m:oMathPara xmlns:m="http://schemas.openxmlformats.org/officeDocument/2006/math">
+                    <m:oMathParaPr>
+                      <m:jc m:val="centerGroup"/>
+                    </m:oMathParaPr>
+                    <m:oMath xmlns:m="http://schemas.openxmlformats.org/officeDocument/2006/math">
+                      <m:r>
+                        <a:rPr lang="ko-KR" altLang="en-US" sz="2000" i="1" smtClean="0">
+                          <a:latin typeface="Cambria Math" panose="02040503050406030204" pitchFamily="18" charset="0"/>
+                        </a:rPr>
+                        <m:t>𝑃</m:t>
+                      </m:r>
+                      <m:d>
+                        <m:dPr>
+                          <m:ctrlPr>
+                            <a:rPr lang="ko-KR" altLang="en-US" sz="2000" i="1">
+                              <a:latin typeface="Cambria Math" panose="02040503050406030204" pitchFamily="18" charset="0"/>
+                            </a:rPr>
+                          </m:ctrlPr>
+                        </m:dPr>
+                        <m:e>
+                          <m:r>
+                            <m:rPr>
+                              <m:sty m:val="p"/>
+                            </m:rPr>
+                            <a:rPr lang="en-US" altLang="ko-KR" sz="2000" b="0" i="0" smtClean="0">
+                              <a:latin typeface="Cambria Math" panose="02040503050406030204" pitchFamily="18" charset="0"/>
+                            </a:rPr>
+                            <m:t>X</m:t>
+                          </m:r>
+                          <m:r>
+                            <a:rPr lang="ko-KR" altLang="en-US" sz="2000" i="0">
+                              <a:latin typeface="Cambria Math" panose="02040503050406030204" pitchFamily="18" charset="0"/>
+                            </a:rPr>
+                            <m:t>=3</m:t>
+                          </m:r>
+                        </m:e>
+                      </m:d>
+                      <m:r>
+                        <a:rPr lang="ko-KR" altLang="en-US" sz="2000" i="0">
+                          <a:latin typeface="Cambria Math" panose="02040503050406030204" pitchFamily="18" charset="0"/>
+                        </a:rPr>
+                        <m:t>=</m:t>
+                      </m:r>
+                      <m:f>
+                        <m:fPr>
+                          <m:ctrlPr>
+                            <a:rPr lang="ko-KR" altLang="en-US" sz="2000" i="1">
+                              <a:latin typeface="Cambria Math" panose="02040503050406030204" pitchFamily="18" charset="0"/>
+                            </a:rPr>
+                          </m:ctrlPr>
+                        </m:fPr>
+                        <m:num>
+                          <m:sSubSup>
+                            <m:sSubSupPr>
+                              <m:ctrlPr>
+                                <a:rPr lang="ko-KR" altLang="en-US" sz="2000" i="1">
+                                  <a:latin typeface="Cambria Math" panose="02040503050406030204" pitchFamily="18" charset="0"/>
+                                </a:rPr>
+                              </m:ctrlPr>
+                            </m:sSubSupPr>
+                            <m:e>
+                              <m:r>
+                                <a:rPr lang="ko-KR" altLang="en-US" sz="2000" i="1">
+                                  <a:latin typeface="Cambria Math" panose="02040503050406030204" pitchFamily="18" charset="0"/>
+                                </a:rPr>
+                                <m:t>𝑒</m:t>
+                              </m:r>
+                            </m:e>
+                            <m:sub>
+                              <m:r>
+                                <a:rPr lang="ko-KR" altLang="en-US" sz="2000" i="1">
+                                  <a:latin typeface="Cambria Math" panose="02040503050406030204" pitchFamily="18" charset="0"/>
+                                </a:rPr>
+                                <m:t>𝑥</m:t>
+                              </m:r>
+                            </m:sub>
+                            <m:sup>
+                              <m:r>
+                                <a:rPr lang="ko-KR" altLang="en-US" sz="2000" i="0">
+                                  <a:latin typeface="Cambria Math" panose="02040503050406030204" pitchFamily="18" charset="0"/>
+                                </a:rPr>
+                                <m:t>−3.4</m:t>
+                              </m:r>
+                            </m:sup>
+                          </m:sSubSup>
+                          <m:sSup>
+                            <m:sSupPr>
+                              <m:ctrlPr>
+                                <a:rPr lang="ko-KR" altLang="en-US" sz="2000" i="1">
+                                  <a:latin typeface="Cambria Math" panose="02040503050406030204" pitchFamily="18" charset="0"/>
+                                </a:rPr>
+                              </m:ctrlPr>
+                            </m:sSupPr>
+                            <m:e>
+                              <m:r>
+                                <a:rPr lang="ko-KR" altLang="en-US" sz="2000" i="0">
+                                  <a:latin typeface="Cambria Math" panose="02040503050406030204" pitchFamily="18" charset="0"/>
+                                </a:rPr>
+                                <m:t>3.4</m:t>
+                              </m:r>
+                            </m:e>
+                            <m:sup>
+                              <m:r>
+                                <a:rPr lang="ko-KR" altLang="en-US" sz="2000" i="0">
+                                  <a:latin typeface="Cambria Math" panose="02040503050406030204" pitchFamily="18" charset="0"/>
+                                </a:rPr>
+                                <m:t>3</m:t>
+                              </m:r>
+                            </m:sup>
+                          </m:sSup>
+                        </m:num>
+                        <m:den>
+                          <m:r>
+                            <a:rPr lang="ko-KR" altLang="en-US" sz="2000" i="0">
+                              <a:latin typeface="Cambria Math" panose="02040503050406030204" pitchFamily="18" charset="0"/>
+                            </a:rPr>
+                            <m:t>3!</m:t>
+                          </m:r>
+                        </m:den>
+                      </m:f>
+                    </m:oMath>
+                  </m:oMathPara>
+                </a14:m>
+                <a:endParaRPr lang="ko-KR" altLang="en-US" sz="2000" dirty="0"/>
+              </a:p>
+            </p:txBody>
+          </p:sp>
+        </mc:Choice>
+        <mc:Fallback>
+          <p:sp>
+            <p:nvSpPr>
+              <p:cNvPr id="8" name="TextBox 7">
+                <a:extLst>
+                  <a:ext uri="{FF2B5EF4-FFF2-40B4-BE49-F238E27FC236}">
+                    <a16:creationId xmlns:a16="http://schemas.microsoft.com/office/drawing/2014/main" id="{F9E4EF8F-4618-43F0-8418-086BC36E22FB}"/>
+                  </a:ext>
+                </a:extLst>
+              </p:cNvPr>
+              <p:cNvSpPr txBox="1">
+                <a:spLocks noRot="1" noChangeAspect="1" noMove="1" noResize="1" noEditPoints="1" noAdjustHandles="1" noChangeArrowheads="1" noChangeShapeType="1" noTextEdit="1"/>
+              </p:cNvSpPr>
+              <p:nvPr/>
+            </p:nvSpPr>
+            <p:spPr>
+              <a:xfrm>
+                <a:off x="2574274" y="3721386"/>
+                <a:ext cx="2937178" cy="617605"/>
+              </a:xfrm>
+              <a:prstGeom prst="rect">
+                <a:avLst/>
+              </a:prstGeom>
+              <a:blipFill>
+                <a:blip r:embed="rId7"/>
+                <a:stretch>
+                  <a:fillRect/>
+                </a:stretch>
+              </a:blipFill>
+            </p:spPr>
+            <p:txBody>
+              <a:bodyPr/>
+              <a:lstStyle/>
+              <a:p>
+                <a:r>
+                  <a:rPr lang="ko-KR" altLang="en-US">
+                    <a:noFill/>
+                  </a:rPr>
+                  <a:t> </a:t>
+                </a:r>
+              </a:p>
+            </p:txBody>
+          </p:sp>
+        </mc:Fallback>
+      </mc:AlternateContent>
+      <mc:AlternateContent xmlns:mc="http://schemas.openxmlformats.org/markup-compatibility/2006">
+        <mc:Choice xmlns:a14="http://schemas.microsoft.com/office/drawing/2010/main" Requires="a14">
+          <p:sp>
+            <p:nvSpPr>
+              <p:cNvPr id="10" name="TextBox 9">
+                <a:extLst>
+                  <a:ext uri="{FF2B5EF4-FFF2-40B4-BE49-F238E27FC236}">
+                    <a16:creationId xmlns:a16="http://schemas.microsoft.com/office/drawing/2014/main" id="{640E9312-097A-41ED-9CE8-D0F94151677E}"/>
+                  </a:ext>
+                </a:extLst>
+              </p:cNvPr>
+              <p:cNvSpPr txBox="1"/>
+              <p:nvPr/>
+            </p:nvSpPr>
+            <p:spPr>
+              <a:xfrm>
+                <a:off x="5906185" y="3316977"/>
+                <a:ext cx="3018773" cy="1736629"/>
+              </a:xfrm>
+              <a:prstGeom prst="rect">
+                <a:avLst/>
+              </a:prstGeom>
+              <a:noFill/>
+            </p:spPr>
+            <p:txBody>
+              <a:bodyPr wrap="square" rtlCol="0">
+                <a:spAutoFit/>
+              </a:bodyPr>
+              <a:lstStyle/>
+              <a:p>
+                <a:pPr>
+                  <a:lnSpc>
+                    <a:spcPct val="150000"/>
+                  </a:lnSpc>
+                </a:pPr>
+                <a:r>
+                  <a:rPr lang="en-US" altLang="ko-KR" sz="1800" dirty="0"/>
+                  <a:t>= </a:t>
+                </a:r>
+                <a14:m>
+                  <m:oMath xmlns:m="http://schemas.openxmlformats.org/officeDocument/2006/math">
+                    <m:f>
+                      <m:fPr>
+                        <m:ctrlPr>
+                          <a:rPr lang="ko-KR" altLang="en-US" sz="2400" smtClean="0">
+                            <a:latin typeface="Cambria Math" panose="02040503050406030204" pitchFamily="18" charset="0"/>
+                          </a:rPr>
+                        </m:ctrlPr>
+                      </m:fPr>
+                      <m:num>
+                        <m:sSup>
+                          <m:sSupPr>
+                            <m:ctrlPr>
+                              <a:rPr lang="ko-KR" altLang="en-US" sz="2400">
+                                <a:latin typeface="Cambria Math" panose="02040503050406030204" pitchFamily="18" charset="0"/>
+                              </a:rPr>
+                            </m:ctrlPr>
+                          </m:sSupPr>
+                          <m:e>
+                            <m:r>
+                              <a:rPr lang="ko-KR" altLang="en-US" sz="2400">
+                                <a:latin typeface="Cambria Math" panose="02040503050406030204" pitchFamily="18" charset="0"/>
+                              </a:rPr>
+                              <m:t>ⅇ</m:t>
+                            </m:r>
+                          </m:e>
+                          <m:sup>
+                            <m:r>
+                              <a:rPr lang="ko-KR" altLang="en-US" sz="2400" i="0">
+                                <a:latin typeface="Cambria Math" panose="02040503050406030204" pitchFamily="18" charset="0"/>
+                              </a:rPr>
+                              <m:t>−3.4</m:t>
+                            </m:r>
+                          </m:sup>
+                        </m:sSup>
+                        <m:r>
+                          <a:rPr lang="ko-KR" altLang="en-US" sz="2400" i="0">
+                            <a:latin typeface="Cambria Math" panose="02040503050406030204" pitchFamily="18" charset="0"/>
+                          </a:rPr>
+                          <m:t>×39.304</m:t>
+                        </m:r>
+                      </m:num>
+                      <m:den>
+                        <m:r>
+                          <a:rPr lang="ko-KR" altLang="en-US" sz="2400" i="0">
+                            <a:latin typeface="Cambria Math" panose="02040503050406030204" pitchFamily="18" charset="0"/>
+                          </a:rPr>
+                          <m:t>6</m:t>
+                        </m:r>
+                      </m:den>
+                    </m:f>
+                  </m:oMath>
+                </a14:m>
+                <a:endParaRPr lang="en-US" altLang="ko-KR" sz="1800" dirty="0"/>
+              </a:p>
+              <a:p>
+                <a:pPr>
+                  <a:lnSpc>
+                    <a:spcPct val="150000"/>
+                  </a:lnSpc>
+                </a:pPr>
+                <a:r>
+                  <a:rPr lang="en-US" altLang="ko-KR" sz="1800" dirty="0"/>
+                  <a:t>= 0.033 x 6.55</a:t>
+                </a:r>
+              </a:p>
+              <a:p>
+                <a:pPr>
+                  <a:lnSpc>
+                    <a:spcPct val="150000"/>
+                  </a:lnSpc>
+                </a:pPr>
+                <a:r>
+                  <a:rPr lang="en-US" altLang="ko-KR" sz="1800" dirty="0"/>
+                  <a:t>= 0.216</a:t>
+                </a:r>
+                <a:endParaRPr lang="ko-KR" altLang="en-US" sz="1800" dirty="0"/>
+              </a:p>
+            </p:txBody>
+          </p:sp>
+        </mc:Choice>
+        <mc:Fallback>
+          <p:sp>
+            <p:nvSpPr>
+              <p:cNvPr id="10" name="TextBox 9">
+                <a:extLst>
+                  <a:ext uri="{FF2B5EF4-FFF2-40B4-BE49-F238E27FC236}">
+                    <a16:creationId xmlns:a16="http://schemas.microsoft.com/office/drawing/2014/main" id="{640E9312-097A-41ED-9CE8-D0F94151677E}"/>
+                  </a:ext>
+                </a:extLst>
+              </p:cNvPr>
+              <p:cNvSpPr txBox="1">
+                <a:spLocks noRot="1" noChangeAspect="1" noMove="1" noResize="1" noEditPoints="1" noAdjustHandles="1" noChangeArrowheads="1" noChangeShapeType="1" noTextEdit="1"/>
+              </p:cNvSpPr>
+              <p:nvPr/>
+            </p:nvSpPr>
+            <p:spPr>
+              <a:xfrm>
+                <a:off x="5906185" y="3316977"/>
+                <a:ext cx="3018773" cy="1736629"/>
+              </a:xfrm>
+              <a:prstGeom prst="rect">
+                <a:avLst/>
+              </a:prstGeom>
+              <a:blipFill>
+                <a:blip r:embed="rId8"/>
+                <a:stretch>
+                  <a:fillRect l="-1818" b="-4912"/>
+                </a:stretch>
+              </a:blipFill>
+            </p:spPr>
+            <p:txBody>
+              <a:bodyPr/>
+              <a:lstStyle/>
+              <a:p>
+                <a:r>
+                  <a:rPr lang="ko-KR" altLang="en-US">
+                    <a:noFill/>
+                  </a:rPr>
+                  <a:t> </a:t>
+                </a:r>
+              </a:p>
+            </p:txBody>
+          </p:sp>
+        </mc:Fallback>
+      </mc:AlternateContent>
     </p:spTree>
     <p:extLst>
       <p:ext uri="{BB962C8B-B14F-4D97-AF65-F5344CB8AC3E}">
@@ -5043,496 +5645,7 @@
         <p:spPr>
           <a:xfrm>
             <a:off x="0" y="1114072"/>
-            <a:ext cx="9906000" cy="3001334"/>
-          </a:xfrm>
-          <a:prstGeom prst="rect">
-            <a:avLst/>
-          </a:prstGeom>
-          <a:noFill/>
-        </p:spPr>
-        <p:txBody>
-          <a:bodyPr wrap="square" rtlCol="0">
-            <a:spAutoFit/>
-          </a:bodyPr>
-          <a:lstStyle/>
-          <a:p>
-            <a:pPr marL="285750" indent="-285750">
-              <a:lnSpc>
-                <a:spcPct val="150000"/>
-              </a:lnSpc>
-              <a:buFont typeface="Arial" panose="020B0604020202020204" pitchFamily="34" charset="0"/>
-              <a:buChar char="•"/>
-            </a:pPr>
-            <a:r>
-              <a:rPr lang="ko-KR" altLang="en-US" sz="1600" b="1" dirty="0"/>
-              <a:t>신뢰수준</a:t>
-            </a:r>
-            <a:endParaRPr lang="en-US" altLang="ko-KR" sz="1600" b="1" dirty="0"/>
-          </a:p>
-          <a:p>
-            <a:pPr lvl="1">
-              <a:lnSpc>
-                <a:spcPct val="150000"/>
-              </a:lnSpc>
-            </a:pPr>
-            <a:r>
-              <a:rPr lang="ko-KR" altLang="en-US" sz="1600" dirty="0"/>
-              <a:t>신뢰수준이 높을 수록 구간이 더 넓어진다</a:t>
-            </a:r>
-            <a:r>
-              <a:rPr lang="en-US" altLang="ko-KR" sz="1600" dirty="0"/>
-              <a:t>.</a:t>
-            </a:r>
-          </a:p>
-          <a:p>
-            <a:pPr lvl="5">
-              <a:lnSpc>
-                <a:spcPct val="150000"/>
-              </a:lnSpc>
-            </a:pPr>
-            <a:r>
-              <a:rPr lang="ko-KR" altLang="en-US" sz="1600" dirty="0"/>
-              <a:t>표본이 클 수록 구간이 좁아진다</a:t>
-            </a:r>
-            <a:r>
-              <a:rPr lang="en-US" altLang="ko-KR" sz="1600" dirty="0"/>
-              <a:t>(</a:t>
-            </a:r>
-            <a:r>
-              <a:rPr lang="ko-KR" altLang="en-US" sz="1600" dirty="0"/>
-              <a:t>확실성이 커진다</a:t>
-            </a:r>
-            <a:r>
-              <a:rPr lang="en-US" altLang="ko-KR" sz="1600" dirty="0"/>
-              <a:t>.)</a:t>
-            </a:r>
-          </a:p>
-          <a:p>
-            <a:pPr lvl="5">
-              <a:lnSpc>
-                <a:spcPct val="150000"/>
-              </a:lnSpc>
-            </a:pPr>
-            <a:endParaRPr lang="en-US" altLang="ko-KR" sz="1600" dirty="0"/>
-          </a:p>
-          <a:p>
-            <a:pPr lvl="5">
-              <a:lnSpc>
-                <a:spcPct val="150000"/>
-              </a:lnSpc>
-            </a:pPr>
-            <a:endParaRPr lang="en-US" altLang="ko-KR" sz="1600" dirty="0"/>
-          </a:p>
-          <a:p>
-            <a:pPr lvl="5">
-              <a:lnSpc>
-                <a:spcPct val="150000"/>
-              </a:lnSpc>
-            </a:pPr>
-            <a:endParaRPr lang="en-US" altLang="ko-KR" sz="1600" dirty="0"/>
-          </a:p>
-          <a:p>
-            <a:pPr lvl="5">
-              <a:lnSpc>
-                <a:spcPct val="150000"/>
-              </a:lnSpc>
-            </a:pPr>
-            <a:endParaRPr lang="en-US" altLang="ko-KR" sz="1600" dirty="0"/>
-          </a:p>
-          <a:p>
-            <a:pPr lvl="5">
-              <a:lnSpc>
-                <a:spcPct val="150000"/>
-              </a:lnSpc>
-            </a:pPr>
-            <a:r>
-              <a:rPr lang="en-US" altLang="ko-KR" sz="1600" dirty="0" err="1"/>
-              <a:t>np.random.exponential</a:t>
-            </a:r>
-            <a:r>
-              <a:rPr lang="en-US" altLang="ko-KR" sz="1600" dirty="0"/>
-              <a:t>(0.5, 10000)</a:t>
-            </a:r>
-          </a:p>
-        </p:txBody>
-      </p:sp>
-      <p:sp>
-        <p:nvSpPr>
-          <p:cNvPr id="4" name="직사각형 3">
-            <a:extLst>
-              <a:ext uri="{FF2B5EF4-FFF2-40B4-BE49-F238E27FC236}">
-                <a16:creationId xmlns:a16="http://schemas.microsoft.com/office/drawing/2014/main" id="{F298406B-55D3-44DC-B351-D0E3DD541FC3}"/>
-              </a:ext>
-            </a:extLst>
-          </p:cNvPr>
-          <p:cNvSpPr/>
-          <p:nvPr/>
-        </p:nvSpPr>
-        <p:spPr>
-          <a:xfrm>
-            <a:off x="2476500" y="3079642"/>
-            <a:ext cx="4953000" cy="698717"/>
-          </a:xfrm>
-          <a:prstGeom prst="rect">
-            <a:avLst/>
-          </a:prstGeom>
-        </p:spPr>
-        <p:txBody>
-          <a:bodyPr>
-            <a:spAutoFit/>
-          </a:bodyPr>
-          <a:lstStyle/>
-          <a:p>
-            <a:pPr marL="114300" lvl="0" algn="just">
-              <a:lnSpc>
-                <a:spcPct val="150000"/>
-              </a:lnSpc>
-              <a:buClrTx/>
-              <a:buSzPts val="1800"/>
-            </a:pPr>
-            <a:r>
-              <a:rPr lang="en-US" altLang="ko-KR" dirty="0">
-                <a:hlinkClick r:id="rId3"/>
-              </a:rPr>
-              <a:t>http://www.ktword.co.kr/word/abbr_view.php?m_temp1=870</a:t>
-            </a:r>
-            <a:endParaRPr lang="en-US" altLang="ko-KR" dirty="0"/>
-          </a:p>
-        </p:txBody>
-      </p:sp>
-      <p:sp>
-        <p:nvSpPr>
-          <p:cNvPr id="5" name="직사각형 4">
-            <a:extLst>
-              <a:ext uri="{FF2B5EF4-FFF2-40B4-BE49-F238E27FC236}">
-                <a16:creationId xmlns:a16="http://schemas.microsoft.com/office/drawing/2014/main" id="{C6CD0533-D510-48D9-AEE5-F72CCA48B569}"/>
-              </a:ext>
-            </a:extLst>
-          </p:cNvPr>
-          <p:cNvSpPr/>
-          <p:nvPr/>
-        </p:nvSpPr>
-        <p:spPr>
-          <a:xfrm>
-            <a:off x="1731917" y="4328029"/>
-            <a:ext cx="4953000" cy="523220"/>
-          </a:xfrm>
-          <a:prstGeom prst="rect">
-            <a:avLst/>
-          </a:prstGeom>
-        </p:spPr>
-        <p:txBody>
-          <a:bodyPr>
-            <a:spAutoFit/>
-          </a:bodyPr>
-          <a:lstStyle/>
-          <a:p>
-            <a:r>
-              <a:rPr lang="en-US" altLang="ko-KR" dirty="0">
-                <a:hlinkClick r:id="rId4"/>
-              </a:rPr>
-              <a:t>http://www.ktword.co.kr/word/abbr_view.php?nav=2&amp;choice=map&amp;id=728&amp;m_temp1=870</a:t>
-            </a:r>
-            <a:endParaRPr lang="ko-KR" altLang="en-US" dirty="0"/>
-          </a:p>
-        </p:txBody>
-      </p:sp>
-      <p:sp>
-        <p:nvSpPr>
-          <p:cNvPr id="6" name="직사각형 5">
-            <a:extLst>
-              <a:ext uri="{FF2B5EF4-FFF2-40B4-BE49-F238E27FC236}">
-                <a16:creationId xmlns:a16="http://schemas.microsoft.com/office/drawing/2014/main" id="{CF8477C4-244B-4659-A4C9-CEEDFFDF9E77}"/>
-              </a:ext>
-            </a:extLst>
-          </p:cNvPr>
-          <p:cNvSpPr/>
-          <p:nvPr/>
-        </p:nvSpPr>
-        <p:spPr>
-          <a:xfrm>
-            <a:off x="4083231" y="2150782"/>
-            <a:ext cx="4953000" cy="523220"/>
-          </a:xfrm>
-          <a:prstGeom prst="rect">
-            <a:avLst/>
-          </a:prstGeom>
-        </p:spPr>
-        <p:txBody>
-          <a:bodyPr>
-            <a:spAutoFit/>
-          </a:bodyPr>
-          <a:lstStyle/>
-          <a:p>
-            <a:r>
-              <a:rPr lang="en-US" altLang="ko-KR" dirty="0">
-                <a:hlinkClick r:id="rId5"/>
-              </a:rPr>
-              <a:t>https://blog.naver.com/PostView.nhn?blogId=mykepzzang&amp;logNo=220840724901</a:t>
-            </a:r>
-            <a:endParaRPr lang="ko-KR" altLang="en-US" dirty="0"/>
-          </a:p>
-        </p:txBody>
-      </p:sp>
-      <p:pic>
-        <p:nvPicPr>
-          <p:cNvPr id="9" name="그림 8">
-            <a:extLst>
-              <a:ext uri="{FF2B5EF4-FFF2-40B4-BE49-F238E27FC236}">
-                <a16:creationId xmlns:a16="http://schemas.microsoft.com/office/drawing/2014/main" id="{AED0ECED-F1FD-4652-9763-2AF2335EF360}"/>
-              </a:ext>
-            </a:extLst>
-          </p:cNvPr>
-          <p:cNvPicPr>
-            <a:picLocks noChangeAspect="1"/>
-          </p:cNvPicPr>
-          <p:nvPr/>
-        </p:nvPicPr>
-        <p:blipFill>
-          <a:blip r:embed="rId6"/>
-          <a:stretch>
-            <a:fillRect/>
-          </a:stretch>
-        </p:blipFill>
-        <p:spPr>
-          <a:xfrm>
-            <a:off x="-2576285" y="1744778"/>
-            <a:ext cx="4896533" cy="2972215"/>
-          </a:xfrm>
-          <a:prstGeom prst="rect">
-            <a:avLst/>
-          </a:prstGeom>
-        </p:spPr>
-      </p:pic>
-      <p:pic>
-        <p:nvPicPr>
-          <p:cNvPr id="10" name="그림 9">
-            <a:extLst>
-              <a:ext uri="{FF2B5EF4-FFF2-40B4-BE49-F238E27FC236}">
-                <a16:creationId xmlns:a16="http://schemas.microsoft.com/office/drawing/2014/main" id="{F07F54D8-E184-449C-8E2B-88AD12994A8F}"/>
-              </a:ext>
-            </a:extLst>
-          </p:cNvPr>
-          <p:cNvPicPr>
-            <a:picLocks noChangeAspect="1"/>
-          </p:cNvPicPr>
-          <p:nvPr/>
-        </p:nvPicPr>
-        <p:blipFill>
-          <a:blip r:embed="rId7"/>
-          <a:stretch>
-            <a:fillRect/>
-          </a:stretch>
-        </p:blipFill>
-        <p:spPr>
-          <a:xfrm>
-            <a:off x="4162314" y="3114631"/>
-            <a:ext cx="1581371" cy="628738"/>
-          </a:xfrm>
-          <a:prstGeom prst="rect">
-            <a:avLst/>
-          </a:prstGeom>
-        </p:spPr>
-      </p:pic>
-    </p:spTree>
-  </p:cSld>
-  <p:clrMapOvr>
-    <a:masterClrMapping/>
-  </p:clrMapOvr>
-</p:sld>
-</file>
-
-<file path=ppt/slides/slide3.xml><?xml version="1.0" encoding="utf-8"?>
-<p:sld xmlns:a="http://schemas.openxmlformats.org/drawingml/2006/main" xmlns:r="http://schemas.openxmlformats.org/officeDocument/2006/relationships" xmlns:p="http://schemas.openxmlformats.org/presentationml/2006/main">
-  <p:cSld>
-    <p:spTree>
-      <p:nvGrpSpPr>
-        <p:cNvPr id="1" name="Shape 28"/>
-        <p:cNvGrpSpPr/>
-        <p:nvPr/>
-      </p:nvGrpSpPr>
-      <p:grpSpPr>
-        <a:xfrm>
-          <a:off x="0" y="0"/>
-          <a:ext cx="0" cy="0"/>
-          <a:chOff x="0" y="0"/>
-          <a:chExt cx="0" cy="0"/>
-        </a:xfrm>
-      </p:grpSpPr>
-      <p:sp>
-        <p:nvSpPr>
-          <p:cNvPr id="29" name="Google Shape;29;p2"/>
-          <p:cNvSpPr txBox="1"/>
-          <p:nvPr/>
-        </p:nvSpPr>
-        <p:spPr>
-          <a:xfrm>
-            <a:off x="9253406" y="200997"/>
-            <a:ext cx="530727" cy="296664"/>
-          </a:xfrm>
-          <a:prstGeom prst="rect">
-            <a:avLst/>
-          </a:prstGeom>
-          <a:noFill/>
-          <a:ln>
-            <a:noFill/>
-          </a:ln>
-        </p:spPr>
-        <p:txBody>
-          <a:bodyPr spcFirstLastPara="1" wrap="square" lIns="74275" tIns="37125" rIns="74275" bIns="37125" anchor="ctr" anchorCtr="0">
-            <a:noAutofit/>
-          </a:bodyPr>
-          <a:lstStyle/>
-          <a:p>
-            <a:pPr marL="0" marR="0" lvl="0" indent="0" algn="r" rtl="0">
-              <a:spcBef>
-                <a:spcPts val="0"/>
-              </a:spcBef>
-              <a:spcAft>
-                <a:spcPts val="0"/>
-              </a:spcAft>
-              <a:buNone/>
-            </a:pPr>
-            <a:fld id="{00000000-1234-1234-1234-123412341234}" type="slidenum">
-              <a:rPr lang="en-US" altLang="ko-KR" sz="1300" b="1" u="none">
-                <a:solidFill>
-                  <a:srgbClr val="7F7F7F"/>
-                </a:solidFill>
-                <a:latin typeface="Arial"/>
-                <a:ea typeface="Arial"/>
-                <a:cs typeface="Arial"/>
-                <a:sym typeface="Arial"/>
-              </a:rPr>
-              <a:t>3</a:t>
-            </a:fld>
-            <a:endParaRPr sz="1300" b="1" u="none">
-              <a:solidFill>
-                <a:srgbClr val="7F7F7F"/>
-              </a:solidFill>
-              <a:latin typeface="Arial"/>
-              <a:ea typeface="Arial"/>
-              <a:cs typeface="Arial"/>
-              <a:sym typeface="Arial"/>
-            </a:endParaRPr>
-          </a:p>
-        </p:txBody>
-      </p:sp>
-      <p:sp>
-        <p:nvSpPr>
-          <p:cNvPr id="30" name="Google Shape;30;p2"/>
-          <p:cNvSpPr txBox="1"/>
-          <p:nvPr/>
-        </p:nvSpPr>
-        <p:spPr>
-          <a:xfrm>
-            <a:off x="278116" y="156948"/>
-            <a:ext cx="8910300" cy="831000"/>
-          </a:xfrm>
-          <a:prstGeom prst="rect">
-            <a:avLst/>
-          </a:prstGeom>
-          <a:noFill/>
-          <a:ln>
-            <a:noFill/>
-          </a:ln>
-        </p:spPr>
-        <p:txBody>
-          <a:bodyPr spcFirstLastPara="1" wrap="square" lIns="91425" tIns="45700" rIns="91425" bIns="45700" anchor="t" anchorCtr="0">
-            <a:noAutofit/>
-          </a:bodyPr>
-          <a:lstStyle/>
-          <a:p>
-            <a:pPr marL="0" marR="0" lvl="0" indent="0" algn="ctr" rtl="0">
-              <a:spcBef>
-                <a:spcPts val="0"/>
-              </a:spcBef>
-              <a:spcAft>
-                <a:spcPts val="0"/>
-              </a:spcAft>
-              <a:buNone/>
-            </a:pPr>
-            <a:r>
-              <a:rPr lang="ko-KR" sz="1800" dirty="0">
-                <a:solidFill>
-                  <a:schemeClr val="dk1"/>
-                </a:solidFill>
-              </a:rPr>
-              <a:t>데이터 과학을 위한 통계  - 발표자: </a:t>
-            </a:r>
-            <a:r>
-              <a:rPr lang="ko-KR" altLang="en-US" sz="1800" dirty="0">
-                <a:solidFill>
-                  <a:schemeClr val="dk1"/>
-                </a:solidFill>
-              </a:rPr>
-              <a:t>김동현</a:t>
-            </a:r>
-            <a:endParaRPr sz="1800" dirty="0"/>
-          </a:p>
-        </p:txBody>
-      </p:sp>
-      <p:sp>
-        <p:nvSpPr>
-          <p:cNvPr id="31" name="Google Shape;31;p2"/>
-          <p:cNvSpPr txBox="1"/>
-          <p:nvPr/>
-        </p:nvSpPr>
-        <p:spPr>
-          <a:xfrm>
-            <a:off x="221845" y="640425"/>
-            <a:ext cx="9500100" cy="369300"/>
-          </a:xfrm>
-          <a:prstGeom prst="rect">
-            <a:avLst/>
-          </a:prstGeom>
-          <a:noFill/>
-          <a:ln>
-            <a:noFill/>
-          </a:ln>
-        </p:spPr>
-        <p:txBody>
-          <a:bodyPr spcFirstLastPara="1" wrap="square" lIns="91425" tIns="45700" rIns="91425" bIns="45700" anchor="t" anchorCtr="0">
-            <a:noAutofit/>
-          </a:bodyPr>
-          <a:lstStyle/>
-          <a:p>
-            <a:pPr marL="0" marR="0" lvl="0" indent="0" algn="ctr" rtl="0">
-              <a:spcBef>
-                <a:spcPts val="0"/>
-              </a:spcBef>
-              <a:spcAft>
-                <a:spcPts val="0"/>
-              </a:spcAft>
-              <a:buNone/>
-            </a:pPr>
-            <a:r>
-              <a:rPr lang="ko-KR" sz="1800" b="1">
-                <a:solidFill>
-                  <a:schemeClr val="dk1"/>
-                </a:solidFill>
-              </a:rPr>
-              <a:t>Chapter 1. 탐색적 데이터 분석</a:t>
-            </a:r>
-            <a:endParaRPr/>
-          </a:p>
-        </p:txBody>
-      </p:sp>
-      <p:sp>
-        <p:nvSpPr>
-          <p:cNvPr id="8" name="TextBox 7">
-            <a:extLst>
-              <a:ext uri="{FF2B5EF4-FFF2-40B4-BE49-F238E27FC236}">
-                <a16:creationId xmlns:a16="http://schemas.microsoft.com/office/drawing/2014/main" id="{DE9A71DD-D990-4E56-9E57-50C7C4AE0CDB}"/>
-              </a:ext>
-            </a:extLst>
-          </p:cNvPr>
-          <p:cNvSpPr txBox="1"/>
-          <p:nvPr/>
-        </p:nvSpPr>
-        <p:spPr>
-          <a:xfrm>
-            <a:off x="0" y="1114072"/>
-            <a:ext cx="9906000" cy="1524007"/>
+            <a:ext cx="9906000" cy="5678991"/>
           </a:xfrm>
           <a:prstGeom prst="rect">
             <a:avLst/>
@@ -5589,22 +5702,48 @@
             <a:endParaRPr lang="en-US" altLang="ko-KR" sz="1600" dirty="0"/>
           </a:p>
           <a:p>
-            <a:pPr>
+            <a:pPr marL="285750" indent="-285750">
               <a:lnSpc>
                 <a:spcPct val="150000"/>
               </a:lnSpc>
+              <a:buFont typeface="Arial" panose="020B0604020202020204" pitchFamily="34" charset="0"/>
+              <a:buChar char="•"/>
+            </a:pPr>
+            <a:endParaRPr lang="en-US" altLang="ko-KR" sz="1600" dirty="0"/>
+          </a:p>
+          <a:p>
+            <a:pPr marL="285750" indent="-285750">
+              <a:lnSpc>
+                <a:spcPct val="150000"/>
+              </a:lnSpc>
+              <a:buFont typeface="Arial" panose="020B0604020202020204" pitchFamily="34" charset="0"/>
+              <a:buChar char="•"/>
+            </a:pPr>
+            <a:endParaRPr lang="en-US" altLang="ko-KR" sz="1600" dirty="0"/>
+          </a:p>
+          <a:p>
+            <a:pPr marL="285750" indent="-285750">
+              <a:lnSpc>
+                <a:spcPct val="150000"/>
+              </a:lnSpc>
+              <a:buFont typeface="Arial" panose="020B0604020202020204" pitchFamily="34" charset="0"/>
+              <a:buChar char="•"/>
             </a:pPr>
             <a:r>
+              <a:rPr lang="en-US" altLang="ko-KR" sz="1600" dirty="0"/>
+              <a:t>Ex) </a:t>
+            </a:r>
+            <a:r>
               <a:rPr lang="ko-KR" altLang="en-US" sz="1600" dirty="0"/>
-              <a:t>평균시간 </a:t>
+              <a:t>어느 회사에서 판매하는 전자제품의 평균수명은 </a:t>
             </a:r>
             <a:r>
               <a:rPr lang="en-US" altLang="ko-KR" sz="1600" dirty="0"/>
-              <a:t>= 1/</a:t>
+              <a:t>3</a:t>
             </a:r>
             <a:r>
               <a:rPr lang="ko-KR" altLang="en-US" sz="1600" dirty="0"/>
-              <a:t>람다</a:t>
+              <a:t>년</a:t>
             </a:r>
             <a:r>
               <a:rPr lang="en-US" altLang="ko-KR" sz="1600" dirty="0"/>
@@ -5612,23 +5751,43 @@
             </a:r>
             <a:r>
               <a:rPr lang="ko-KR" altLang="en-US" sz="1600" dirty="0"/>
-              <a:t>분산 </a:t>
+              <a:t>보증기간은 </a:t>
             </a:r>
             <a:r>
               <a:rPr lang="en-US" altLang="ko-KR" sz="1600" dirty="0"/>
-              <a:t>= 1/(</a:t>
+              <a:t>1</a:t>
             </a:r>
             <a:r>
               <a:rPr lang="ko-KR" altLang="en-US" sz="1600" dirty="0"/>
-              <a:t>람다</a:t>
-            </a:r>
-            <a:r>
-              <a:rPr lang="en-US" altLang="ko-KR" sz="1600"/>
-              <a:t>)^</a:t>
+              <a:t>년이라고 한다</a:t>
             </a:r>
             <a:r>
               <a:rPr lang="en-US" altLang="ko-KR" sz="1600" dirty="0"/>
-              <a:t>2</a:t>
+              <a:t>. </a:t>
+            </a:r>
+            <a:r>
+              <a:rPr lang="ko-KR" altLang="en-US" sz="1600" dirty="0"/>
+              <a:t>그럼 이 전자제품이 </a:t>
+            </a:r>
+            <a:r>
+              <a:rPr lang="en-US" altLang="ko-KR" sz="1600" dirty="0"/>
+              <a:t>1</a:t>
+            </a:r>
+            <a:r>
+              <a:rPr lang="ko-KR" altLang="en-US" sz="1600" dirty="0"/>
+              <a:t>년 이내에 고장 나서</a:t>
+            </a:r>
+            <a:r>
+              <a:rPr lang="en-US" altLang="ko-KR" sz="1600" dirty="0"/>
+              <a:t>, </a:t>
+            </a:r>
+            <a:r>
+              <a:rPr lang="ko-KR" altLang="en-US" sz="1600" dirty="0"/>
+              <a:t>보상받을 확률</a:t>
+            </a:r>
+            <a:r>
+              <a:rPr lang="en-US" altLang="ko-KR" sz="1600" dirty="0"/>
+              <a:t>?</a:t>
             </a:r>
           </a:p>
           <a:p>
@@ -5640,6 +5799,1577 @@
               <a:buChar char="•"/>
             </a:pPr>
             <a:endParaRPr lang="en-US" altLang="ko-KR" sz="1600" dirty="0"/>
+          </a:p>
+          <a:p>
+            <a:pPr marL="285750" indent="-285750">
+              <a:lnSpc>
+                <a:spcPct val="150000"/>
+              </a:lnSpc>
+              <a:buFont typeface="Arial" panose="020B0604020202020204" pitchFamily="34" charset="0"/>
+              <a:buChar char="•"/>
+            </a:pPr>
+            <a:endParaRPr lang="en-US" altLang="ko-KR" sz="1600" dirty="0"/>
+          </a:p>
+          <a:p>
+            <a:pPr marL="285750" indent="-285750">
+              <a:lnSpc>
+                <a:spcPct val="150000"/>
+              </a:lnSpc>
+              <a:buFont typeface="Arial" panose="020B0604020202020204" pitchFamily="34" charset="0"/>
+              <a:buChar char="•"/>
+            </a:pPr>
+            <a:endParaRPr lang="en-US" altLang="ko-KR" sz="1600" dirty="0"/>
+          </a:p>
+          <a:p>
+            <a:pPr marL="285750" indent="-285750">
+              <a:lnSpc>
+                <a:spcPct val="150000"/>
+              </a:lnSpc>
+              <a:buFont typeface="Arial" panose="020B0604020202020204" pitchFamily="34" charset="0"/>
+              <a:buChar char="•"/>
+            </a:pPr>
+            <a:endParaRPr lang="en-US" altLang="ko-KR" sz="1600" dirty="0"/>
+          </a:p>
+          <a:p>
+            <a:pPr>
+              <a:lnSpc>
+                <a:spcPct val="150000"/>
+              </a:lnSpc>
+            </a:pPr>
+            <a:r>
+              <a:rPr lang="en-US" altLang="ko-KR" sz="2000" b="1" dirty="0"/>
+              <a:t>Python code</a:t>
+            </a:r>
+          </a:p>
+          <a:p>
+            <a:pPr>
+              <a:lnSpc>
+                <a:spcPct val="150000"/>
+              </a:lnSpc>
+            </a:pPr>
+            <a:r>
+              <a:rPr lang="en-US" altLang="ko-KR" sz="1600" dirty="0" err="1"/>
+              <a:t>np.random.exponential</a:t>
+            </a:r>
+            <a:r>
+              <a:rPr lang="en-US" altLang="ko-KR" sz="1600" dirty="0"/>
+              <a:t>(0.5, 10000)</a:t>
+            </a:r>
+          </a:p>
+          <a:p>
+            <a:pPr marL="285750" indent="-285750">
+              <a:lnSpc>
+                <a:spcPct val="150000"/>
+              </a:lnSpc>
+              <a:buFont typeface="Arial" panose="020B0604020202020204" pitchFamily="34" charset="0"/>
+              <a:buChar char="•"/>
+            </a:pPr>
+            <a:endParaRPr lang="en-US" altLang="ko-KR" sz="1600" b="1" dirty="0"/>
+          </a:p>
+          <a:p>
+            <a:pPr marL="285750" indent="-285750">
+              <a:lnSpc>
+                <a:spcPct val="150000"/>
+              </a:lnSpc>
+              <a:buFont typeface="Arial" panose="020B0604020202020204" pitchFamily="34" charset="0"/>
+              <a:buChar char="•"/>
+            </a:pPr>
+            <a:endParaRPr lang="en-US" altLang="ko-KR" sz="1600" dirty="0"/>
+          </a:p>
+          <a:p>
+            <a:pPr marL="285750" indent="-285750">
+              <a:lnSpc>
+                <a:spcPct val="150000"/>
+              </a:lnSpc>
+              <a:buFont typeface="Arial" panose="020B0604020202020204" pitchFamily="34" charset="0"/>
+              <a:buChar char="•"/>
+            </a:pPr>
+            <a:endParaRPr lang="en-US" altLang="ko-KR" sz="1600" dirty="0"/>
+          </a:p>
+        </p:txBody>
+      </p:sp>
+      <p:grpSp>
+        <p:nvGrpSpPr>
+          <p:cNvPr id="5" name="그룹 4">
+            <a:extLst>
+              <a:ext uri="{FF2B5EF4-FFF2-40B4-BE49-F238E27FC236}">
+                <a16:creationId xmlns:a16="http://schemas.microsoft.com/office/drawing/2014/main" id="{D6C20BE3-AC10-4A54-8D4A-BAB425B53631}"/>
+              </a:ext>
+            </a:extLst>
+          </p:cNvPr>
+          <p:cNvGrpSpPr/>
+          <p:nvPr/>
+        </p:nvGrpSpPr>
+        <p:grpSpPr>
+          <a:xfrm>
+            <a:off x="757825" y="1799637"/>
+            <a:ext cx="5443783" cy="520463"/>
+            <a:chOff x="807929" y="3290235"/>
+            <a:chExt cx="5443783" cy="520463"/>
+          </a:xfrm>
+        </p:grpSpPr>
+        <mc:AlternateContent xmlns:mc="http://schemas.openxmlformats.org/markup-compatibility/2006">
+          <mc:Choice xmlns:a14="http://schemas.microsoft.com/office/drawing/2010/main" Requires="a14">
+            <p:sp>
+              <p:nvSpPr>
+                <p:cNvPr id="2" name="TextBox 1">
+                  <a:extLst>
+                    <a:ext uri="{FF2B5EF4-FFF2-40B4-BE49-F238E27FC236}">
+                      <a16:creationId xmlns:a16="http://schemas.microsoft.com/office/drawing/2014/main" id="{02C2D0E2-1A23-430C-B8AA-0B595D333C63}"/>
+                    </a:ext>
+                  </a:extLst>
+                </p:cNvPr>
+                <p:cNvSpPr txBox="1"/>
+                <p:nvPr/>
+              </p:nvSpPr>
+              <p:spPr>
+                <a:xfrm>
+                  <a:off x="3601232" y="3411968"/>
+                  <a:ext cx="1033397" cy="276999"/>
+                </a:xfrm>
+                <a:prstGeom prst="rect">
+                  <a:avLst/>
+                </a:prstGeom>
+                <a:noFill/>
+              </p:spPr>
+              <p:txBody>
+                <a:bodyPr wrap="square" lIns="0" tIns="0" rIns="0" bIns="0" rtlCol="0">
+                  <a:spAutoFit/>
+                </a:bodyPr>
+                <a:lstStyle/>
+                <a:p>
+                  <a14:m>
+                    <m:oMathPara xmlns:m="http://schemas.openxmlformats.org/officeDocument/2006/math">
+                      <m:oMathParaPr>
+                        <m:jc m:val="centerGroup"/>
+                      </m:oMathParaPr>
+                      <m:oMath xmlns:m="http://schemas.openxmlformats.org/officeDocument/2006/math">
+                        <m:r>
+                          <a:rPr lang="ko-KR" altLang="en-US" sz="1800" i="1" smtClean="0">
+                            <a:latin typeface="Cambria Math" panose="02040503050406030204" pitchFamily="18" charset="0"/>
+                          </a:rPr>
+                          <m:t>𝐸</m:t>
+                        </m:r>
+                        <m:r>
+                          <a:rPr lang="en-US" altLang="ko-KR" sz="1800" b="0" i="1" smtClean="0">
+                            <a:latin typeface="Cambria Math" panose="02040503050406030204" pitchFamily="18" charset="0"/>
+                          </a:rPr>
+                          <m:t>[</m:t>
+                        </m:r>
+                        <m:r>
+                          <a:rPr lang="en-US" altLang="ko-KR" sz="1800" b="0" i="0" smtClean="0">
+                            <a:latin typeface="Cambria Math" panose="02040503050406030204" pitchFamily="18" charset="0"/>
+                          </a:rPr>
+                          <m:t> </m:t>
+                        </m:r>
+                        <m:r>
+                          <m:rPr>
+                            <m:sty m:val="p"/>
+                          </m:rPr>
+                          <a:rPr lang="en-US" altLang="ko-KR" sz="1800" b="0" i="0" smtClean="0">
+                            <a:latin typeface="Cambria Math" panose="02040503050406030204" pitchFamily="18" charset="0"/>
+                          </a:rPr>
+                          <m:t>X</m:t>
+                        </m:r>
+                        <m:r>
+                          <a:rPr lang="en-US" altLang="ko-KR" sz="1800" b="0" i="0" smtClean="0">
+                            <a:latin typeface="Cambria Math" panose="02040503050406030204" pitchFamily="18" charset="0"/>
+                          </a:rPr>
+                          <m:t> ]=</m:t>
+                        </m:r>
+                        <m:r>
+                          <a:rPr lang="ko-KR" altLang="en-US" sz="1800" i="1">
+                            <a:latin typeface="Cambria Math" panose="02040503050406030204" pitchFamily="18" charset="0"/>
+                          </a:rPr>
+                          <m:t>𝜆</m:t>
+                        </m:r>
+                      </m:oMath>
+                    </m:oMathPara>
+                  </a14:m>
+                  <a:endParaRPr lang="ko-KR" altLang="en-US" sz="1800" dirty="0"/>
+                </a:p>
+              </p:txBody>
+            </p:sp>
+          </mc:Choice>
+          <mc:Fallback>
+            <p:sp>
+              <p:nvSpPr>
+                <p:cNvPr id="2" name="TextBox 1">
+                  <a:extLst>
+                    <a:ext uri="{FF2B5EF4-FFF2-40B4-BE49-F238E27FC236}">
+                      <a16:creationId xmlns:a16="http://schemas.microsoft.com/office/drawing/2014/main" id="{02C2D0E2-1A23-430C-B8AA-0B595D333C63}"/>
+                    </a:ext>
+                  </a:extLst>
+                </p:cNvPr>
+                <p:cNvSpPr txBox="1">
+                  <a:spLocks noRot="1" noChangeAspect="1" noMove="1" noResize="1" noEditPoints="1" noAdjustHandles="1" noChangeArrowheads="1" noChangeShapeType="1" noTextEdit="1"/>
+                </p:cNvSpPr>
+                <p:nvPr/>
+              </p:nvSpPr>
+              <p:spPr>
+                <a:xfrm>
+                  <a:off x="3601232" y="3411968"/>
+                  <a:ext cx="1033397" cy="276999"/>
+                </a:xfrm>
+                <a:prstGeom prst="rect">
+                  <a:avLst/>
+                </a:prstGeom>
+                <a:blipFill>
+                  <a:blip r:embed="rId3"/>
+                  <a:stretch>
+                    <a:fillRect l="-4734" r="-5325" b="-39130"/>
+                  </a:stretch>
+                </a:blipFill>
+              </p:spPr>
+              <p:txBody>
+                <a:bodyPr/>
+                <a:lstStyle/>
+                <a:p>
+                  <a:r>
+                    <a:rPr lang="ko-KR" altLang="en-US">
+                      <a:noFill/>
+                    </a:rPr>
+                    <a:t> </a:t>
+                  </a:r>
+                </a:p>
+              </p:txBody>
+            </p:sp>
+          </mc:Fallback>
+        </mc:AlternateContent>
+        <mc:AlternateContent xmlns:mc="http://schemas.openxmlformats.org/markup-compatibility/2006">
+          <mc:Choice xmlns:a14="http://schemas.microsoft.com/office/drawing/2010/main" Requires="a14">
+            <p:sp>
+              <p:nvSpPr>
+                <p:cNvPr id="3" name="TextBox 2">
+                  <a:extLst>
+                    <a:ext uri="{FF2B5EF4-FFF2-40B4-BE49-F238E27FC236}">
+                      <a16:creationId xmlns:a16="http://schemas.microsoft.com/office/drawing/2014/main" id="{934A0D88-8723-4343-B589-D72DDAD4DEA9}"/>
+                    </a:ext>
+                  </a:extLst>
+                </p:cNvPr>
+                <p:cNvSpPr txBox="1"/>
+                <p:nvPr/>
+              </p:nvSpPr>
+              <p:spPr>
+                <a:xfrm>
+                  <a:off x="4967835" y="3290235"/>
+                  <a:ext cx="1283877" cy="520463"/>
+                </a:xfrm>
+                <a:prstGeom prst="rect">
+                  <a:avLst/>
+                </a:prstGeom>
+                <a:noFill/>
+              </p:spPr>
+              <p:txBody>
+                <a:bodyPr wrap="none" lIns="0" tIns="0" rIns="0" bIns="0" rtlCol="0">
+                  <a:spAutoFit/>
+                </a:bodyPr>
+                <a:lstStyle/>
+                <a:p>
+                  <a14:m>
+                    <m:oMathPara xmlns:m="http://schemas.openxmlformats.org/officeDocument/2006/math">
+                      <m:oMathParaPr>
+                        <m:jc m:val="centerGroup"/>
+                      </m:oMathParaPr>
+                      <m:oMath xmlns:m="http://schemas.openxmlformats.org/officeDocument/2006/math">
+                        <m:func>
+                          <m:funcPr>
+                            <m:ctrlPr>
+                              <a:rPr lang="ko-KR" altLang="en-US" sz="1800" smtClean="0">
+                                <a:latin typeface="Cambria Math" panose="02040503050406030204" pitchFamily="18" charset="0"/>
+                              </a:rPr>
+                            </m:ctrlPr>
+                          </m:funcPr>
+                          <m:fName>
+                            <m:r>
+                              <m:rPr>
+                                <m:sty m:val="p"/>
+                              </m:rPr>
+                              <a:rPr lang="ko-KR" altLang="en-US" sz="1800">
+                                <a:latin typeface="Cambria Math" panose="02040503050406030204" pitchFamily="18" charset="0"/>
+                              </a:rPr>
+                              <m:t>Var</m:t>
+                            </m:r>
+                          </m:fName>
+                          <m:e>
+                            <m:d>
+                              <m:dPr>
+                                <m:ctrlPr>
+                                  <a:rPr lang="ko-KR" altLang="en-US" sz="1800" i="1">
+                                    <a:latin typeface="Cambria Math" panose="02040503050406030204" pitchFamily="18" charset="0"/>
+                                  </a:rPr>
+                                </m:ctrlPr>
+                              </m:dPr>
+                              <m:e>
+                                <m:r>
+                                  <a:rPr lang="en-US" altLang="ko-KR" sz="1800" b="0" i="1" smtClean="0">
+                                    <a:latin typeface="Cambria Math" panose="02040503050406030204" pitchFamily="18" charset="0"/>
+                                  </a:rPr>
+                                  <m:t>𝑋</m:t>
+                                </m:r>
+                              </m:e>
+                            </m:d>
+                          </m:e>
+                        </m:func>
+                        <m:r>
+                          <a:rPr lang="ko-KR" altLang="en-US" sz="1800" i="0">
+                            <a:latin typeface="Cambria Math" panose="02040503050406030204" pitchFamily="18" charset="0"/>
+                          </a:rPr>
+                          <m:t>=</m:t>
+                        </m:r>
+                        <m:f>
+                          <m:fPr>
+                            <m:ctrlPr>
+                              <a:rPr lang="ko-KR" altLang="en-US" sz="1800" i="1">
+                                <a:latin typeface="Cambria Math" panose="02040503050406030204" pitchFamily="18" charset="0"/>
+                              </a:rPr>
+                            </m:ctrlPr>
+                          </m:fPr>
+                          <m:num>
+                            <m:r>
+                              <a:rPr lang="ko-KR" altLang="en-US" sz="1800" i="0">
+                                <a:latin typeface="Cambria Math" panose="02040503050406030204" pitchFamily="18" charset="0"/>
+                              </a:rPr>
+                              <m:t>1</m:t>
+                            </m:r>
+                          </m:num>
+                          <m:den>
+                            <m:sSup>
+                              <m:sSupPr>
+                                <m:ctrlPr>
+                                  <a:rPr lang="ko-KR" altLang="en-US" sz="1800" i="1">
+                                    <a:latin typeface="Cambria Math" panose="02040503050406030204" pitchFamily="18" charset="0"/>
+                                  </a:rPr>
+                                </m:ctrlPr>
+                              </m:sSupPr>
+                              <m:e>
+                                <m:r>
+                                  <a:rPr lang="ko-KR" altLang="en-US" sz="1800" i="1">
+                                    <a:latin typeface="Cambria Math" panose="02040503050406030204" pitchFamily="18" charset="0"/>
+                                  </a:rPr>
+                                  <m:t>𝜆</m:t>
+                                </m:r>
+                              </m:e>
+                              <m:sup>
+                                <m:r>
+                                  <a:rPr lang="ko-KR" altLang="en-US" sz="1800" i="0">
+                                    <a:latin typeface="Cambria Math" panose="02040503050406030204" pitchFamily="18" charset="0"/>
+                                  </a:rPr>
+                                  <m:t>2</m:t>
+                                </m:r>
+                              </m:sup>
+                            </m:sSup>
+                          </m:den>
+                        </m:f>
+                      </m:oMath>
+                    </m:oMathPara>
+                  </a14:m>
+                  <a:endParaRPr lang="ko-KR" altLang="en-US" sz="1800" dirty="0"/>
+                </a:p>
+              </p:txBody>
+            </p:sp>
+          </mc:Choice>
+          <mc:Fallback>
+            <p:sp>
+              <p:nvSpPr>
+                <p:cNvPr id="3" name="TextBox 2">
+                  <a:extLst>
+                    <a:ext uri="{FF2B5EF4-FFF2-40B4-BE49-F238E27FC236}">
+                      <a16:creationId xmlns:a16="http://schemas.microsoft.com/office/drawing/2014/main" id="{934A0D88-8723-4343-B589-D72DDAD4DEA9}"/>
+                    </a:ext>
+                  </a:extLst>
+                </p:cNvPr>
+                <p:cNvSpPr txBox="1">
+                  <a:spLocks noRot="1" noChangeAspect="1" noMove="1" noResize="1" noEditPoints="1" noAdjustHandles="1" noChangeArrowheads="1" noChangeShapeType="1" noTextEdit="1"/>
+                </p:cNvSpPr>
+                <p:nvPr/>
+              </p:nvSpPr>
+              <p:spPr>
+                <a:xfrm>
+                  <a:off x="4967835" y="3290235"/>
+                  <a:ext cx="1283877" cy="520463"/>
+                </a:xfrm>
+                <a:prstGeom prst="rect">
+                  <a:avLst/>
+                </a:prstGeom>
+                <a:blipFill>
+                  <a:blip r:embed="rId4"/>
+                  <a:stretch>
+                    <a:fillRect/>
+                  </a:stretch>
+                </a:blipFill>
+              </p:spPr>
+              <p:txBody>
+                <a:bodyPr/>
+                <a:lstStyle/>
+                <a:p>
+                  <a:r>
+                    <a:rPr lang="ko-KR" altLang="en-US">
+                      <a:noFill/>
+                    </a:rPr>
+                    <a:t> </a:t>
+                  </a:r>
+                </a:p>
+              </p:txBody>
+            </p:sp>
+          </mc:Fallback>
+        </mc:AlternateContent>
+        <mc:AlternateContent xmlns:mc="http://schemas.openxmlformats.org/markup-compatibility/2006">
+          <mc:Choice xmlns:a14="http://schemas.microsoft.com/office/drawing/2010/main" Requires="a14">
+            <p:sp>
+              <p:nvSpPr>
+                <p:cNvPr id="4" name="TextBox 3">
+                  <a:extLst>
+                    <a:ext uri="{FF2B5EF4-FFF2-40B4-BE49-F238E27FC236}">
+                      <a16:creationId xmlns:a16="http://schemas.microsoft.com/office/drawing/2014/main" id="{C7DFF153-481B-496E-A6FC-DAEFA5311CE5}"/>
+                    </a:ext>
+                  </a:extLst>
+                </p:cNvPr>
+                <p:cNvSpPr txBox="1"/>
+                <p:nvPr/>
+              </p:nvSpPr>
+              <p:spPr>
+                <a:xfrm>
+                  <a:off x="807929" y="3411968"/>
+                  <a:ext cx="2460097" cy="289951"/>
+                </a:xfrm>
+                <a:prstGeom prst="rect">
+                  <a:avLst/>
+                </a:prstGeom>
+                <a:noFill/>
+              </p:spPr>
+              <p:txBody>
+                <a:bodyPr wrap="none" lIns="0" tIns="0" rIns="0" bIns="0" rtlCol="0">
+                  <a:spAutoFit/>
+                </a:bodyPr>
+                <a:lstStyle/>
+                <a:p>
+                  <a14:m>
+                    <m:oMathPara xmlns:m="http://schemas.openxmlformats.org/officeDocument/2006/math">
+                      <m:oMathParaPr>
+                        <m:jc m:val="centerGroup"/>
+                      </m:oMathParaPr>
+                      <m:oMath xmlns:m="http://schemas.openxmlformats.org/officeDocument/2006/math">
+                        <m:r>
+                          <a:rPr lang="ko-KR" altLang="en-US" sz="1800" i="1" smtClean="0">
+                            <a:latin typeface="Cambria Math" panose="02040503050406030204" pitchFamily="18" charset="0"/>
+                          </a:rPr>
+                          <m:t>𝑓</m:t>
+                        </m:r>
+                        <m:d>
+                          <m:dPr>
+                            <m:ctrlPr>
+                              <a:rPr lang="ko-KR" altLang="en-US" sz="1800" i="1">
+                                <a:latin typeface="Cambria Math" panose="02040503050406030204" pitchFamily="18" charset="0"/>
+                              </a:rPr>
+                            </m:ctrlPr>
+                          </m:dPr>
+                          <m:e>
+                            <m:r>
+                              <a:rPr lang="ko-KR" altLang="en-US" sz="1800" i="1">
+                                <a:latin typeface="Cambria Math" panose="02040503050406030204" pitchFamily="18" charset="0"/>
+                              </a:rPr>
+                              <m:t>𝑥</m:t>
+                            </m:r>
+                          </m:e>
+                        </m:d>
+                        <m:r>
+                          <a:rPr lang="ko-KR" altLang="en-US" sz="1800" i="0">
+                            <a:latin typeface="Cambria Math" panose="02040503050406030204" pitchFamily="18" charset="0"/>
+                          </a:rPr>
+                          <m:t>=</m:t>
+                        </m:r>
+                        <m:r>
+                          <a:rPr lang="ko-KR" altLang="en-US" sz="1800" i="1">
+                            <a:latin typeface="Cambria Math" panose="02040503050406030204" pitchFamily="18" charset="0"/>
+                          </a:rPr>
+                          <m:t>𝜆</m:t>
+                        </m:r>
+                        <m:sSup>
+                          <m:sSupPr>
+                            <m:ctrlPr>
+                              <a:rPr lang="ko-KR" altLang="en-US" sz="1800" i="1">
+                                <a:latin typeface="Cambria Math" panose="02040503050406030204" pitchFamily="18" charset="0"/>
+                              </a:rPr>
+                            </m:ctrlPr>
+                          </m:sSupPr>
+                          <m:e>
+                            <m:r>
+                              <a:rPr lang="ko-KR" altLang="en-US" sz="1800" i="0">
+                                <a:latin typeface="Cambria Math" panose="02040503050406030204" pitchFamily="18" charset="0"/>
+                              </a:rPr>
+                              <m:t>ⅇ</m:t>
+                            </m:r>
+                          </m:e>
+                          <m:sup>
+                            <m:r>
+                              <a:rPr lang="ko-KR" altLang="en-US" sz="1800" i="0">
+                                <a:latin typeface="Cambria Math" panose="02040503050406030204" pitchFamily="18" charset="0"/>
+                              </a:rPr>
+                              <m:t>−</m:t>
+                            </m:r>
+                            <m:r>
+                              <a:rPr lang="ko-KR" altLang="en-US" sz="1800" i="1">
+                                <a:latin typeface="Cambria Math" panose="02040503050406030204" pitchFamily="18" charset="0"/>
+                              </a:rPr>
+                              <m:t>𝜆</m:t>
+                            </m:r>
+                            <m:r>
+                              <a:rPr lang="ko-KR" altLang="en-US" sz="1800" i="1">
+                                <a:latin typeface="Cambria Math" panose="02040503050406030204" pitchFamily="18" charset="0"/>
+                              </a:rPr>
+                              <m:t>𝑥</m:t>
+                            </m:r>
+                          </m:sup>
+                        </m:sSup>
+                        <m:r>
+                          <a:rPr lang="en-US" altLang="ko-KR" sz="1800" b="0" i="1" smtClean="0">
+                            <a:latin typeface="Cambria Math" panose="02040503050406030204" pitchFamily="18" charset="0"/>
+                          </a:rPr>
+                          <m:t>,  </m:t>
+                        </m:r>
+                        <m:r>
+                          <a:rPr lang="ko-KR" altLang="en-US" sz="1800" i="1">
+                            <a:latin typeface="Cambria Math" panose="02040503050406030204" pitchFamily="18" charset="0"/>
+                          </a:rPr>
+                          <m:t>𝑥</m:t>
+                        </m:r>
+                        <m:r>
+                          <a:rPr lang="ko-KR" altLang="en-US" sz="1800" i="0">
+                            <a:latin typeface="Cambria Math" panose="02040503050406030204" pitchFamily="18" charset="0"/>
+                          </a:rPr>
+                          <m:t>&gt;0</m:t>
+                        </m:r>
+                      </m:oMath>
+                    </m:oMathPara>
+                  </a14:m>
+                  <a:endParaRPr lang="ko-KR" altLang="en-US" sz="1800" dirty="0"/>
+                </a:p>
+              </p:txBody>
+            </p:sp>
+          </mc:Choice>
+          <mc:Fallback>
+            <p:sp>
+              <p:nvSpPr>
+                <p:cNvPr id="4" name="TextBox 3">
+                  <a:extLst>
+                    <a:ext uri="{FF2B5EF4-FFF2-40B4-BE49-F238E27FC236}">
+                      <a16:creationId xmlns:a16="http://schemas.microsoft.com/office/drawing/2014/main" id="{C7DFF153-481B-496E-A6FC-DAEFA5311CE5}"/>
+                    </a:ext>
+                  </a:extLst>
+                </p:cNvPr>
+                <p:cNvSpPr txBox="1">
+                  <a:spLocks noRot="1" noChangeAspect="1" noMove="1" noResize="1" noEditPoints="1" noAdjustHandles="1" noChangeArrowheads="1" noChangeShapeType="1" noTextEdit="1"/>
+                </p:cNvSpPr>
+                <p:nvPr/>
+              </p:nvSpPr>
+              <p:spPr>
+                <a:xfrm>
+                  <a:off x="807929" y="3411968"/>
+                  <a:ext cx="2460097" cy="289951"/>
+                </a:xfrm>
+                <a:prstGeom prst="rect">
+                  <a:avLst/>
+                </a:prstGeom>
+                <a:blipFill>
+                  <a:blip r:embed="rId5"/>
+                  <a:stretch>
+                    <a:fillRect l="-2723" r="-1485" b="-35417"/>
+                  </a:stretch>
+                </a:blipFill>
+              </p:spPr>
+              <p:txBody>
+                <a:bodyPr/>
+                <a:lstStyle/>
+                <a:p>
+                  <a:r>
+                    <a:rPr lang="ko-KR" altLang="en-US">
+                      <a:noFill/>
+                    </a:rPr>
+                    <a:t> </a:t>
+                  </a:r>
+                </a:p>
+              </p:txBody>
+            </p:sp>
+          </mc:Fallback>
+        </mc:AlternateContent>
+      </p:grpSp>
+      <mc:AlternateContent xmlns:mc="http://schemas.openxmlformats.org/markup-compatibility/2006">
+        <mc:Choice xmlns:a14="http://schemas.microsoft.com/office/drawing/2010/main" Requires="a14">
+          <p:sp>
+            <p:nvSpPr>
+              <p:cNvPr id="6" name="TextBox 5">
+                <a:extLst>
+                  <a:ext uri="{FF2B5EF4-FFF2-40B4-BE49-F238E27FC236}">
+                    <a16:creationId xmlns:a16="http://schemas.microsoft.com/office/drawing/2014/main" id="{298BF8EC-8B0B-4ADD-B28D-82FC8713E04A}"/>
+                  </a:ext>
+                </a:extLst>
+              </p:cNvPr>
+              <p:cNvSpPr txBox="1"/>
+              <p:nvPr/>
+            </p:nvSpPr>
+            <p:spPr>
+              <a:xfrm>
+                <a:off x="746127" y="3649097"/>
+                <a:ext cx="685444" cy="578235"/>
+              </a:xfrm>
+              <a:prstGeom prst="rect">
+                <a:avLst/>
+              </a:prstGeom>
+              <a:noFill/>
+            </p:spPr>
+            <p:txBody>
+              <a:bodyPr wrap="none" lIns="0" tIns="0" rIns="0" bIns="0" rtlCol="0">
+                <a:spAutoFit/>
+              </a:bodyPr>
+              <a:lstStyle/>
+              <a:p>
+                <a14:m>
+                  <m:oMathPara xmlns:m="http://schemas.openxmlformats.org/officeDocument/2006/math">
+                    <m:oMathParaPr>
+                      <m:jc m:val="centerGroup"/>
+                    </m:oMathParaPr>
+                    <m:oMath xmlns:m="http://schemas.openxmlformats.org/officeDocument/2006/math">
+                      <m:r>
+                        <a:rPr lang="ko-KR" altLang="en-US" sz="2000" i="1" smtClean="0">
+                          <a:latin typeface="Cambria Math" panose="02040503050406030204" pitchFamily="18" charset="0"/>
+                        </a:rPr>
+                        <m:t>𝜆</m:t>
+                      </m:r>
+                      <m:r>
+                        <a:rPr lang="ko-KR" altLang="en-US" sz="2000" i="0">
+                          <a:latin typeface="Cambria Math" panose="02040503050406030204" pitchFamily="18" charset="0"/>
+                        </a:rPr>
+                        <m:t>=</m:t>
+                      </m:r>
+                      <m:f>
+                        <m:fPr>
+                          <m:ctrlPr>
+                            <a:rPr lang="ko-KR" altLang="en-US" sz="2000" i="1">
+                              <a:latin typeface="Cambria Math" panose="02040503050406030204" pitchFamily="18" charset="0"/>
+                            </a:rPr>
+                          </m:ctrlPr>
+                        </m:fPr>
+                        <m:num>
+                          <m:r>
+                            <a:rPr lang="ko-KR" altLang="en-US" sz="2000" i="0">
+                              <a:latin typeface="Cambria Math" panose="02040503050406030204" pitchFamily="18" charset="0"/>
+                            </a:rPr>
+                            <m:t>1</m:t>
+                          </m:r>
+                        </m:num>
+                        <m:den>
+                          <m:r>
+                            <a:rPr lang="ko-KR" altLang="en-US" sz="2000" i="0">
+                              <a:latin typeface="Cambria Math" panose="02040503050406030204" pitchFamily="18" charset="0"/>
+                            </a:rPr>
+                            <m:t>3</m:t>
+                          </m:r>
+                        </m:den>
+                      </m:f>
+                    </m:oMath>
+                  </m:oMathPara>
+                </a14:m>
+                <a:endParaRPr lang="ko-KR" altLang="en-US" sz="2000" dirty="0"/>
+              </a:p>
+            </p:txBody>
+          </p:sp>
+        </mc:Choice>
+        <mc:Fallback>
+          <p:sp>
+            <p:nvSpPr>
+              <p:cNvPr id="6" name="TextBox 5">
+                <a:extLst>
+                  <a:ext uri="{FF2B5EF4-FFF2-40B4-BE49-F238E27FC236}">
+                    <a16:creationId xmlns:a16="http://schemas.microsoft.com/office/drawing/2014/main" id="{298BF8EC-8B0B-4ADD-B28D-82FC8713E04A}"/>
+                  </a:ext>
+                </a:extLst>
+              </p:cNvPr>
+              <p:cNvSpPr txBox="1">
+                <a:spLocks noRot="1" noChangeAspect="1" noMove="1" noResize="1" noEditPoints="1" noAdjustHandles="1" noChangeArrowheads="1" noChangeShapeType="1" noTextEdit="1"/>
+              </p:cNvSpPr>
+              <p:nvPr/>
+            </p:nvSpPr>
+            <p:spPr>
+              <a:xfrm>
+                <a:off x="746127" y="3649097"/>
+                <a:ext cx="685444" cy="578235"/>
+              </a:xfrm>
+              <a:prstGeom prst="rect">
+                <a:avLst/>
+              </a:prstGeom>
+              <a:blipFill>
+                <a:blip r:embed="rId6"/>
+                <a:stretch>
+                  <a:fillRect/>
+                </a:stretch>
+              </a:blipFill>
+            </p:spPr>
+            <p:txBody>
+              <a:bodyPr/>
+              <a:lstStyle/>
+              <a:p>
+                <a:r>
+                  <a:rPr lang="ko-KR" altLang="en-US">
+                    <a:noFill/>
+                  </a:rPr>
+                  <a:t> </a:t>
+                </a:r>
+              </a:p>
+            </p:txBody>
+          </p:sp>
+        </mc:Fallback>
+      </mc:AlternateContent>
+      <mc:AlternateContent xmlns:mc="http://schemas.openxmlformats.org/markup-compatibility/2006">
+        <mc:Choice xmlns:a14="http://schemas.microsoft.com/office/drawing/2010/main" Requires="a14">
+          <p:sp>
+            <p:nvSpPr>
+              <p:cNvPr id="7" name="TextBox 6">
+                <a:extLst>
+                  <a:ext uri="{FF2B5EF4-FFF2-40B4-BE49-F238E27FC236}">
+                    <a16:creationId xmlns:a16="http://schemas.microsoft.com/office/drawing/2014/main" id="{DB2A8EE8-E4B1-4313-B530-CD8E17467569}"/>
+                  </a:ext>
+                </a:extLst>
+              </p:cNvPr>
+              <p:cNvSpPr txBox="1"/>
+              <p:nvPr/>
+            </p:nvSpPr>
+            <p:spPr>
+              <a:xfrm>
+                <a:off x="1904783" y="3592510"/>
+                <a:ext cx="2774862" cy="691408"/>
+              </a:xfrm>
+              <a:prstGeom prst="rect">
+                <a:avLst/>
+              </a:prstGeom>
+              <a:noFill/>
+            </p:spPr>
+            <p:txBody>
+              <a:bodyPr wrap="none" lIns="0" tIns="0" rIns="0" bIns="0" rtlCol="0">
+                <a:spAutoFit/>
+              </a:bodyPr>
+              <a:lstStyle/>
+              <a:p>
+                <a14:m>
+                  <m:oMathPara xmlns:m="http://schemas.openxmlformats.org/officeDocument/2006/math">
+                    <m:oMathParaPr>
+                      <m:jc m:val="centerGroup"/>
+                    </m:oMathParaPr>
+                    <m:oMath xmlns:m="http://schemas.openxmlformats.org/officeDocument/2006/math">
+                      <m:r>
+                        <a:rPr lang="ko-KR" altLang="en-US" sz="2000" i="1" smtClean="0">
+                          <a:latin typeface="Cambria Math" panose="02040503050406030204" pitchFamily="18" charset="0"/>
+                        </a:rPr>
+                        <m:t>𝑃</m:t>
+                      </m:r>
+                      <m:d>
+                        <m:dPr>
+                          <m:ctrlPr>
+                            <a:rPr lang="ko-KR" altLang="en-US" sz="2000" i="1">
+                              <a:latin typeface="Cambria Math" panose="02040503050406030204" pitchFamily="18" charset="0"/>
+                            </a:rPr>
+                          </m:ctrlPr>
+                        </m:dPr>
+                        <m:e>
+                          <m:r>
+                            <a:rPr lang="ko-KR" altLang="en-US" sz="2000" i="1">
+                              <a:latin typeface="Cambria Math" panose="02040503050406030204" pitchFamily="18" charset="0"/>
+                            </a:rPr>
+                            <m:t>𝑥</m:t>
+                          </m:r>
+                          <m:r>
+                            <a:rPr lang="ko-KR" altLang="en-US" sz="2000" i="0">
+                              <a:latin typeface="Cambria Math" panose="02040503050406030204" pitchFamily="18" charset="0"/>
+                            </a:rPr>
+                            <m:t>≤1</m:t>
+                          </m:r>
+                        </m:e>
+                      </m:d>
+                      <m:r>
+                        <a:rPr lang="ko-KR" altLang="en-US" sz="2000" i="0">
+                          <a:latin typeface="Cambria Math" panose="02040503050406030204" pitchFamily="18" charset="0"/>
+                        </a:rPr>
+                        <m:t>=</m:t>
+                      </m:r>
+                      <m:nary>
+                        <m:naryPr>
+                          <m:limLoc m:val="subSup"/>
+                          <m:grow m:val="on"/>
+                          <m:ctrlPr>
+                            <a:rPr lang="ko-KR" altLang="en-US" sz="2000" i="1">
+                              <a:latin typeface="Cambria Math" panose="02040503050406030204" pitchFamily="18" charset="0"/>
+                            </a:rPr>
+                          </m:ctrlPr>
+                        </m:naryPr>
+                        <m:sub>
+                          <m:r>
+                            <a:rPr lang="ko-KR" altLang="en-US" sz="2000" i="0">
+                              <a:latin typeface="Cambria Math" panose="02040503050406030204" pitchFamily="18" charset="0"/>
+                            </a:rPr>
+                            <m:t>0</m:t>
+                          </m:r>
+                        </m:sub>
+                        <m:sup>
+                          <m:r>
+                            <a:rPr lang="ko-KR" altLang="en-US" sz="2000" i="0">
+                              <a:latin typeface="Cambria Math" panose="02040503050406030204" pitchFamily="18" charset="0"/>
+                            </a:rPr>
+                            <m:t>1</m:t>
+                          </m:r>
+                        </m:sup>
+                        <m:e>
+                          <m:f>
+                            <m:fPr>
+                              <m:ctrlPr>
+                                <a:rPr lang="ko-KR" altLang="en-US" sz="2000" i="1">
+                                  <a:latin typeface="Cambria Math" panose="02040503050406030204" pitchFamily="18" charset="0"/>
+                                </a:rPr>
+                              </m:ctrlPr>
+                            </m:fPr>
+                            <m:num>
+                              <m:r>
+                                <a:rPr lang="ko-KR" altLang="en-US" sz="2000" i="0">
+                                  <a:latin typeface="Cambria Math" panose="02040503050406030204" pitchFamily="18" charset="0"/>
+                                </a:rPr>
+                                <m:t>1</m:t>
+                              </m:r>
+                            </m:num>
+                            <m:den>
+                              <m:r>
+                                <a:rPr lang="ko-KR" altLang="en-US" sz="2000" i="0">
+                                  <a:latin typeface="Cambria Math" panose="02040503050406030204" pitchFamily="18" charset="0"/>
+                                </a:rPr>
+                                <m:t>3</m:t>
+                              </m:r>
+                            </m:den>
+                          </m:f>
+                          <m:sSup>
+                            <m:sSupPr>
+                              <m:ctrlPr>
+                                <a:rPr lang="ko-KR" altLang="en-US" sz="2000" i="1">
+                                  <a:latin typeface="Cambria Math" panose="02040503050406030204" pitchFamily="18" charset="0"/>
+                                </a:rPr>
+                              </m:ctrlPr>
+                            </m:sSupPr>
+                            <m:e>
+                              <m:r>
+                                <a:rPr lang="ko-KR" altLang="en-US" sz="2000" i="0">
+                                  <a:latin typeface="Cambria Math" panose="02040503050406030204" pitchFamily="18" charset="0"/>
+                                </a:rPr>
+                                <m:t>ⅇ</m:t>
+                              </m:r>
+                            </m:e>
+                            <m:sup>
+                              <m:r>
+                                <a:rPr lang="ko-KR" altLang="en-US" sz="2000" i="0">
+                                  <a:latin typeface="Cambria Math" panose="02040503050406030204" pitchFamily="18" charset="0"/>
+                                </a:rPr>
+                                <m:t>−</m:t>
+                              </m:r>
+                              <m:f>
+                                <m:fPr>
+                                  <m:ctrlPr>
+                                    <a:rPr lang="ko-KR" altLang="en-US" sz="2000" i="1">
+                                      <a:latin typeface="Cambria Math" panose="02040503050406030204" pitchFamily="18" charset="0"/>
+                                    </a:rPr>
+                                  </m:ctrlPr>
+                                </m:fPr>
+                                <m:num>
+                                  <m:r>
+                                    <a:rPr lang="ko-KR" altLang="en-US" sz="2000" i="0">
+                                      <a:latin typeface="Cambria Math" panose="02040503050406030204" pitchFamily="18" charset="0"/>
+                                    </a:rPr>
+                                    <m:t>1</m:t>
+                                  </m:r>
+                                </m:num>
+                                <m:den>
+                                  <m:r>
+                                    <a:rPr lang="ko-KR" altLang="en-US" sz="2000" i="0">
+                                      <a:latin typeface="Cambria Math" panose="02040503050406030204" pitchFamily="18" charset="0"/>
+                                    </a:rPr>
+                                    <m:t>3</m:t>
+                                  </m:r>
+                                </m:den>
+                              </m:f>
+                              <m:r>
+                                <a:rPr lang="ko-KR" altLang="en-US" sz="2000" i="1">
+                                  <a:latin typeface="Cambria Math" panose="02040503050406030204" pitchFamily="18" charset="0"/>
+                                </a:rPr>
+                                <m:t>𝑥</m:t>
+                              </m:r>
+                            </m:sup>
+                          </m:sSup>
+                          <m:r>
+                            <a:rPr lang="ko-KR" altLang="en-US" sz="2000" i="0">
+                              <a:latin typeface="Cambria Math" panose="02040503050406030204" pitchFamily="18" charset="0"/>
+                            </a:rPr>
+                            <m:t>ⅆ</m:t>
+                          </m:r>
+                          <m:r>
+                            <a:rPr lang="ko-KR" altLang="en-US" sz="2000" i="1">
+                              <a:latin typeface="Cambria Math" panose="02040503050406030204" pitchFamily="18" charset="0"/>
+                            </a:rPr>
+                            <m:t>𝑥</m:t>
+                          </m:r>
+                        </m:e>
+                      </m:nary>
+                    </m:oMath>
+                  </m:oMathPara>
+                </a14:m>
+                <a:endParaRPr lang="ko-KR" altLang="en-US" sz="2000" dirty="0"/>
+              </a:p>
+            </p:txBody>
+          </p:sp>
+        </mc:Choice>
+        <mc:Fallback>
+          <p:sp>
+            <p:nvSpPr>
+              <p:cNvPr id="7" name="TextBox 6">
+                <a:extLst>
+                  <a:ext uri="{FF2B5EF4-FFF2-40B4-BE49-F238E27FC236}">
+                    <a16:creationId xmlns:a16="http://schemas.microsoft.com/office/drawing/2014/main" id="{DB2A8EE8-E4B1-4313-B530-CD8E17467569}"/>
+                  </a:ext>
+                </a:extLst>
+              </p:cNvPr>
+              <p:cNvSpPr txBox="1">
+                <a:spLocks noRot="1" noChangeAspect="1" noMove="1" noResize="1" noEditPoints="1" noAdjustHandles="1" noChangeArrowheads="1" noChangeShapeType="1" noTextEdit="1"/>
+              </p:cNvSpPr>
+              <p:nvPr/>
+            </p:nvSpPr>
+            <p:spPr>
+              <a:xfrm>
+                <a:off x="1904783" y="3592510"/>
+                <a:ext cx="2774862" cy="691408"/>
+              </a:xfrm>
+              <a:prstGeom prst="rect">
+                <a:avLst/>
+              </a:prstGeom>
+              <a:blipFill>
+                <a:blip r:embed="rId7"/>
+                <a:stretch>
+                  <a:fillRect/>
+                </a:stretch>
+              </a:blipFill>
+            </p:spPr>
+            <p:txBody>
+              <a:bodyPr/>
+              <a:lstStyle/>
+              <a:p>
+                <a:r>
+                  <a:rPr lang="ko-KR" altLang="en-US">
+                    <a:noFill/>
+                  </a:rPr>
+                  <a:t> </a:t>
+                </a:r>
+              </a:p>
+            </p:txBody>
+          </p:sp>
+        </mc:Fallback>
+      </mc:AlternateContent>
+      <p:grpSp>
+        <p:nvGrpSpPr>
+          <p:cNvPr id="12" name="그룹 11">
+            <a:extLst>
+              <a:ext uri="{FF2B5EF4-FFF2-40B4-BE49-F238E27FC236}">
+                <a16:creationId xmlns:a16="http://schemas.microsoft.com/office/drawing/2014/main" id="{2357CF58-41FB-48E1-A63C-00D67DB1523F}"/>
+              </a:ext>
+            </a:extLst>
+          </p:cNvPr>
+          <p:cNvGrpSpPr/>
+          <p:nvPr/>
+        </p:nvGrpSpPr>
+        <p:grpSpPr>
+          <a:xfrm>
+            <a:off x="5653684" y="3109531"/>
+            <a:ext cx="1861487" cy="1657365"/>
+            <a:chOff x="6177307" y="3752999"/>
+            <a:chExt cx="1861487" cy="1657365"/>
+          </a:xfrm>
+        </p:grpSpPr>
+        <mc:AlternateContent xmlns:mc="http://schemas.openxmlformats.org/markup-compatibility/2006">
+          <mc:Choice xmlns:a14="http://schemas.microsoft.com/office/drawing/2010/main" Requires="a14">
+            <p:sp>
+              <p:nvSpPr>
+                <p:cNvPr id="9" name="TextBox 8">
+                  <a:extLst>
+                    <a:ext uri="{FF2B5EF4-FFF2-40B4-BE49-F238E27FC236}">
+                      <a16:creationId xmlns:a16="http://schemas.microsoft.com/office/drawing/2014/main" id="{B4CB3F04-8A6B-4FEB-B8CE-83F7DB6744D8}"/>
+                    </a:ext>
+                  </a:extLst>
+                </p:cNvPr>
+                <p:cNvSpPr txBox="1"/>
+                <p:nvPr/>
+              </p:nvSpPr>
+              <p:spPr>
+                <a:xfrm>
+                  <a:off x="6177307" y="3752999"/>
+                  <a:ext cx="1269386" cy="600870"/>
+                </a:xfrm>
+                <a:prstGeom prst="rect">
+                  <a:avLst/>
+                </a:prstGeom>
+                <a:noFill/>
+              </p:spPr>
+              <p:txBody>
+                <a:bodyPr wrap="none" lIns="0" tIns="0" rIns="0" bIns="0" rtlCol="0">
+                  <a:spAutoFit/>
+                </a:bodyPr>
+                <a:lstStyle/>
+                <a:p>
+                  <a:pPr>
+                    <a:lnSpc>
+                      <a:spcPct val="150000"/>
+                    </a:lnSpc>
+                  </a:pPr>
+                  <a:r>
+                    <a:rPr lang="en-US" altLang="ko-KR" sz="2000" dirty="0"/>
+                    <a:t>=  </a:t>
+                  </a:r>
+                  <a14:m>
+                    <m:oMath xmlns:m="http://schemas.openxmlformats.org/officeDocument/2006/math">
+                      <m:sSubSup>
+                        <m:sSubSupPr>
+                          <m:ctrlPr>
+                            <a:rPr lang="ko-KR" altLang="en-US" sz="2000" i="1">
+                              <a:latin typeface="Cambria Math" panose="02040503050406030204" pitchFamily="18" charset="0"/>
+                            </a:rPr>
+                          </m:ctrlPr>
+                        </m:sSubSupPr>
+                        <m:e>
+                          <m:d>
+                            <m:dPr>
+                              <m:begChr m:val="["/>
+                              <m:endChr m:val="]"/>
+                              <m:ctrlPr>
+                                <a:rPr lang="ko-KR" altLang="en-US" sz="2000" i="1">
+                                  <a:latin typeface="Cambria Math" panose="02040503050406030204" pitchFamily="18" charset="0"/>
+                                </a:rPr>
+                              </m:ctrlPr>
+                            </m:dPr>
+                            <m:e>
+                              <m:r>
+                                <a:rPr lang="ko-KR" altLang="en-US" sz="2000" i="0">
+                                  <a:latin typeface="Cambria Math" panose="02040503050406030204" pitchFamily="18" charset="0"/>
+                                </a:rPr>
+                                <m:t>−</m:t>
+                              </m:r>
+                              <m:sSup>
+                                <m:sSupPr>
+                                  <m:ctrlPr>
+                                    <a:rPr lang="ko-KR" altLang="en-US" sz="2000" i="1">
+                                      <a:latin typeface="Cambria Math" panose="02040503050406030204" pitchFamily="18" charset="0"/>
+                                    </a:rPr>
+                                  </m:ctrlPr>
+                                </m:sSupPr>
+                                <m:e>
+                                  <m:r>
+                                    <a:rPr lang="ko-KR" altLang="en-US" sz="2000" i="0">
+                                      <a:latin typeface="Cambria Math" panose="02040503050406030204" pitchFamily="18" charset="0"/>
+                                    </a:rPr>
+                                    <m:t>ⅇ</m:t>
+                                  </m:r>
+                                </m:e>
+                                <m:sup>
+                                  <m:r>
+                                    <a:rPr lang="ko-KR" altLang="en-US" sz="2000" i="0">
+                                      <a:latin typeface="Cambria Math" panose="02040503050406030204" pitchFamily="18" charset="0"/>
+                                    </a:rPr>
+                                    <m:t>−</m:t>
+                                  </m:r>
+                                  <m:f>
+                                    <m:fPr>
+                                      <m:ctrlPr>
+                                        <a:rPr lang="ko-KR" altLang="en-US" sz="2000" i="1">
+                                          <a:latin typeface="Cambria Math" panose="02040503050406030204" pitchFamily="18" charset="0"/>
+                                        </a:rPr>
+                                      </m:ctrlPr>
+                                    </m:fPr>
+                                    <m:num>
+                                      <m:r>
+                                        <a:rPr lang="ko-KR" altLang="en-US" sz="2000" i="0">
+                                          <a:latin typeface="Cambria Math" panose="02040503050406030204" pitchFamily="18" charset="0"/>
+                                        </a:rPr>
+                                        <m:t>1</m:t>
+                                      </m:r>
+                                    </m:num>
+                                    <m:den>
+                                      <m:r>
+                                        <a:rPr lang="ko-KR" altLang="en-US" sz="2000" i="0">
+                                          <a:latin typeface="Cambria Math" panose="02040503050406030204" pitchFamily="18" charset="0"/>
+                                        </a:rPr>
+                                        <m:t>3</m:t>
+                                      </m:r>
+                                    </m:den>
+                                  </m:f>
+                                  <m:r>
+                                    <a:rPr lang="ko-KR" altLang="en-US" sz="2000" i="1">
+                                      <a:latin typeface="Cambria Math" panose="02040503050406030204" pitchFamily="18" charset="0"/>
+                                    </a:rPr>
+                                    <m:t>𝑥</m:t>
+                                  </m:r>
+                                </m:sup>
+                              </m:sSup>
+                            </m:e>
+                          </m:d>
+                        </m:e>
+                        <m:sub>
+                          <m:r>
+                            <a:rPr lang="ko-KR" altLang="en-US" sz="2000" i="1">
+                              <a:latin typeface="Cambria Math" panose="02040503050406030204" pitchFamily="18" charset="0"/>
+                            </a:rPr>
+                            <m:t>𝑜</m:t>
+                          </m:r>
+                        </m:sub>
+                        <m:sup>
+                          <m:r>
+                            <a:rPr lang="ko-KR" altLang="en-US" sz="2000" i="0">
+                              <a:latin typeface="Cambria Math" panose="02040503050406030204" pitchFamily="18" charset="0"/>
+                            </a:rPr>
+                            <m:t>1</m:t>
+                          </m:r>
+                        </m:sup>
+                      </m:sSubSup>
+                    </m:oMath>
+                  </a14:m>
+                  <a:endParaRPr lang="ko-KR" altLang="en-US" sz="2000" dirty="0"/>
+                </a:p>
+              </p:txBody>
+            </p:sp>
+          </mc:Choice>
+          <mc:Fallback>
+            <p:sp>
+              <p:nvSpPr>
+                <p:cNvPr id="9" name="TextBox 8">
+                  <a:extLst>
+                    <a:ext uri="{FF2B5EF4-FFF2-40B4-BE49-F238E27FC236}">
+                      <a16:creationId xmlns:a16="http://schemas.microsoft.com/office/drawing/2014/main" id="{B4CB3F04-8A6B-4FEB-B8CE-83F7DB6744D8}"/>
+                    </a:ext>
+                  </a:extLst>
+                </p:cNvPr>
+                <p:cNvSpPr txBox="1">
+                  <a:spLocks noRot="1" noChangeAspect="1" noMove="1" noResize="1" noEditPoints="1" noAdjustHandles="1" noChangeArrowheads="1" noChangeShapeType="1" noTextEdit="1"/>
+                </p:cNvSpPr>
+                <p:nvPr/>
+              </p:nvSpPr>
+              <p:spPr>
+                <a:xfrm>
+                  <a:off x="6177307" y="3752999"/>
+                  <a:ext cx="1269386" cy="600870"/>
+                </a:xfrm>
+                <a:prstGeom prst="rect">
+                  <a:avLst/>
+                </a:prstGeom>
+                <a:blipFill>
+                  <a:blip r:embed="rId8"/>
+                  <a:stretch>
+                    <a:fillRect l="-11962" b="-25253"/>
+                  </a:stretch>
+                </a:blipFill>
+              </p:spPr>
+              <p:txBody>
+                <a:bodyPr/>
+                <a:lstStyle/>
+                <a:p>
+                  <a:r>
+                    <a:rPr lang="ko-KR" altLang="en-US">
+                      <a:noFill/>
+                    </a:rPr>
+                    <a:t> </a:t>
+                  </a:r>
+                </a:p>
+              </p:txBody>
+            </p:sp>
+          </mc:Fallback>
+        </mc:AlternateContent>
+        <mc:AlternateContent xmlns:mc="http://schemas.openxmlformats.org/markup-compatibility/2006">
+          <mc:Choice xmlns:a14="http://schemas.microsoft.com/office/drawing/2010/main" Requires="a14">
+            <p:sp>
+              <p:nvSpPr>
+                <p:cNvPr id="10" name="TextBox 9">
+                  <a:extLst>
+                    <a:ext uri="{FF2B5EF4-FFF2-40B4-BE49-F238E27FC236}">
+                      <a16:creationId xmlns:a16="http://schemas.microsoft.com/office/drawing/2014/main" id="{D7893304-E3D9-4127-8784-D3C71C68CF62}"/>
+                    </a:ext>
+                  </a:extLst>
+                </p:cNvPr>
+                <p:cNvSpPr txBox="1"/>
+                <p:nvPr/>
+              </p:nvSpPr>
+              <p:spPr>
+                <a:xfrm>
+                  <a:off x="6178798" y="4458216"/>
+                  <a:ext cx="1859996" cy="422167"/>
+                </a:xfrm>
+                <a:prstGeom prst="rect">
+                  <a:avLst/>
+                </a:prstGeom>
+                <a:noFill/>
+              </p:spPr>
+              <p:txBody>
+                <a:bodyPr wrap="none" lIns="0" tIns="0" rIns="0" bIns="0" rtlCol="0">
+                  <a:spAutoFit/>
+                </a:bodyPr>
+                <a:lstStyle/>
+                <a:p>
+                  <a:r>
+                    <a:rPr lang="en-US" altLang="ko-KR" sz="2000" dirty="0"/>
+                    <a:t>= </a:t>
+                  </a:r>
+                  <a14:m>
+                    <m:oMath xmlns:m="http://schemas.openxmlformats.org/officeDocument/2006/math">
+                      <m:d>
+                        <m:dPr>
+                          <m:ctrlPr>
+                            <a:rPr lang="ko-KR" altLang="en-US" sz="2000" smtClean="0">
+                              <a:latin typeface="Cambria Math" panose="02040503050406030204" pitchFamily="18" charset="0"/>
+                            </a:rPr>
+                          </m:ctrlPr>
+                        </m:dPr>
+                        <m:e>
+                          <m:r>
+                            <a:rPr lang="ko-KR" altLang="en-US" sz="2000">
+                              <a:latin typeface="Cambria Math" panose="02040503050406030204" pitchFamily="18" charset="0"/>
+                            </a:rPr>
+                            <m:t>−</m:t>
+                          </m:r>
+                          <m:sSup>
+                            <m:sSupPr>
+                              <m:ctrlPr>
+                                <a:rPr lang="ko-KR" altLang="en-US" sz="2000" i="1">
+                                  <a:latin typeface="Cambria Math" panose="02040503050406030204" pitchFamily="18" charset="0"/>
+                                </a:rPr>
+                              </m:ctrlPr>
+                            </m:sSupPr>
+                            <m:e>
+                              <m:r>
+                                <a:rPr lang="ko-KR" altLang="en-US" sz="2000" i="0">
+                                  <a:latin typeface="Cambria Math" panose="02040503050406030204" pitchFamily="18" charset="0"/>
+                                </a:rPr>
+                                <m:t>ⅇ</m:t>
+                              </m:r>
+                            </m:e>
+                            <m:sup>
+                              <m:r>
+                                <a:rPr lang="ko-KR" altLang="en-US" sz="2000" i="0">
+                                  <a:latin typeface="Cambria Math" panose="02040503050406030204" pitchFamily="18" charset="0"/>
+                                </a:rPr>
+                                <m:t>−</m:t>
+                              </m:r>
+                              <m:f>
+                                <m:fPr>
+                                  <m:ctrlPr>
+                                    <a:rPr lang="ko-KR" altLang="en-US" sz="2000" i="1">
+                                      <a:latin typeface="Cambria Math" panose="02040503050406030204" pitchFamily="18" charset="0"/>
+                                    </a:rPr>
+                                  </m:ctrlPr>
+                                </m:fPr>
+                                <m:num>
+                                  <m:r>
+                                    <a:rPr lang="ko-KR" altLang="en-US" sz="2000" i="0">
+                                      <a:latin typeface="Cambria Math" panose="02040503050406030204" pitchFamily="18" charset="0"/>
+                                    </a:rPr>
+                                    <m:t>1</m:t>
+                                  </m:r>
+                                </m:num>
+                                <m:den>
+                                  <m:r>
+                                    <a:rPr lang="ko-KR" altLang="en-US" sz="2000" i="0">
+                                      <a:latin typeface="Cambria Math" panose="02040503050406030204" pitchFamily="18" charset="0"/>
+                                    </a:rPr>
+                                    <m:t>3</m:t>
+                                  </m:r>
+                                </m:den>
+                              </m:f>
+                            </m:sup>
+                          </m:sSup>
+                        </m:e>
+                      </m:d>
+                      <m:r>
+                        <a:rPr lang="ko-KR" altLang="en-US" sz="2000" i="0">
+                          <a:latin typeface="Cambria Math" panose="02040503050406030204" pitchFamily="18" charset="0"/>
+                        </a:rPr>
+                        <m:t>−</m:t>
+                      </m:r>
+                      <m:d>
+                        <m:dPr>
+                          <m:ctrlPr>
+                            <a:rPr lang="ko-KR" altLang="en-US" sz="2000" i="1">
+                              <a:latin typeface="Cambria Math" panose="02040503050406030204" pitchFamily="18" charset="0"/>
+                            </a:rPr>
+                          </m:ctrlPr>
+                        </m:dPr>
+                        <m:e>
+                          <m:r>
+                            <a:rPr lang="ko-KR" altLang="en-US" sz="2000" i="0">
+                              <a:latin typeface="Cambria Math" panose="02040503050406030204" pitchFamily="18" charset="0"/>
+                            </a:rPr>
+                            <m:t>−1</m:t>
+                          </m:r>
+                        </m:e>
+                      </m:d>
+                    </m:oMath>
+                  </a14:m>
+                  <a:endParaRPr lang="ko-KR" altLang="en-US" sz="2000" dirty="0"/>
+                </a:p>
+              </p:txBody>
+            </p:sp>
+          </mc:Choice>
+          <mc:Fallback>
+            <p:sp>
+              <p:nvSpPr>
+                <p:cNvPr id="10" name="TextBox 9">
+                  <a:extLst>
+                    <a:ext uri="{FF2B5EF4-FFF2-40B4-BE49-F238E27FC236}">
+                      <a16:creationId xmlns:a16="http://schemas.microsoft.com/office/drawing/2014/main" id="{D7893304-E3D9-4127-8784-D3C71C68CF62}"/>
+                    </a:ext>
+                  </a:extLst>
+                </p:cNvPr>
+                <p:cNvSpPr txBox="1">
+                  <a:spLocks noRot="1" noChangeAspect="1" noMove="1" noResize="1" noEditPoints="1" noAdjustHandles="1" noChangeArrowheads="1" noChangeShapeType="1" noTextEdit="1"/>
+                </p:cNvSpPr>
+                <p:nvPr/>
+              </p:nvSpPr>
+              <p:spPr>
+                <a:xfrm>
+                  <a:off x="6178798" y="4458216"/>
+                  <a:ext cx="1859996" cy="422167"/>
+                </a:xfrm>
+                <a:prstGeom prst="rect">
+                  <a:avLst/>
+                </a:prstGeom>
+                <a:blipFill>
+                  <a:blip r:embed="rId9"/>
+                  <a:stretch>
+                    <a:fillRect l="-8525" b="-36232"/>
+                  </a:stretch>
+                </a:blipFill>
+              </p:spPr>
+              <p:txBody>
+                <a:bodyPr/>
+                <a:lstStyle/>
+                <a:p>
+                  <a:r>
+                    <a:rPr lang="ko-KR" altLang="en-US">
+                      <a:noFill/>
+                    </a:rPr>
+                    <a:t> </a:t>
+                  </a:r>
+                </a:p>
+              </p:txBody>
+            </p:sp>
+          </mc:Fallback>
+        </mc:AlternateContent>
+        <mc:AlternateContent xmlns:mc="http://schemas.openxmlformats.org/markup-compatibility/2006">
+          <mc:Choice xmlns:a14="http://schemas.microsoft.com/office/drawing/2010/main" Requires="a14">
+            <p:sp>
+              <p:nvSpPr>
+                <p:cNvPr id="11" name="TextBox 10">
+                  <a:extLst>
+                    <a:ext uri="{FF2B5EF4-FFF2-40B4-BE49-F238E27FC236}">
+                      <a16:creationId xmlns:a16="http://schemas.microsoft.com/office/drawing/2014/main" id="{8B10A7C9-EC58-4A1F-88AB-ADB5692B7AA9}"/>
+                    </a:ext>
+                  </a:extLst>
+                </p:cNvPr>
+                <p:cNvSpPr txBox="1"/>
+                <p:nvPr/>
+              </p:nvSpPr>
+              <p:spPr>
+                <a:xfrm>
+                  <a:off x="6177307" y="4988197"/>
+                  <a:ext cx="1262397" cy="422167"/>
+                </a:xfrm>
+                <a:prstGeom prst="rect">
+                  <a:avLst/>
+                </a:prstGeom>
+                <a:noFill/>
+              </p:spPr>
+              <p:txBody>
+                <a:bodyPr wrap="none" lIns="0" tIns="0" rIns="0" bIns="0" rtlCol="0">
+                  <a:spAutoFit/>
+                </a:bodyPr>
+                <a:lstStyle/>
+                <a:p>
+                  <a:r>
+                    <a:rPr lang="en-US" altLang="ko-KR" sz="2000" dirty="0"/>
+                    <a:t>= </a:t>
+                  </a:r>
+                  <a14:m>
+                    <m:oMath xmlns:m="http://schemas.openxmlformats.org/officeDocument/2006/math">
+                      <m:r>
+                        <a:rPr lang="ko-KR" altLang="en-US" sz="2000" smtClean="0">
+                          <a:latin typeface="Cambria Math" panose="02040503050406030204" pitchFamily="18" charset="0"/>
+                        </a:rPr>
+                        <m:t>1</m:t>
+                      </m:r>
+                      <m:r>
+                        <a:rPr lang="ko-KR" altLang="en-US" sz="2000" i="0">
+                          <a:latin typeface="Cambria Math" panose="02040503050406030204" pitchFamily="18" charset="0"/>
+                        </a:rPr>
+                        <m:t>−</m:t>
+                      </m:r>
+                      <m:d>
+                        <m:dPr>
+                          <m:ctrlPr>
+                            <a:rPr lang="ko-KR" altLang="en-US" sz="2000" i="1">
+                              <a:latin typeface="Cambria Math" panose="02040503050406030204" pitchFamily="18" charset="0"/>
+                            </a:rPr>
+                          </m:ctrlPr>
+                        </m:dPr>
+                        <m:e>
+                          <m:sSup>
+                            <m:sSupPr>
+                              <m:ctrlPr>
+                                <a:rPr lang="ko-KR" altLang="en-US" sz="2000" i="1">
+                                  <a:latin typeface="Cambria Math" panose="02040503050406030204" pitchFamily="18" charset="0"/>
+                                </a:rPr>
+                              </m:ctrlPr>
+                            </m:sSupPr>
+                            <m:e>
+                              <m:r>
+                                <a:rPr lang="ko-KR" altLang="en-US" sz="2000" i="0">
+                                  <a:latin typeface="Cambria Math" panose="02040503050406030204" pitchFamily="18" charset="0"/>
+                                </a:rPr>
+                                <m:t>ⅇ</m:t>
+                              </m:r>
+                            </m:e>
+                            <m:sup>
+                              <m:r>
+                                <a:rPr lang="ko-KR" altLang="en-US" sz="2000" i="0">
+                                  <a:latin typeface="Cambria Math" panose="02040503050406030204" pitchFamily="18" charset="0"/>
+                                </a:rPr>
+                                <m:t>−</m:t>
+                              </m:r>
+                              <m:f>
+                                <m:fPr>
+                                  <m:ctrlPr>
+                                    <a:rPr lang="ko-KR" altLang="en-US" sz="2000" i="1">
+                                      <a:latin typeface="Cambria Math" panose="02040503050406030204" pitchFamily="18" charset="0"/>
+                                    </a:rPr>
+                                  </m:ctrlPr>
+                                </m:fPr>
+                                <m:num>
+                                  <m:r>
+                                    <a:rPr lang="ko-KR" altLang="en-US" sz="2000" i="0">
+                                      <a:latin typeface="Cambria Math" panose="02040503050406030204" pitchFamily="18" charset="0"/>
+                                    </a:rPr>
+                                    <m:t>1</m:t>
+                                  </m:r>
+                                </m:num>
+                                <m:den>
+                                  <m:r>
+                                    <a:rPr lang="ko-KR" altLang="en-US" sz="2000" i="0">
+                                      <a:latin typeface="Cambria Math" panose="02040503050406030204" pitchFamily="18" charset="0"/>
+                                    </a:rPr>
+                                    <m:t>3</m:t>
+                                  </m:r>
+                                </m:den>
+                              </m:f>
+                            </m:sup>
+                          </m:sSup>
+                        </m:e>
+                      </m:d>
+                    </m:oMath>
+                  </a14:m>
+                  <a:endParaRPr lang="ko-KR" altLang="en-US" sz="2000" dirty="0"/>
+                </a:p>
+              </p:txBody>
+            </p:sp>
+          </mc:Choice>
+          <mc:Fallback>
+            <p:sp>
+              <p:nvSpPr>
+                <p:cNvPr id="11" name="TextBox 10">
+                  <a:extLst>
+                    <a:ext uri="{FF2B5EF4-FFF2-40B4-BE49-F238E27FC236}">
+                      <a16:creationId xmlns:a16="http://schemas.microsoft.com/office/drawing/2014/main" id="{8B10A7C9-EC58-4A1F-88AB-ADB5692B7AA9}"/>
+                    </a:ext>
+                  </a:extLst>
+                </p:cNvPr>
+                <p:cNvSpPr txBox="1">
+                  <a:spLocks noRot="1" noChangeAspect="1" noMove="1" noResize="1" noEditPoints="1" noAdjustHandles="1" noChangeArrowheads="1" noChangeShapeType="1" noTextEdit="1"/>
+                </p:cNvSpPr>
+                <p:nvPr/>
+              </p:nvSpPr>
+              <p:spPr>
+                <a:xfrm>
+                  <a:off x="6177307" y="4988197"/>
+                  <a:ext cx="1262397" cy="422167"/>
+                </a:xfrm>
+                <a:prstGeom prst="rect">
+                  <a:avLst/>
+                </a:prstGeom>
+                <a:blipFill>
+                  <a:blip r:embed="rId10"/>
+                  <a:stretch>
+                    <a:fillRect l="-12019" b="-36232"/>
+                  </a:stretch>
+                </a:blipFill>
+              </p:spPr>
+              <p:txBody>
+                <a:bodyPr/>
+                <a:lstStyle/>
+                <a:p>
+                  <a:r>
+                    <a:rPr lang="ko-KR" altLang="en-US">
+                      <a:noFill/>
+                    </a:rPr>
+                    <a:t> </a:t>
+                  </a:r>
+                </a:p>
+              </p:txBody>
+            </p:sp>
+          </mc:Fallback>
+        </mc:AlternateContent>
+      </p:grpSp>
+      <p:sp>
+        <p:nvSpPr>
+          <p:cNvPr id="13" name="TextBox 12">
+            <a:extLst>
+              <a:ext uri="{FF2B5EF4-FFF2-40B4-BE49-F238E27FC236}">
+                <a16:creationId xmlns:a16="http://schemas.microsoft.com/office/drawing/2014/main" id="{9F94D710-33B9-4CAD-A620-9B1E9B1C21C1}"/>
+              </a:ext>
+            </a:extLst>
+          </p:cNvPr>
+          <p:cNvSpPr txBox="1"/>
+          <p:nvPr/>
+        </p:nvSpPr>
+        <p:spPr>
+          <a:xfrm>
+            <a:off x="5547519" y="4871894"/>
+            <a:ext cx="2287817" cy="872034"/>
+          </a:xfrm>
+          <a:prstGeom prst="rect">
+            <a:avLst/>
+          </a:prstGeom>
+          <a:noFill/>
+        </p:spPr>
+        <p:txBody>
+          <a:bodyPr wrap="square" rtlCol="0">
+            <a:spAutoFit/>
+          </a:bodyPr>
+          <a:lstStyle/>
+          <a:p>
+            <a:pPr>
+              <a:lnSpc>
+                <a:spcPct val="150000"/>
+              </a:lnSpc>
+            </a:pPr>
+            <a:r>
+              <a:rPr lang="en-US" altLang="ko-KR" sz="1800" dirty="0"/>
+              <a:t>= 1 - 0.7165</a:t>
+            </a:r>
+          </a:p>
+          <a:p>
+            <a:pPr>
+              <a:lnSpc>
+                <a:spcPct val="150000"/>
+              </a:lnSpc>
+            </a:pPr>
+            <a:r>
+              <a:rPr lang="en-US" altLang="ko-KR" sz="1800" dirty="0"/>
+              <a:t>= 0.2835</a:t>
+            </a:r>
+            <a:endParaRPr lang="ko-KR" altLang="en-US" sz="1800" dirty="0"/>
           </a:p>
         </p:txBody>
       </p:sp>

--- a/study/ppt/[스터디]2.10푸아송_KDH.pptx
+++ b/study/ppt/[스터디]2.10푸아송_KDH.pptx
@@ -308,7 +308,7 @@
       </p15:sldGuideLst>
     </p:ext>
     <p:ext uri="http://customooxmlschemas.google.com/">
-      <go:slidesCustomData xmlns:go="http://customooxmlschemas.google.com/" xmlns:p15="http://schemas.microsoft.com/office/powerpoint/2012/main" xmlns:p14="http://schemas.microsoft.com/office/powerpoint/2010/main" xmlns:com="http://schemas.openxmlformats.org/drawingml/2006/compatibility" xmlns:pvml="urn:schemas-microsoft-com:office:powerpoint" xmlns:v="urn:schemas-microsoft-com:vml" xmlns:o="urn:schemas-microsoft-com:office:office" xmlns:dgm="http://schemas.openxmlformats.org/drawingml/2006/diagram" xmlns:c="http://schemas.openxmlformats.org/drawingml/2006/chart" xmlns:mv="urn:schemas-microsoft-com:mac:vml" xmlns:mc="http://schemas.openxmlformats.org/markup-compatibility/2006" xmlns="" r:id="rId10" roundtripDataSignature="AMtx7mhva3UHPhQA4WbyUQCroSE+7w+SGg=="/>
+      <go:slidesCustomData xmlns="" xmlns:mc="http://schemas.openxmlformats.org/markup-compatibility/2006" xmlns:mv="urn:schemas-microsoft-com:mac:vml" xmlns:c="http://schemas.openxmlformats.org/drawingml/2006/chart" xmlns:dgm="http://schemas.openxmlformats.org/drawingml/2006/diagram" xmlns:o="urn:schemas-microsoft-com:office:office" xmlns:v="urn:schemas-microsoft-com:vml" xmlns:pvml="urn:schemas-microsoft-com:office:powerpoint" xmlns:com="http://schemas.openxmlformats.org/drawingml/2006/compatibility" xmlns:p14="http://schemas.microsoft.com/office/powerpoint/2010/main" xmlns:p15="http://schemas.microsoft.com/office/powerpoint/2012/main" xmlns:go="http://customooxmlschemas.google.com/" r:id="rId10" roundtripDataSignature="AMtx7mhva3UHPhQA4WbyUQCroSE+7w+SGg=="/>
     </p:ext>
   </p:extLst>
 </p:presentation>
@@ -4433,6 +4433,48 @@
             </a:r>
           </a:p>
           <a:p>
+            <a:pPr marL="114300" lvl="1" algn="just">
+              <a:lnSpc>
+                <a:spcPct val="150000"/>
+              </a:lnSpc>
+              <a:buClrTx/>
+              <a:buSzPts val="1800"/>
+            </a:pPr>
+            <a:endParaRPr lang="en-US" altLang="ko-KR" dirty="0"/>
+          </a:p>
+          <a:p>
+            <a:pPr marL="285750" indent="-285750">
+              <a:lnSpc>
+                <a:spcPct val="150000"/>
+              </a:lnSpc>
+              <a:buFont typeface="Arial" panose="020B0604020202020204" pitchFamily="34" charset="0"/>
+              <a:buChar char="•"/>
+            </a:pPr>
+            <a:r>
+              <a:rPr lang="en-US" altLang="ko-KR" sz="1100" dirty="0">
+                <a:hlinkClick r:id="rId3"/>
+              </a:rPr>
+              <a:t>http://www.ktword.co.kr/word/abbr_view.php?m_temp1=870</a:t>
+            </a:r>
+            <a:endParaRPr lang="en-US" altLang="ko-KR" sz="1100" dirty="0"/>
+          </a:p>
+          <a:p>
+            <a:pPr marL="285750" indent="-285750">
+              <a:lnSpc>
+                <a:spcPct val="150000"/>
+              </a:lnSpc>
+              <a:buFont typeface="Arial" panose="020B0604020202020204" pitchFamily="34" charset="0"/>
+              <a:buChar char="•"/>
+            </a:pPr>
+            <a:r>
+              <a:rPr lang="en-US" altLang="ko-KR" sz="1100" dirty="0">
+                <a:hlinkClick r:id="rId4"/>
+              </a:rPr>
+              <a:t>http://blog.naver.com/PostView.nhn?blogId=mykepzzang&amp;logNo=220840724901</a:t>
+            </a:r>
+            <a:endParaRPr lang="en-US" altLang="ko-KR" sz="1100" dirty="0"/>
+          </a:p>
+          <a:p>
             <a:pPr marL="114300" marR="0" lvl="0" algn="just" rtl="0">
               <a:lnSpc>
                 <a:spcPct val="150000"/>
@@ -4509,8 +4551,8 @@
             <a:chExt cx="4320046" cy="569580"/>
           </a:xfrm>
         </p:grpSpPr>
-        <mc:AlternateContent xmlns:mc="http://schemas.openxmlformats.org/markup-compatibility/2006">
-          <mc:Choice xmlns:a14="http://schemas.microsoft.com/office/drawing/2010/main" Requires="a14">
+        <mc:AlternateContent xmlns:mc="http://schemas.openxmlformats.org/markup-compatibility/2006" xmlns:a14="http://schemas.microsoft.com/office/drawing/2010/main">
+          <mc:Choice Requires="a14">
             <p:sp>
               <p:nvSpPr>
                 <p:cNvPr id="2" name="TextBox 1">
@@ -4539,6 +4581,7 @@
                 </a:bodyPr>
                 <a:lstStyle/>
                 <a:p>
+                  <a:pPr/>
                   <a14:m>
                     <m:oMathPara xmlns:m="http://schemas.openxmlformats.org/officeDocument/2006/math">
                       <m:oMathParaPr>
@@ -4663,7 +4706,7 @@
               </p:txBody>
             </p:sp>
           </mc:Choice>
-          <mc:Fallback>
+          <mc:Fallback xmlns="">
             <p:sp>
               <p:nvSpPr>
                 <p:cNvPr id="2" name="TextBox 1">
@@ -4687,7 +4730,7 @@
                   <a:avLst/>
                 </a:prstGeom>
                 <a:blipFill>
-                  <a:blip r:embed="rId3"/>
+                  <a:blip r:embed="rId5"/>
                   <a:stretch>
                     <a:fillRect/>
                   </a:stretch>
@@ -4708,8 +4751,8 @@
             </p:sp>
           </mc:Fallback>
         </mc:AlternateContent>
-        <mc:AlternateContent xmlns:mc="http://schemas.openxmlformats.org/markup-compatibility/2006">
-          <mc:Choice xmlns:a14="http://schemas.microsoft.com/office/drawing/2010/main" Requires="a14">
+        <mc:AlternateContent xmlns:mc="http://schemas.openxmlformats.org/markup-compatibility/2006" xmlns:a14="http://schemas.microsoft.com/office/drawing/2010/main">
+          <mc:Choice Requires="a14">
             <p:sp>
               <p:nvSpPr>
                 <p:cNvPr id="4" name="TextBox 3">
@@ -4738,6 +4781,7 @@
                 </a:bodyPr>
                 <a:lstStyle/>
                 <a:p>
+                  <a:pPr/>
                   <a14:m>
                     <m:oMathPara xmlns:m="http://schemas.openxmlformats.org/officeDocument/2006/math">
                       <m:oMathParaPr>
@@ -4785,7 +4829,7 @@
               </p:txBody>
             </p:sp>
           </mc:Choice>
-          <mc:Fallback>
+          <mc:Fallback xmlns="">
             <p:sp>
               <p:nvSpPr>
                 <p:cNvPr id="4" name="TextBox 3">
@@ -4809,7 +4853,7 @@
                   <a:avLst/>
                 </a:prstGeom>
                 <a:blipFill>
-                  <a:blip r:embed="rId4"/>
+                  <a:blip r:embed="rId6"/>
                   <a:stretch>
                     <a:fillRect l="-4706" t="-2222" r="-4706" b="-40000"/>
                   </a:stretch>
@@ -4830,8 +4874,8 @@
             </p:sp>
           </mc:Fallback>
         </mc:AlternateContent>
-        <mc:AlternateContent xmlns:mc="http://schemas.openxmlformats.org/markup-compatibility/2006">
-          <mc:Choice xmlns:a14="http://schemas.microsoft.com/office/drawing/2010/main" Requires="a14">
+        <mc:AlternateContent xmlns:mc="http://schemas.openxmlformats.org/markup-compatibility/2006" xmlns:a14="http://schemas.microsoft.com/office/drawing/2010/main">
+          <mc:Choice Requires="a14">
             <p:sp>
               <p:nvSpPr>
                 <p:cNvPr id="5" name="TextBox 4">
@@ -4860,6 +4904,7 @@
                 </a:bodyPr>
                 <a:lstStyle/>
                 <a:p>
+                  <a:pPr/>
                   <a14:m>
                     <m:oMathPara xmlns:m="http://schemas.openxmlformats.org/officeDocument/2006/math">
                       <m:oMathParaPr>
@@ -4869,7 +4914,7 @@
                         <m:func>
                           <m:funcPr>
                             <m:ctrlPr>
-                              <a:rPr lang="ko-KR" altLang="en-US" sz="1800" smtClean="0">
+                              <a:rPr lang="ko-KR" altLang="en-US" sz="1800" i="1" smtClean="0">
                                 <a:latin typeface="Cambria Math" panose="02040503050406030204" pitchFamily="18" charset="0"/>
                               </a:rPr>
                             </m:ctrlPr>
@@ -4925,7 +4970,7 @@
               </p:txBody>
             </p:sp>
           </mc:Choice>
-          <mc:Fallback>
+          <mc:Fallback xmlns="">
             <p:sp>
               <p:nvSpPr>
                 <p:cNvPr id="5" name="TextBox 4">
@@ -4949,7 +4994,7 @@
                   <a:avLst/>
                 </a:prstGeom>
                 <a:blipFill>
-                  <a:blip r:embed="rId5"/>
+                  <a:blip r:embed="rId7"/>
                   <a:stretch>
                     <a:fillRect l="-3608" r="-3608" b="-11111"/>
                   </a:stretch>
@@ -4971,8 +5016,8 @@
           </mc:Fallback>
         </mc:AlternateContent>
       </p:grpSp>
-      <mc:AlternateContent xmlns:mc="http://schemas.openxmlformats.org/markup-compatibility/2006">
-        <mc:Choice xmlns:a14="http://schemas.microsoft.com/office/drawing/2010/main" Requires="a14">
+      <mc:AlternateContent xmlns:mc="http://schemas.openxmlformats.org/markup-compatibility/2006" xmlns:a14="http://schemas.microsoft.com/office/drawing/2010/main">
+        <mc:Choice Requires="a14">
           <p:sp>
             <p:nvSpPr>
               <p:cNvPr id="7" name="TextBox 6">
@@ -5001,6 +5046,7 @@
               </a:bodyPr>
               <a:lstStyle/>
               <a:p>
+                <a:pPr/>
                 <a14:m>
                   <m:oMathPara xmlns:m="http://schemas.openxmlformats.org/officeDocument/2006/math">
                     <m:oMathParaPr>
@@ -5027,7 +5073,7 @@
             </p:txBody>
           </p:sp>
         </mc:Choice>
-        <mc:Fallback>
+        <mc:Fallback xmlns="">
           <p:sp>
             <p:nvSpPr>
               <p:cNvPr id="7" name="TextBox 6">
@@ -5051,7 +5097,7 @@
                 <a:avLst/>
               </a:prstGeom>
               <a:blipFill>
-                <a:blip r:embed="rId6"/>
+                <a:blip r:embed="rId8"/>
                 <a:stretch>
                   <a:fillRect b="-9804"/>
                 </a:stretch>
@@ -5072,8 +5118,8 @@
           </p:sp>
         </mc:Fallback>
       </mc:AlternateContent>
-      <mc:AlternateContent xmlns:mc="http://schemas.openxmlformats.org/markup-compatibility/2006">
-        <mc:Choice xmlns:a14="http://schemas.microsoft.com/office/drawing/2010/main" Requires="a14">
+      <mc:AlternateContent xmlns:mc="http://schemas.openxmlformats.org/markup-compatibility/2006" xmlns:a14="http://schemas.microsoft.com/office/drawing/2010/main">
+        <mc:Choice Requires="a14">
           <p:sp>
             <p:nvSpPr>
               <p:cNvPr id="8" name="TextBox 7">
@@ -5102,6 +5148,7 @@
               </a:bodyPr>
               <a:lstStyle/>
               <a:p>
+                <a:pPr/>
                 <a14:m>
                   <m:oMathPara xmlns:m="http://schemas.openxmlformats.org/officeDocument/2006/math">
                     <m:oMathParaPr>
@@ -5231,7 +5278,7 @@
             </p:txBody>
           </p:sp>
         </mc:Choice>
-        <mc:Fallback>
+        <mc:Fallback xmlns="">
           <p:sp>
             <p:nvSpPr>
               <p:cNvPr id="8" name="TextBox 7">
@@ -5255,7 +5302,7 @@
                 <a:avLst/>
               </a:prstGeom>
               <a:blipFill>
-                <a:blip r:embed="rId7"/>
+                <a:blip r:embed="rId9"/>
                 <a:stretch>
                   <a:fillRect/>
                 </a:stretch>
@@ -5276,8 +5323,8 @@
           </p:sp>
         </mc:Fallback>
       </mc:AlternateContent>
-      <mc:AlternateContent xmlns:mc="http://schemas.openxmlformats.org/markup-compatibility/2006">
-        <mc:Choice xmlns:a14="http://schemas.microsoft.com/office/drawing/2010/main" Requires="a14">
+      <mc:AlternateContent xmlns:mc="http://schemas.openxmlformats.org/markup-compatibility/2006" xmlns:a14="http://schemas.microsoft.com/office/drawing/2010/main">
+        <mc:Choice Requires="a14">
           <p:sp>
             <p:nvSpPr>
               <p:cNvPr id="10" name="TextBox 9">
@@ -5320,7 +5367,7 @@
                     <m:f>
                       <m:fPr>
                         <m:ctrlPr>
-                          <a:rPr lang="ko-KR" altLang="en-US" sz="2400" smtClean="0">
+                          <a:rPr lang="ko-KR" altLang="en-US" sz="2400" i="1" smtClean="0">
                             <a:latin typeface="Cambria Math" panose="02040503050406030204" pitchFamily="18" charset="0"/>
                           </a:rPr>
                         </m:ctrlPr>
@@ -5329,7 +5376,7 @@
                         <m:sSup>
                           <m:sSupPr>
                             <m:ctrlPr>
-                              <a:rPr lang="ko-KR" altLang="en-US" sz="2400">
+                              <a:rPr lang="ko-KR" altLang="en-US" sz="2400" i="1">
                                 <a:latin typeface="Cambria Math" panose="02040503050406030204" pitchFamily="18" charset="0"/>
                               </a:rPr>
                             </m:ctrlPr>
@@ -5397,7 +5444,7 @@
             </p:txBody>
           </p:sp>
         </mc:Choice>
-        <mc:Fallback>
+        <mc:Fallback xmlns="">
           <p:sp>
             <p:nvSpPr>
               <p:cNvPr id="10" name="TextBox 9">
@@ -5421,7 +5468,7 @@
                 <a:avLst/>
               </a:prstGeom>
               <a:blipFill>
-                <a:blip r:embed="rId8"/>
+                <a:blip r:embed="rId10"/>
                 <a:stretch>
                   <a:fillRect l="-1818" b="-4912"/>
                 </a:stretch>
@@ -5874,7 +5921,13 @@
               <a:buFont typeface="Arial" panose="020B0604020202020204" pitchFamily="34" charset="0"/>
               <a:buChar char="•"/>
             </a:pPr>
-            <a:endParaRPr lang="en-US" altLang="ko-KR" sz="1600" dirty="0"/>
+            <a:r>
+              <a:rPr lang="en-US" altLang="ko-KR" sz="1100" dirty="0">
+                <a:hlinkClick r:id="rId3"/>
+              </a:rPr>
+              <a:t>https://freshrimpsushi.tistory.com/1510?category=696569</a:t>
+            </a:r>
+            <a:endParaRPr lang="en-US" altLang="ko-KR" sz="1100" dirty="0"/>
           </a:p>
           <a:p>
             <a:pPr marL="285750" indent="-285750">
@@ -5884,7 +5937,13 @@
               <a:buFont typeface="Arial" panose="020B0604020202020204" pitchFamily="34" charset="0"/>
               <a:buChar char="•"/>
             </a:pPr>
-            <a:endParaRPr lang="en-US" altLang="ko-KR" sz="1600" dirty="0"/>
+            <a:r>
+              <a:rPr lang="en-US" altLang="ko-KR" sz="1100" dirty="0">
+                <a:hlinkClick r:id="rId4"/>
+              </a:rPr>
+              <a:t>http://www.ktword.co.kr/word/abbr_view.php?m_temp1=4401</a:t>
+            </a:r>
+            <a:endParaRPr lang="en-US" altLang="ko-KR" sz="1100" b="1" dirty="0"/>
           </a:p>
         </p:txBody>
       </p:sp>
@@ -5908,8 +5967,8 @@
             <a:chExt cx="5443783" cy="520463"/>
           </a:xfrm>
         </p:grpSpPr>
-        <mc:AlternateContent xmlns:mc="http://schemas.openxmlformats.org/markup-compatibility/2006">
-          <mc:Choice xmlns:a14="http://schemas.microsoft.com/office/drawing/2010/main" Requires="a14">
+        <mc:AlternateContent xmlns:mc="http://schemas.openxmlformats.org/markup-compatibility/2006" xmlns:a14="http://schemas.microsoft.com/office/drawing/2010/main">
+          <mc:Choice Requires="a14">
             <p:sp>
               <p:nvSpPr>
                 <p:cNvPr id="2" name="TextBox 1">
@@ -5938,6 +5997,7 @@
                 </a:bodyPr>
                 <a:lstStyle/>
                 <a:p>
+                  <a:pPr/>
                   <a14:m>
                     <m:oMathPara xmlns:m="http://schemas.openxmlformats.org/officeDocument/2006/math">
                       <m:oMathParaPr>
@@ -5991,7 +6051,7 @@
               </p:txBody>
             </p:sp>
           </mc:Choice>
-          <mc:Fallback>
+          <mc:Fallback xmlns="">
             <p:sp>
               <p:nvSpPr>
                 <p:cNvPr id="2" name="TextBox 1">
@@ -6015,7 +6075,7 @@
                   <a:avLst/>
                 </a:prstGeom>
                 <a:blipFill>
-                  <a:blip r:embed="rId3"/>
+                  <a:blip r:embed="rId5"/>
                   <a:stretch>
                     <a:fillRect l="-4734" r="-5325" b="-39130"/>
                   </a:stretch>
@@ -6036,8 +6096,8 @@
             </p:sp>
           </mc:Fallback>
         </mc:AlternateContent>
-        <mc:AlternateContent xmlns:mc="http://schemas.openxmlformats.org/markup-compatibility/2006">
-          <mc:Choice xmlns:a14="http://schemas.microsoft.com/office/drawing/2010/main" Requires="a14">
+        <mc:AlternateContent xmlns:mc="http://schemas.openxmlformats.org/markup-compatibility/2006" xmlns:a14="http://schemas.microsoft.com/office/drawing/2010/main">
+          <mc:Choice Requires="a14">
             <p:sp>
               <p:nvSpPr>
                 <p:cNvPr id="3" name="TextBox 2">
@@ -6066,6 +6126,7 @@
                 </a:bodyPr>
                 <a:lstStyle/>
                 <a:p>
+                  <a:pPr/>
                   <a14:m>
                     <m:oMathPara xmlns:m="http://schemas.openxmlformats.org/officeDocument/2006/math">
                       <m:oMathParaPr>
@@ -6075,7 +6136,7 @@
                         <m:func>
                           <m:funcPr>
                             <m:ctrlPr>
-                              <a:rPr lang="ko-KR" altLang="en-US" sz="1800" smtClean="0">
+                              <a:rPr lang="ko-KR" altLang="en-US" sz="1800" i="1" smtClean="0">
                                 <a:latin typeface="Cambria Math" panose="02040503050406030204" pitchFamily="18" charset="0"/>
                               </a:rPr>
                             </m:ctrlPr>
@@ -6169,7 +6230,7 @@
               </p:txBody>
             </p:sp>
           </mc:Choice>
-          <mc:Fallback>
+          <mc:Fallback xmlns="">
             <p:sp>
               <p:nvSpPr>
                 <p:cNvPr id="3" name="TextBox 2">
@@ -6193,7 +6254,7 @@
                   <a:avLst/>
                 </a:prstGeom>
                 <a:blipFill>
-                  <a:blip r:embed="rId4"/>
+                  <a:blip r:embed="rId6"/>
                   <a:stretch>
                     <a:fillRect/>
                   </a:stretch>
@@ -6214,8 +6275,8 @@
             </p:sp>
           </mc:Fallback>
         </mc:AlternateContent>
-        <mc:AlternateContent xmlns:mc="http://schemas.openxmlformats.org/markup-compatibility/2006">
-          <mc:Choice xmlns:a14="http://schemas.microsoft.com/office/drawing/2010/main" Requires="a14">
+        <mc:AlternateContent xmlns:mc="http://schemas.openxmlformats.org/markup-compatibility/2006" xmlns:a14="http://schemas.microsoft.com/office/drawing/2010/main">
+          <mc:Choice Requires="a14">
             <p:sp>
               <p:nvSpPr>
                 <p:cNvPr id="4" name="TextBox 3">
@@ -6244,6 +6305,7 @@
                 </a:bodyPr>
                 <a:lstStyle/>
                 <a:p>
+                  <a:pPr/>
                   <a14:m>
                     <m:oMathPara xmlns:m="http://schemas.openxmlformats.org/officeDocument/2006/math">
                       <m:oMathParaPr>
@@ -6348,7 +6410,7 @@
               </p:txBody>
             </p:sp>
           </mc:Choice>
-          <mc:Fallback>
+          <mc:Fallback xmlns="">
             <p:sp>
               <p:nvSpPr>
                 <p:cNvPr id="4" name="TextBox 3">
@@ -6372,7 +6434,7 @@
                   <a:avLst/>
                 </a:prstGeom>
                 <a:blipFill>
-                  <a:blip r:embed="rId5"/>
+                  <a:blip r:embed="rId7"/>
                   <a:stretch>
                     <a:fillRect l="-2723" r="-1485" b="-35417"/>
                   </a:stretch>
@@ -6394,8 +6456,8 @@
           </mc:Fallback>
         </mc:AlternateContent>
       </p:grpSp>
-      <mc:AlternateContent xmlns:mc="http://schemas.openxmlformats.org/markup-compatibility/2006">
-        <mc:Choice xmlns:a14="http://schemas.microsoft.com/office/drawing/2010/main" Requires="a14">
+      <mc:AlternateContent xmlns:mc="http://schemas.openxmlformats.org/markup-compatibility/2006" xmlns:a14="http://schemas.microsoft.com/office/drawing/2010/main">
+        <mc:Choice Requires="a14">
           <p:sp>
             <p:nvSpPr>
               <p:cNvPr id="6" name="TextBox 5">
@@ -6424,6 +6486,7 @@
               </a:bodyPr>
               <a:lstStyle/>
               <a:p>
+                <a:pPr/>
                 <a14:m>
                   <m:oMathPara xmlns:m="http://schemas.openxmlformats.org/officeDocument/2006/math">
                     <m:oMathParaPr>
@@ -6475,7 +6538,7 @@
             </p:txBody>
           </p:sp>
         </mc:Choice>
-        <mc:Fallback>
+        <mc:Fallback xmlns="">
           <p:sp>
             <p:nvSpPr>
               <p:cNvPr id="6" name="TextBox 5">
@@ -6499,7 +6562,7 @@
                 <a:avLst/>
               </a:prstGeom>
               <a:blipFill>
-                <a:blip r:embed="rId6"/>
+                <a:blip r:embed="rId8"/>
                 <a:stretch>
                   <a:fillRect/>
                 </a:stretch>
@@ -6520,8 +6583,8 @@
           </p:sp>
         </mc:Fallback>
       </mc:AlternateContent>
-      <mc:AlternateContent xmlns:mc="http://schemas.openxmlformats.org/markup-compatibility/2006">
-        <mc:Choice xmlns:a14="http://schemas.microsoft.com/office/drawing/2010/main" Requires="a14">
+      <mc:AlternateContent xmlns:mc="http://schemas.openxmlformats.org/markup-compatibility/2006" xmlns:a14="http://schemas.microsoft.com/office/drawing/2010/main">
+        <mc:Choice Requires="a14">
           <p:sp>
             <p:nvSpPr>
               <p:cNvPr id="7" name="TextBox 6">
@@ -6550,6 +6613,7 @@
               </a:bodyPr>
               <a:lstStyle/>
               <a:p>
+                <a:pPr/>
                 <a14:m>
                   <m:oMathPara xmlns:m="http://schemas.openxmlformats.org/officeDocument/2006/math">
                     <m:oMathParaPr>
@@ -6721,7 +6785,7 @@
             </p:txBody>
           </p:sp>
         </mc:Choice>
-        <mc:Fallback>
+        <mc:Fallback xmlns="">
           <p:sp>
             <p:nvSpPr>
               <p:cNvPr id="7" name="TextBox 6">
@@ -6745,7 +6809,7 @@
                 <a:avLst/>
               </a:prstGeom>
               <a:blipFill>
-                <a:blip r:embed="rId7"/>
+                <a:blip r:embed="rId9"/>
                 <a:stretch>
                   <a:fillRect/>
                 </a:stretch>
@@ -6786,8 +6850,8 @@
             <a:chExt cx="1861487" cy="1657365"/>
           </a:xfrm>
         </p:grpSpPr>
-        <mc:AlternateContent xmlns:mc="http://schemas.openxmlformats.org/markup-compatibility/2006">
-          <mc:Choice xmlns:a14="http://schemas.microsoft.com/office/drawing/2010/main" Requires="a14">
+        <mc:AlternateContent xmlns:mc="http://schemas.openxmlformats.org/markup-compatibility/2006" xmlns:a14="http://schemas.microsoft.com/office/drawing/2010/main">
+          <mc:Choice Requires="a14">
             <p:sp>
               <p:nvSpPr>
                 <p:cNvPr id="9" name="TextBox 8">
@@ -6936,7 +7000,7 @@
               </p:txBody>
             </p:sp>
           </mc:Choice>
-          <mc:Fallback>
+          <mc:Fallback xmlns="">
             <p:sp>
               <p:nvSpPr>
                 <p:cNvPr id="9" name="TextBox 8">
@@ -6960,7 +7024,7 @@
                   <a:avLst/>
                 </a:prstGeom>
                 <a:blipFill>
-                  <a:blip r:embed="rId8"/>
+                  <a:blip r:embed="rId10"/>
                   <a:stretch>
                     <a:fillRect l="-11962" b="-25253"/>
                   </a:stretch>
@@ -6981,8 +7045,8 @@
             </p:sp>
           </mc:Fallback>
         </mc:AlternateContent>
-        <mc:AlternateContent xmlns:mc="http://schemas.openxmlformats.org/markup-compatibility/2006">
-          <mc:Choice xmlns:a14="http://schemas.microsoft.com/office/drawing/2010/main" Requires="a14">
+        <mc:AlternateContent xmlns:mc="http://schemas.openxmlformats.org/markup-compatibility/2006" xmlns:a14="http://schemas.microsoft.com/office/drawing/2010/main">
+          <mc:Choice Requires="a14">
             <p:sp>
               <p:nvSpPr>
                 <p:cNvPr id="10" name="TextBox 9">
@@ -7020,7 +7084,7 @@
                       <m:d>
                         <m:dPr>
                           <m:ctrlPr>
-                            <a:rPr lang="ko-KR" altLang="en-US" sz="2000" smtClean="0">
+                            <a:rPr lang="ko-KR" altLang="en-US" sz="2000" i="1" smtClean="0">
                               <a:latin typeface="Cambria Math" panose="02040503050406030204" pitchFamily="18" charset="0"/>
                             </a:rPr>
                           </m:ctrlPr>
@@ -7114,7 +7178,7 @@
               </p:txBody>
             </p:sp>
           </mc:Choice>
-          <mc:Fallback>
+          <mc:Fallback xmlns="">
             <p:sp>
               <p:nvSpPr>
                 <p:cNvPr id="10" name="TextBox 9">
@@ -7138,7 +7202,7 @@
                   <a:avLst/>
                 </a:prstGeom>
                 <a:blipFill>
-                  <a:blip r:embed="rId9"/>
+                  <a:blip r:embed="rId11"/>
                   <a:stretch>
                     <a:fillRect l="-8525" b="-36232"/>
                   </a:stretch>
@@ -7159,8 +7223,8 @@
             </p:sp>
           </mc:Fallback>
         </mc:AlternateContent>
-        <mc:AlternateContent xmlns:mc="http://schemas.openxmlformats.org/markup-compatibility/2006">
-          <mc:Choice xmlns:a14="http://schemas.microsoft.com/office/drawing/2010/main" Requires="a14">
+        <mc:AlternateContent xmlns:mc="http://schemas.openxmlformats.org/markup-compatibility/2006" xmlns:a14="http://schemas.microsoft.com/office/drawing/2010/main">
+          <mc:Choice Requires="a14">
             <p:sp>
               <p:nvSpPr>
                 <p:cNvPr id="11" name="TextBox 10">
@@ -7275,7 +7339,7 @@
               </p:txBody>
             </p:sp>
           </mc:Choice>
-          <mc:Fallback>
+          <mc:Fallback xmlns="">
             <p:sp>
               <p:nvSpPr>
                 <p:cNvPr id="11" name="TextBox 10">
@@ -7299,7 +7363,7 @@
                   <a:avLst/>
                 </a:prstGeom>
                 <a:blipFill>
-                  <a:blip r:embed="rId10"/>
+                  <a:blip r:embed="rId12"/>
                   <a:stretch>
                     <a:fillRect l="-12019" b="-36232"/>
                   </a:stretch>
